--- a/Lecture/Lecture 5/Lecture 5.pptx
+++ b/Lecture/Lecture 5/Lecture 5.pptx
@@ -8644,7 +8644,7 @@
                   <a:srgbClr val="404040"/>
                 </a:solidFill>
               </a:rPr>
-              <a:t>Tutorial II</a:t>
+              <a:t>Tutorial 3</a:t>
             </a:r>
           </a:p>
           <a:p>

--- a/Lecture/Lecture 5/Lecture 5.pptx
+++ b/Lecture/Lecture 5/Lecture 5.pptx
@@ -278,7 +278,7 @@
               <a:pPr>
                 <a:defRPr/>
               </a:pPr>
-              <a:t>8/31/2018</a:t>
+              <a:t>9/5/2018</a:t>
             </a:fld>
             <a:endParaRPr lang="en-US" dirty="0"/>
           </a:p>
@@ -490,7 +490,7 @@
               <a:pPr>
                 <a:defRPr/>
               </a:pPr>
-              <a:t>8/31/2018</a:t>
+              <a:t>9/5/2018</a:t>
             </a:fld>
             <a:endParaRPr lang="en-US" dirty="0"/>
           </a:p>
@@ -1009,7 +1009,7 @@
               <a:pPr>
                 <a:defRPr/>
               </a:pPr>
-              <a:t>8/31/2018</a:t>
+              <a:t>9/5/2018</a:t>
             </a:fld>
             <a:endParaRPr lang="en-US" dirty="0"/>
           </a:p>
@@ -1199,7 +1199,7 @@
               <a:pPr>
                 <a:defRPr/>
               </a:pPr>
-              <a:t>8/31/2018</a:t>
+              <a:t>9/5/2018</a:t>
             </a:fld>
             <a:endParaRPr lang="en-US" dirty="0"/>
           </a:p>
@@ -1399,7 +1399,7 @@
               <a:pPr>
                 <a:defRPr/>
               </a:pPr>
-              <a:t>8/31/2018</a:t>
+              <a:t>9/5/2018</a:t>
             </a:fld>
             <a:endParaRPr lang="en-US" dirty="0"/>
           </a:p>
@@ -1667,7 +1667,7 @@
               <a:pPr>
                 <a:defRPr/>
               </a:pPr>
-              <a:t>8/31/2018</a:t>
+              <a:t>9/5/2018</a:t>
             </a:fld>
             <a:endParaRPr lang="en-US" dirty="0">
               <a:solidFill>
@@ -1881,7 +1881,7 @@
               <a:pPr>
                 <a:defRPr/>
               </a:pPr>
-              <a:t>8/31/2018</a:t>
+              <a:t>9/5/2018</a:t>
             </a:fld>
             <a:endParaRPr lang="en-US" dirty="0">
               <a:solidFill>
@@ -2172,7 +2172,7 @@
               <a:pPr>
                 <a:defRPr/>
               </a:pPr>
-              <a:t>8/31/2018</a:t>
+              <a:t>9/5/2018</a:t>
             </a:fld>
             <a:endParaRPr lang="en-US" dirty="0">
               <a:solidFill>
@@ -2503,7 +2503,7 @@
               <a:pPr>
                 <a:defRPr/>
               </a:pPr>
-              <a:t>8/31/2018</a:t>
+              <a:t>9/5/2018</a:t>
             </a:fld>
             <a:endParaRPr lang="en-US" dirty="0">
               <a:solidFill>
@@ -2968,7 +2968,7 @@
               <a:pPr>
                 <a:defRPr/>
               </a:pPr>
-              <a:t>8/31/2018</a:t>
+              <a:t>9/5/2018</a:t>
             </a:fld>
             <a:endParaRPr lang="en-US" dirty="0">
               <a:solidFill>
@@ -3131,7 +3131,7 @@
               <a:pPr>
                 <a:defRPr/>
               </a:pPr>
-              <a:t>8/31/2018</a:t>
+              <a:t>9/5/2018</a:t>
             </a:fld>
             <a:endParaRPr lang="en-US" dirty="0">
               <a:solidFill>
@@ -3272,7 +3272,7 @@
               <a:pPr>
                 <a:defRPr/>
               </a:pPr>
-              <a:t>8/31/2018</a:t>
+              <a:t>9/5/2018</a:t>
             </a:fld>
             <a:endParaRPr lang="en-US" dirty="0">
               <a:solidFill>
@@ -3593,7 +3593,7 @@
               <a:pPr>
                 <a:defRPr/>
               </a:pPr>
-              <a:t>8/31/2018</a:t>
+              <a:t>9/5/2018</a:t>
             </a:fld>
             <a:endParaRPr lang="en-US" dirty="0">
               <a:solidFill>
@@ -3801,7 +3801,7 @@
               <a:pPr>
                 <a:defRPr/>
               </a:pPr>
-              <a:t>8/31/2018</a:t>
+              <a:t>9/5/2018</a:t>
             </a:fld>
             <a:endParaRPr lang="en-US" dirty="0"/>
           </a:p>
@@ -4084,7 +4084,7 @@
               <a:pPr>
                 <a:defRPr/>
               </a:pPr>
-              <a:t>8/31/2018</a:t>
+              <a:t>9/5/2018</a:t>
             </a:fld>
             <a:endParaRPr lang="en-US" dirty="0">
               <a:solidFill>
@@ -4298,7 +4298,7 @@
               <a:pPr>
                 <a:defRPr/>
               </a:pPr>
-              <a:t>8/31/2018</a:t>
+              <a:t>9/5/2018</a:t>
             </a:fld>
             <a:endParaRPr lang="en-US" dirty="0">
               <a:solidFill>
@@ -4522,7 +4522,7 @@
               <a:pPr>
                 <a:defRPr/>
               </a:pPr>
-              <a:t>8/31/2018</a:t>
+              <a:t>9/5/2018</a:t>
             </a:fld>
             <a:endParaRPr lang="en-US" dirty="0">
               <a:solidFill>
@@ -4732,7 +4732,7 @@
               <a:pPr>
                 <a:defRPr/>
               </a:pPr>
-              <a:t>8/31/2018</a:t>
+              <a:t>9/5/2018</a:t>
             </a:fld>
             <a:endParaRPr lang="en-US" dirty="0">
               <a:solidFill>
@@ -5009,7 +5009,7 @@
               <a:pPr>
                 <a:defRPr/>
               </a:pPr>
-              <a:t>8/31/2018</a:t>
+              <a:t>9/5/2018</a:t>
             </a:fld>
             <a:endParaRPr lang="en-US" dirty="0"/>
           </a:p>
@@ -5316,7 +5316,7 @@
               <a:pPr>
                 <a:defRPr/>
               </a:pPr>
-              <a:t>8/31/2018</a:t>
+              <a:t>9/5/2018</a:t>
             </a:fld>
             <a:endParaRPr lang="en-US" dirty="0"/>
           </a:p>
@@ -5757,7 +5757,7 @@
               <a:pPr>
                 <a:defRPr/>
               </a:pPr>
-              <a:t>8/31/2018</a:t>
+              <a:t>9/5/2018</a:t>
             </a:fld>
             <a:endParaRPr lang="en-US" dirty="0"/>
           </a:p>
@@ -5896,7 +5896,7 @@
               <a:pPr>
                 <a:defRPr/>
               </a:pPr>
-              <a:t>8/31/2018</a:t>
+              <a:t>9/5/2018</a:t>
             </a:fld>
             <a:endParaRPr lang="en-US" dirty="0"/>
           </a:p>
@@ -6013,7 +6013,7 @@
               <a:pPr>
                 <a:defRPr/>
               </a:pPr>
-              <a:t>8/31/2018</a:t>
+              <a:t>9/5/2018</a:t>
             </a:fld>
             <a:endParaRPr lang="en-US" dirty="0"/>
           </a:p>
@@ -6310,7 +6310,7 @@
               <a:pPr>
                 <a:defRPr/>
               </a:pPr>
-              <a:t>8/31/2018</a:t>
+              <a:t>9/5/2018</a:t>
             </a:fld>
             <a:endParaRPr lang="en-US" dirty="0"/>
           </a:p>
@@ -6587,7 +6587,7 @@
               <a:pPr>
                 <a:defRPr/>
               </a:pPr>
-              <a:t>8/31/2018</a:t>
+              <a:t>9/5/2018</a:t>
             </a:fld>
             <a:endParaRPr lang="en-US" dirty="0"/>
           </a:p>
@@ -6844,7 +6844,7 @@
               <a:pPr>
                 <a:defRPr/>
               </a:pPr>
-              <a:t>8/31/2018</a:t>
+              <a:t>9/5/2018</a:t>
             </a:fld>
             <a:endParaRPr lang="en-US" dirty="0"/>
           </a:p>
@@ -7554,7 +7554,7 @@
               <a:pPr>
                 <a:defRPr/>
               </a:pPr>
-              <a:t>8/31/2018</a:t>
+              <a:t>9/5/2018</a:t>
             </a:fld>
             <a:endParaRPr lang="en-US" dirty="0">
               <a:solidFill>
@@ -8992,7 +8992,7 @@
               </a:lnSpc>
             </a:pPr>
             <a:r>
-              <a:rPr lang="en-US" sz="2400" kern="1200" dirty="0">
+              <a:rPr lang="en-US" sz="2400" kern="1200">
                 <a:solidFill>
                   <a:schemeClr val="bg1"/>
                 </a:solidFill>
@@ -9001,16 +9001,6 @@
                 <a:cs typeface="+mj-cs"/>
               </a:rPr>
               <a:t>Closing</a:t>
-            </a:r>
-            <a:r>
-              <a:rPr lang="en-US" sz="2400" dirty="0">
-                <a:solidFill>
-                  <a:schemeClr val="bg1"/>
-                </a:solidFill>
-                <a:ea typeface="+mj-ea"/>
-                <a:cs typeface="+mj-cs"/>
-              </a:rPr>
-              <a:t>?</a:t>
             </a:r>
             <a:endParaRPr lang="en-US" sz="2400" kern="1200" dirty="0">
               <a:solidFill>

--- a/Lecture/Lecture 5/Lecture 5.pptx
+++ b/Lecture/Lecture 5/Lecture 5.pptx
@@ -278,7 +278,7 @@
               <a:pPr>
                 <a:defRPr/>
               </a:pPr>
-              <a:t>9/5/2018</a:t>
+              <a:t>1/15/2019</a:t>
             </a:fld>
             <a:endParaRPr lang="en-US" dirty="0"/>
           </a:p>
@@ -490,7 +490,7 @@
               <a:pPr>
                 <a:defRPr/>
               </a:pPr>
-              <a:t>9/5/2018</a:t>
+              <a:t>1/15/2019</a:t>
             </a:fld>
             <a:endParaRPr lang="en-US" dirty="0"/>
           </a:p>
@@ -1009,7 +1009,7 @@
               <a:pPr>
                 <a:defRPr/>
               </a:pPr>
-              <a:t>9/5/2018</a:t>
+              <a:t>1/15/2019</a:t>
             </a:fld>
             <a:endParaRPr lang="en-US" dirty="0"/>
           </a:p>
@@ -1199,7 +1199,7 @@
               <a:pPr>
                 <a:defRPr/>
               </a:pPr>
-              <a:t>9/5/2018</a:t>
+              <a:t>1/15/2019</a:t>
             </a:fld>
             <a:endParaRPr lang="en-US" dirty="0"/>
           </a:p>
@@ -1399,7 +1399,7 @@
               <a:pPr>
                 <a:defRPr/>
               </a:pPr>
-              <a:t>9/5/2018</a:t>
+              <a:t>1/15/2019</a:t>
             </a:fld>
             <a:endParaRPr lang="en-US" dirty="0"/>
           </a:p>
@@ -1667,7 +1667,7 @@
               <a:pPr>
                 <a:defRPr/>
               </a:pPr>
-              <a:t>9/5/2018</a:t>
+              <a:t>1/15/2019</a:t>
             </a:fld>
             <a:endParaRPr lang="en-US" dirty="0">
               <a:solidFill>
@@ -1881,7 +1881,7 @@
               <a:pPr>
                 <a:defRPr/>
               </a:pPr>
-              <a:t>9/5/2018</a:t>
+              <a:t>1/15/2019</a:t>
             </a:fld>
             <a:endParaRPr lang="en-US" dirty="0">
               <a:solidFill>
@@ -2172,7 +2172,7 @@
               <a:pPr>
                 <a:defRPr/>
               </a:pPr>
-              <a:t>9/5/2018</a:t>
+              <a:t>1/15/2019</a:t>
             </a:fld>
             <a:endParaRPr lang="en-US" dirty="0">
               <a:solidFill>
@@ -2503,7 +2503,7 @@
               <a:pPr>
                 <a:defRPr/>
               </a:pPr>
-              <a:t>9/5/2018</a:t>
+              <a:t>1/15/2019</a:t>
             </a:fld>
             <a:endParaRPr lang="en-US" dirty="0">
               <a:solidFill>
@@ -2968,7 +2968,7 @@
               <a:pPr>
                 <a:defRPr/>
               </a:pPr>
-              <a:t>9/5/2018</a:t>
+              <a:t>1/15/2019</a:t>
             </a:fld>
             <a:endParaRPr lang="en-US" dirty="0">
               <a:solidFill>
@@ -3131,7 +3131,7 @@
               <a:pPr>
                 <a:defRPr/>
               </a:pPr>
-              <a:t>9/5/2018</a:t>
+              <a:t>1/15/2019</a:t>
             </a:fld>
             <a:endParaRPr lang="en-US" dirty="0">
               <a:solidFill>
@@ -3272,7 +3272,7 @@
               <a:pPr>
                 <a:defRPr/>
               </a:pPr>
-              <a:t>9/5/2018</a:t>
+              <a:t>1/15/2019</a:t>
             </a:fld>
             <a:endParaRPr lang="en-US" dirty="0">
               <a:solidFill>
@@ -3593,7 +3593,7 @@
               <a:pPr>
                 <a:defRPr/>
               </a:pPr>
-              <a:t>9/5/2018</a:t>
+              <a:t>1/15/2019</a:t>
             </a:fld>
             <a:endParaRPr lang="en-US" dirty="0">
               <a:solidFill>
@@ -3801,7 +3801,7 @@
               <a:pPr>
                 <a:defRPr/>
               </a:pPr>
-              <a:t>9/5/2018</a:t>
+              <a:t>1/15/2019</a:t>
             </a:fld>
             <a:endParaRPr lang="en-US" dirty="0"/>
           </a:p>
@@ -4084,7 +4084,7 @@
               <a:pPr>
                 <a:defRPr/>
               </a:pPr>
-              <a:t>9/5/2018</a:t>
+              <a:t>1/15/2019</a:t>
             </a:fld>
             <a:endParaRPr lang="en-US" dirty="0">
               <a:solidFill>
@@ -4298,7 +4298,7 @@
               <a:pPr>
                 <a:defRPr/>
               </a:pPr>
-              <a:t>9/5/2018</a:t>
+              <a:t>1/15/2019</a:t>
             </a:fld>
             <a:endParaRPr lang="en-US" dirty="0">
               <a:solidFill>
@@ -4522,7 +4522,7 @@
               <a:pPr>
                 <a:defRPr/>
               </a:pPr>
-              <a:t>9/5/2018</a:t>
+              <a:t>1/15/2019</a:t>
             </a:fld>
             <a:endParaRPr lang="en-US" dirty="0">
               <a:solidFill>
@@ -4732,7 +4732,7 @@
               <a:pPr>
                 <a:defRPr/>
               </a:pPr>
-              <a:t>9/5/2018</a:t>
+              <a:t>1/15/2019</a:t>
             </a:fld>
             <a:endParaRPr lang="en-US" dirty="0">
               <a:solidFill>
@@ -5009,7 +5009,7 @@
               <a:pPr>
                 <a:defRPr/>
               </a:pPr>
-              <a:t>9/5/2018</a:t>
+              <a:t>1/15/2019</a:t>
             </a:fld>
             <a:endParaRPr lang="en-US" dirty="0"/>
           </a:p>
@@ -5316,7 +5316,7 @@
               <a:pPr>
                 <a:defRPr/>
               </a:pPr>
-              <a:t>9/5/2018</a:t>
+              <a:t>1/15/2019</a:t>
             </a:fld>
             <a:endParaRPr lang="en-US" dirty="0"/>
           </a:p>
@@ -5757,7 +5757,7 @@
               <a:pPr>
                 <a:defRPr/>
               </a:pPr>
-              <a:t>9/5/2018</a:t>
+              <a:t>1/15/2019</a:t>
             </a:fld>
             <a:endParaRPr lang="en-US" dirty="0"/>
           </a:p>
@@ -5896,7 +5896,7 @@
               <a:pPr>
                 <a:defRPr/>
               </a:pPr>
-              <a:t>9/5/2018</a:t>
+              <a:t>1/15/2019</a:t>
             </a:fld>
             <a:endParaRPr lang="en-US" dirty="0"/>
           </a:p>
@@ -6013,7 +6013,7 @@
               <a:pPr>
                 <a:defRPr/>
               </a:pPr>
-              <a:t>9/5/2018</a:t>
+              <a:t>1/15/2019</a:t>
             </a:fld>
             <a:endParaRPr lang="en-US" dirty="0"/>
           </a:p>
@@ -6310,7 +6310,7 @@
               <a:pPr>
                 <a:defRPr/>
               </a:pPr>
-              <a:t>9/5/2018</a:t>
+              <a:t>1/15/2019</a:t>
             </a:fld>
             <a:endParaRPr lang="en-US" dirty="0"/>
           </a:p>
@@ -6587,7 +6587,7 @@
               <a:pPr>
                 <a:defRPr/>
               </a:pPr>
-              <a:t>9/5/2018</a:t>
+              <a:t>1/15/2019</a:t>
             </a:fld>
             <a:endParaRPr lang="en-US" dirty="0"/>
           </a:p>
@@ -6844,7 +6844,7 @@
               <a:pPr>
                 <a:defRPr/>
               </a:pPr>
-              <a:t>9/5/2018</a:t>
+              <a:t>1/15/2019</a:t>
             </a:fld>
             <a:endParaRPr lang="en-US" dirty="0"/>
           </a:p>
@@ -7554,7 +7554,7 @@
               <a:pPr>
                 <a:defRPr/>
               </a:pPr>
-              <a:t>9/5/2018</a:t>
+              <a:t>1/15/2019</a:t>
             </a:fld>
             <a:endParaRPr lang="en-US" dirty="0">
               <a:solidFill>
@@ -8571,7 +8571,7 @@
                 <a:ea typeface="+mj-ea"/>
                 <a:cs typeface="+mj-cs"/>
               </a:rPr>
-              <a:t>Data Transformation II Info</a:t>
+              <a:t>Information</a:t>
             </a:r>
           </a:p>
         </p:txBody>

--- a/Lecture/Lecture 5/Lecture 5.pptx
+++ b/Lecture/Lecture 5/Lecture 5.pptx
@@ -6,20 +6,27 @@
     <p:sldMasterId id="2147483676" r:id="rId2"/>
   </p:sldMasterIdLst>
   <p:notesMasterIdLst>
-    <p:notesMasterId r:id="rId6"/>
+    <p:notesMasterId r:id="rId13"/>
   </p:notesMasterIdLst>
   <p:handoutMasterIdLst>
-    <p:handoutMasterId r:id="rId7"/>
+    <p:handoutMasterId r:id="rId14"/>
   </p:handoutMasterIdLst>
   <p:sldIdLst>
     <p:sldId id="320" r:id="rId3"/>
-    <p:sldId id="324" r:id="rId4"/>
-    <p:sldId id="329" r:id="rId5"/>
+    <p:sldId id="351" r:id="rId4"/>
+    <p:sldId id="352" r:id="rId5"/>
+    <p:sldId id="353" r:id="rId6"/>
+    <p:sldId id="354" r:id="rId7"/>
+    <p:sldId id="355" r:id="rId8"/>
+    <p:sldId id="356" r:id="rId9"/>
+    <p:sldId id="357" r:id="rId10"/>
+    <p:sldId id="324" r:id="rId11"/>
+    <p:sldId id="329" r:id="rId12"/>
   </p:sldIdLst>
   <p:sldSz cx="9144000" cy="6858000" type="screen4x3"/>
   <p:notesSz cx="6858000" cy="9144000"/>
   <p:custDataLst>
-    <p:tags r:id="rId8"/>
+    <p:tags r:id="rId15"/>
   </p:custDataLst>
   <p:defaultTextStyle>
     <a:defPPr>
@@ -278,7 +285,7 @@
               <a:pPr>
                 <a:defRPr/>
               </a:pPr>
-              <a:t>1/15/2019</a:t>
+              <a:t>1/17/2019</a:t>
             </a:fld>
             <a:endParaRPr lang="en-US" dirty="0"/>
           </a:p>
@@ -490,7 +497,7 @@
               <a:pPr>
                 <a:defRPr/>
               </a:pPr>
-              <a:t>1/15/2019</a:t>
+              <a:t>1/17/2019</a:t>
             </a:fld>
             <a:endParaRPr lang="en-US" dirty="0"/>
           </a:p>
@@ -1009,7 +1016,7 @@
               <a:pPr>
                 <a:defRPr/>
               </a:pPr>
-              <a:t>1/15/2019</a:t>
+              <a:t>1/17/2019</a:t>
             </a:fld>
             <a:endParaRPr lang="en-US" dirty="0"/>
           </a:p>
@@ -1199,7 +1206,7 @@
               <a:pPr>
                 <a:defRPr/>
               </a:pPr>
-              <a:t>1/15/2019</a:t>
+              <a:t>1/17/2019</a:t>
             </a:fld>
             <a:endParaRPr lang="en-US" dirty="0"/>
           </a:p>
@@ -1399,7 +1406,7 @@
               <a:pPr>
                 <a:defRPr/>
               </a:pPr>
-              <a:t>1/15/2019</a:t>
+              <a:t>1/17/2019</a:t>
             </a:fld>
             <a:endParaRPr lang="en-US" dirty="0"/>
           </a:p>
@@ -1667,7 +1674,7 @@
               <a:pPr>
                 <a:defRPr/>
               </a:pPr>
-              <a:t>1/15/2019</a:t>
+              <a:t>1/17/2019</a:t>
             </a:fld>
             <a:endParaRPr lang="en-US" dirty="0">
               <a:solidFill>
@@ -1881,7 +1888,7 @@
               <a:pPr>
                 <a:defRPr/>
               </a:pPr>
-              <a:t>1/15/2019</a:t>
+              <a:t>1/17/2019</a:t>
             </a:fld>
             <a:endParaRPr lang="en-US" dirty="0">
               <a:solidFill>
@@ -2172,7 +2179,7 @@
               <a:pPr>
                 <a:defRPr/>
               </a:pPr>
-              <a:t>1/15/2019</a:t>
+              <a:t>1/17/2019</a:t>
             </a:fld>
             <a:endParaRPr lang="en-US" dirty="0">
               <a:solidFill>
@@ -2503,7 +2510,7 @@
               <a:pPr>
                 <a:defRPr/>
               </a:pPr>
-              <a:t>1/15/2019</a:t>
+              <a:t>1/17/2019</a:t>
             </a:fld>
             <a:endParaRPr lang="en-US" dirty="0">
               <a:solidFill>
@@ -2968,7 +2975,7 @@
               <a:pPr>
                 <a:defRPr/>
               </a:pPr>
-              <a:t>1/15/2019</a:t>
+              <a:t>1/17/2019</a:t>
             </a:fld>
             <a:endParaRPr lang="en-US" dirty="0">
               <a:solidFill>
@@ -3131,7 +3138,7 @@
               <a:pPr>
                 <a:defRPr/>
               </a:pPr>
-              <a:t>1/15/2019</a:t>
+              <a:t>1/17/2019</a:t>
             </a:fld>
             <a:endParaRPr lang="en-US" dirty="0">
               <a:solidFill>
@@ -3272,7 +3279,7 @@
               <a:pPr>
                 <a:defRPr/>
               </a:pPr>
-              <a:t>1/15/2019</a:t>
+              <a:t>1/17/2019</a:t>
             </a:fld>
             <a:endParaRPr lang="en-US" dirty="0">
               <a:solidFill>
@@ -3593,7 +3600,7 @@
               <a:pPr>
                 <a:defRPr/>
               </a:pPr>
-              <a:t>1/15/2019</a:t>
+              <a:t>1/17/2019</a:t>
             </a:fld>
             <a:endParaRPr lang="en-US" dirty="0">
               <a:solidFill>
@@ -3801,7 +3808,7 @@
               <a:pPr>
                 <a:defRPr/>
               </a:pPr>
-              <a:t>1/15/2019</a:t>
+              <a:t>1/17/2019</a:t>
             </a:fld>
             <a:endParaRPr lang="en-US" dirty="0"/>
           </a:p>
@@ -4084,7 +4091,7 @@
               <a:pPr>
                 <a:defRPr/>
               </a:pPr>
-              <a:t>1/15/2019</a:t>
+              <a:t>1/17/2019</a:t>
             </a:fld>
             <a:endParaRPr lang="en-US" dirty="0">
               <a:solidFill>
@@ -4298,7 +4305,7 @@
               <a:pPr>
                 <a:defRPr/>
               </a:pPr>
-              <a:t>1/15/2019</a:t>
+              <a:t>1/17/2019</a:t>
             </a:fld>
             <a:endParaRPr lang="en-US" dirty="0">
               <a:solidFill>
@@ -4522,7 +4529,7 @@
               <a:pPr>
                 <a:defRPr/>
               </a:pPr>
-              <a:t>1/15/2019</a:t>
+              <a:t>1/17/2019</a:t>
             </a:fld>
             <a:endParaRPr lang="en-US" dirty="0">
               <a:solidFill>
@@ -4732,7 +4739,7 @@
               <a:pPr>
                 <a:defRPr/>
               </a:pPr>
-              <a:t>1/15/2019</a:t>
+              <a:t>1/17/2019</a:t>
             </a:fld>
             <a:endParaRPr lang="en-US" dirty="0">
               <a:solidFill>
@@ -5009,7 +5016,7 @@
               <a:pPr>
                 <a:defRPr/>
               </a:pPr>
-              <a:t>1/15/2019</a:t>
+              <a:t>1/17/2019</a:t>
             </a:fld>
             <a:endParaRPr lang="en-US" dirty="0"/>
           </a:p>
@@ -5316,7 +5323,7 @@
               <a:pPr>
                 <a:defRPr/>
               </a:pPr>
-              <a:t>1/15/2019</a:t>
+              <a:t>1/17/2019</a:t>
             </a:fld>
             <a:endParaRPr lang="en-US" dirty="0"/>
           </a:p>
@@ -5757,7 +5764,7 @@
               <a:pPr>
                 <a:defRPr/>
               </a:pPr>
-              <a:t>1/15/2019</a:t>
+              <a:t>1/17/2019</a:t>
             </a:fld>
             <a:endParaRPr lang="en-US" dirty="0"/>
           </a:p>
@@ -5896,7 +5903,7 @@
               <a:pPr>
                 <a:defRPr/>
               </a:pPr>
-              <a:t>1/15/2019</a:t>
+              <a:t>1/17/2019</a:t>
             </a:fld>
             <a:endParaRPr lang="en-US" dirty="0"/>
           </a:p>
@@ -6013,7 +6020,7 @@
               <a:pPr>
                 <a:defRPr/>
               </a:pPr>
-              <a:t>1/15/2019</a:t>
+              <a:t>1/17/2019</a:t>
             </a:fld>
             <a:endParaRPr lang="en-US" dirty="0"/>
           </a:p>
@@ -6310,7 +6317,7 @@
               <a:pPr>
                 <a:defRPr/>
               </a:pPr>
-              <a:t>1/15/2019</a:t>
+              <a:t>1/17/2019</a:t>
             </a:fld>
             <a:endParaRPr lang="en-US" dirty="0"/>
           </a:p>
@@ -6587,7 +6594,7 @@
               <a:pPr>
                 <a:defRPr/>
               </a:pPr>
-              <a:t>1/15/2019</a:t>
+              <a:t>1/17/2019</a:t>
             </a:fld>
             <a:endParaRPr lang="en-US" dirty="0"/>
           </a:p>
@@ -6844,7 +6851,7 @@
               <a:pPr>
                 <a:defRPr/>
               </a:pPr>
-              <a:t>1/15/2019</a:t>
+              <a:t>1/17/2019</a:t>
             </a:fld>
             <a:endParaRPr lang="en-US" dirty="0"/>
           </a:p>
@@ -7554,7 +7561,7 @@
               <a:pPr>
                 <a:defRPr/>
               </a:pPr>
-              <a:t>1/15/2019</a:t>
+              <a:t>1/17/2019</a:t>
             </a:fld>
             <a:endParaRPr lang="en-US" dirty="0">
               <a:solidFill>
@@ -8438,436 +8445,7 @@
 </p:sld>
 </file>
 
-<file path=ppt/slides/slide2.xml><?xml version="1.0" encoding="utf-8"?>
-<p:sld xmlns:a="http://schemas.openxmlformats.org/drawingml/2006/main" xmlns:r="http://schemas.openxmlformats.org/officeDocument/2006/relationships" xmlns:p="http://schemas.openxmlformats.org/presentationml/2006/main">
-  <p:cSld>
-    <p:bg>
-      <p:bgPr>
-        <a:solidFill>
-          <a:schemeClr val="bg1">
-            <a:lumMod val="85000"/>
-          </a:schemeClr>
-        </a:solidFill>
-        <a:effectLst/>
-      </p:bgPr>
-    </p:bg>
-    <p:spTree>
-      <p:nvGrpSpPr>
-        <p:cNvPr id="1" name=""/>
-        <p:cNvGrpSpPr/>
-        <p:nvPr/>
-      </p:nvGrpSpPr>
-      <p:grpSpPr>
-        <a:xfrm>
-          <a:off x="0" y="0"/>
-          <a:ext cx="0" cy="0"/>
-          <a:chOff x="0" y="0"/>
-          <a:chExt cx="0" cy="0"/>
-        </a:xfrm>
-      </p:grpSpPr>
-      <p:sp>
-        <p:nvSpPr>
-          <p:cNvPr id="15" name="Rectangle 12">
-            <a:extLst>
-              <a:ext uri="{FF2B5EF4-FFF2-40B4-BE49-F238E27FC236}">
-                <a16:creationId xmlns:a16="http://schemas.microsoft.com/office/drawing/2014/main" id="{867D4867-5BA7-4462-B2F6-A23F4A622AA7}"/>
-              </a:ext>
-              <a:ext uri="{C183D7F6-B498-43B3-948B-1728B52AA6E4}">
-                <adec:decorative xmlns:adec="http://schemas.microsoft.com/office/drawing/2017/decorative" val="1"/>
-              </a:ext>
-            </a:extLst>
-          </p:cNvPr>
-          <p:cNvSpPr>
-            <a:spLocks noGrp="1" noRot="1" noChangeAspect="1" noMove="1" noResize="1" noEditPoints="1" noAdjustHandles="1" noChangeArrowheads="1" noChangeShapeType="1" noTextEdit="1"/>
-          </p:cNvSpPr>
-          <p:nvPr>
-            <p:extLst>
-              <p:ext uri="{386F3935-93C4-4BCD-93E2-E3B085C9AB24}">
-                <p16:designElem xmlns:p16="http://schemas.microsoft.com/office/powerpoint/2015/main" val="1"/>
-              </p:ext>
-            </p:extLst>
-          </p:nvPr>
-        </p:nvSpPr>
-        <p:spPr>
-          <a:xfrm>
-            <a:off x="0" y="0"/>
-            <a:ext cx="3490722" cy="6858000"/>
-          </a:xfrm>
-          <a:prstGeom prst="rect">
-            <a:avLst/>
-          </a:prstGeom>
-          <a:solidFill>
-            <a:schemeClr val="tx1">
-              <a:lumMod val="75000"/>
-              <a:lumOff val="25000"/>
-            </a:schemeClr>
-          </a:solidFill>
-          <a:ln>
-            <a:noFill/>
-          </a:ln>
-        </p:spPr>
-        <p:style>
-          <a:lnRef idx="0">
-            <a:scrgbClr r="0" g="0" b="0"/>
-          </a:lnRef>
-          <a:fillRef idx="0">
-            <a:scrgbClr r="0" g="0" b="0"/>
-          </a:fillRef>
-          <a:effectRef idx="0">
-            <a:scrgbClr r="0" g="0" b="0"/>
-          </a:effectRef>
-          <a:fontRef idx="minor">
-            <a:schemeClr val="lt1"/>
-          </a:fontRef>
-        </p:style>
-        <p:txBody>
-          <a:bodyPr rtlCol="0" anchor="ctr"/>
-          <a:lstStyle/>
-          <a:p>
-            <a:pPr algn="ctr"/>
-            <a:endParaRPr lang="en-US"/>
-          </a:p>
-        </p:txBody>
-      </p:sp>
-      <p:sp>
-        <p:nvSpPr>
-          <p:cNvPr id="2" name="Title 1"/>
-          <p:cNvSpPr>
-            <a:spLocks noGrp="1"/>
-          </p:cNvSpPr>
-          <p:nvPr>
-            <p:ph type="title"/>
-          </p:nvPr>
-        </p:nvSpPr>
-        <p:spPr>
-          <a:xfrm>
-            <a:off x="482600" y="643467"/>
-            <a:ext cx="2522980" cy="1597315"/>
-          </a:xfrm>
-          <a:noFill/>
-          <a:ln w="19050">
-            <a:solidFill>
-              <a:schemeClr val="bg1"/>
-            </a:solidFill>
-          </a:ln>
-        </p:spPr>
-        <p:txBody>
-          <a:bodyPr vert="horz" wrap="square" lIns="91440" tIns="45720" rIns="91440" bIns="45720" rtlCol="0" anchor="ctr">
-            <a:normAutofit/>
-          </a:bodyPr>
-          <a:lstStyle/>
-          <a:p>
-            <a:pPr defTabSz="914400" eaLnBrk="1" hangingPunct="1">
-              <a:lnSpc>
-                <a:spcPct val="90000"/>
-              </a:lnSpc>
-            </a:pPr>
-            <a:r>
-              <a:rPr lang="en-US" sz="2400" kern="1200" dirty="0">
-                <a:solidFill>
-                  <a:schemeClr val="bg1"/>
-                </a:solidFill>
-                <a:latin typeface="+mj-lt"/>
-                <a:ea typeface="+mj-ea"/>
-                <a:cs typeface="+mj-cs"/>
-              </a:rPr>
-              <a:t>Information</a:t>
-            </a:r>
-          </a:p>
-        </p:txBody>
-      </p:sp>
-      <p:pic>
-        <p:nvPicPr>
-          <p:cNvPr id="8" name="Picture 7">
-            <a:extLst>
-              <a:ext uri="{FF2B5EF4-FFF2-40B4-BE49-F238E27FC236}">
-                <a16:creationId xmlns:a16="http://schemas.microsoft.com/office/drawing/2014/main" id="{521D4292-9ECC-4DA5-8CC0-C561A0DA118E}"/>
-              </a:ext>
-            </a:extLst>
-          </p:cNvPr>
-          <p:cNvPicPr>
-            <a:picLocks noChangeAspect="1"/>
-          </p:cNvPicPr>
-          <p:nvPr/>
-        </p:nvPicPr>
-        <p:blipFill rotWithShape="1">
-          <a:blip r:embed="rId3"/>
-          <a:srcRect l="8000" r="9400"/>
-          <a:stretch/>
-        </p:blipFill>
-        <p:spPr>
-          <a:xfrm>
-            <a:off x="660103" y="3048000"/>
-            <a:ext cx="2167974" cy="2624666"/>
-          </a:xfrm>
-          <a:prstGeom prst="rect">
-            <a:avLst/>
-          </a:prstGeom>
-          <a:noFill/>
-        </p:spPr>
-      </p:pic>
-      <p:sp>
-        <p:nvSpPr>
-          <p:cNvPr id="4" name="TextBox 3">
-            <a:extLst>
-              <a:ext uri="{FF2B5EF4-FFF2-40B4-BE49-F238E27FC236}">
-                <a16:creationId xmlns:a16="http://schemas.microsoft.com/office/drawing/2014/main" id="{9B70DD5F-80AF-47A6-9622-DF0880C2AE63}"/>
-              </a:ext>
-            </a:extLst>
-          </p:cNvPr>
-          <p:cNvSpPr txBox="1"/>
-          <p:nvPr/>
-        </p:nvSpPr>
-        <p:spPr>
-          <a:xfrm>
-            <a:off x="3810000" y="643467"/>
-            <a:ext cx="4953000" cy="6001643"/>
-          </a:xfrm>
-          <a:prstGeom prst="rect">
-            <a:avLst/>
-          </a:prstGeom>
-          <a:noFill/>
-        </p:spPr>
-        <p:txBody>
-          <a:bodyPr wrap="square" rtlCol="0">
-            <a:spAutoFit/>
-          </a:bodyPr>
-          <a:lstStyle/>
-          <a:p>
-            <a:pPr marL="342900" indent="-342900">
-              <a:buFont typeface="Arial" panose="020B0604020202020204" pitchFamily="34" charset="0"/>
-              <a:buChar char="•"/>
-            </a:pPr>
-            <a:r>
-              <a:rPr lang="en-US" dirty="0">
-                <a:solidFill>
-                  <a:srgbClr val="404040"/>
-                </a:solidFill>
-              </a:rPr>
-              <a:t>Tutorial 3</a:t>
-            </a:r>
-          </a:p>
-          <a:p>
-            <a:pPr marL="800100" lvl="1" indent="-342900">
-              <a:buFont typeface="Arial" panose="020B0604020202020204" pitchFamily="34" charset="0"/>
-              <a:buChar char="•"/>
-            </a:pPr>
-            <a:r>
-              <a:rPr lang="en-US" dirty="0">
-                <a:solidFill>
-                  <a:srgbClr val="404040"/>
-                </a:solidFill>
-              </a:rPr>
-              <a:t>Practice</a:t>
-            </a:r>
-          </a:p>
-          <a:p>
-            <a:pPr marL="1257300" lvl="2" indent="-342900">
-              <a:buFont typeface="Arial" panose="020B0604020202020204" pitchFamily="34" charset="0"/>
-              <a:buChar char="•"/>
-            </a:pPr>
-            <a:r>
-              <a:rPr lang="en-US" dirty="0">
-                <a:solidFill>
-                  <a:srgbClr val="404040"/>
-                </a:solidFill>
-              </a:rPr>
-              <a:t>filter()</a:t>
-            </a:r>
-          </a:p>
-          <a:p>
-            <a:pPr marL="1257300" lvl="2" indent="-342900">
-              <a:buFont typeface="Arial" panose="020B0604020202020204" pitchFamily="34" charset="0"/>
-              <a:buChar char="•"/>
-            </a:pPr>
-            <a:r>
-              <a:rPr lang="en-US" dirty="0">
-                <a:solidFill>
-                  <a:srgbClr val="404040"/>
-                </a:solidFill>
-              </a:rPr>
-              <a:t>arrange()</a:t>
-            </a:r>
-          </a:p>
-          <a:p>
-            <a:pPr marL="1257300" lvl="2" indent="-342900">
-              <a:buFont typeface="Arial" panose="020B0604020202020204" pitchFamily="34" charset="0"/>
-              <a:buChar char="•"/>
-            </a:pPr>
-            <a:r>
-              <a:rPr lang="en-US" dirty="0">
-                <a:solidFill>
-                  <a:srgbClr val="404040"/>
-                </a:solidFill>
-              </a:rPr>
-              <a:t>select()</a:t>
-            </a:r>
-          </a:p>
-          <a:p>
-            <a:pPr marL="1257300" lvl="2" indent="-342900">
-              <a:buFont typeface="Arial" panose="020B0604020202020204" pitchFamily="34" charset="0"/>
-              <a:buChar char="•"/>
-            </a:pPr>
-            <a:r>
-              <a:rPr lang="en-US" dirty="0">
-                <a:solidFill>
-                  <a:srgbClr val="404040"/>
-                </a:solidFill>
-              </a:rPr>
-              <a:t>mutate()</a:t>
-            </a:r>
-          </a:p>
-          <a:p>
-            <a:pPr marL="800100" lvl="1" indent="-342900">
-              <a:buFont typeface="Arial" panose="020B0604020202020204" pitchFamily="34" charset="0"/>
-              <a:buChar char="•"/>
-            </a:pPr>
-            <a:endParaRPr lang="en-US" dirty="0">
-              <a:solidFill>
-                <a:srgbClr val="404040"/>
-              </a:solidFill>
-            </a:endParaRPr>
-          </a:p>
-          <a:p>
-            <a:pPr marL="800100" lvl="1" indent="-342900">
-              <a:buFont typeface="Arial" panose="020B0604020202020204" pitchFamily="34" charset="0"/>
-              <a:buChar char="•"/>
-            </a:pPr>
-            <a:r>
-              <a:rPr lang="en-US" dirty="0">
-                <a:solidFill>
-                  <a:srgbClr val="404040"/>
-                </a:solidFill>
-              </a:rPr>
-              <a:t>Introduced</a:t>
-            </a:r>
-          </a:p>
-          <a:p>
-            <a:pPr marL="1257300" lvl="2" indent="-342900">
-              <a:buFont typeface="Arial" panose="020B0604020202020204" pitchFamily="34" charset="0"/>
-              <a:buChar char="•"/>
-            </a:pPr>
-            <a:r>
-              <a:rPr lang="en-US" dirty="0">
-                <a:solidFill>
-                  <a:srgbClr val="404040"/>
-                </a:solidFill>
-              </a:rPr>
-              <a:t>Piping %&gt;%</a:t>
-            </a:r>
-          </a:p>
-          <a:p>
-            <a:pPr marL="1257300" lvl="2" indent="-342900">
-              <a:buFont typeface="Arial" panose="020B0604020202020204" pitchFamily="34" charset="0"/>
-              <a:buChar char="•"/>
-            </a:pPr>
-            <a:r>
-              <a:rPr lang="en-US" dirty="0" err="1">
-                <a:solidFill>
-                  <a:srgbClr val="404040"/>
-                </a:solidFill>
-              </a:rPr>
-              <a:t>group_by</a:t>
-            </a:r>
-            <a:r>
-              <a:rPr lang="en-US" dirty="0">
-                <a:solidFill>
-                  <a:srgbClr val="404040"/>
-                </a:solidFill>
-              </a:rPr>
-              <a:t>()</a:t>
-            </a:r>
-          </a:p>
-          <a:p>
-            <a:pPr marL="1257300" lvl="2" indent="-342900">
-              <a:buFont typeface="Arial" panose="020B0604020202020204" pitchFamily="34" charset="0"/>
-              <a:buChar char="•"/>
-            </a:pPr>
-            <a:r>
-              <a:rPr lang="en-US" dirty="0">
-                <a:solidFill>
-                  <a:srgbClr val="404040"/>
-                </a:solidFill>
-              </a:rPr>
-              <a:t>summarize()</a:t>
-            </a:r>
-          </a:p>
-          <a:p>
-            <a:pPr marL="1257300" lvl="2" indent="-342900">
-              <a:buFont typeface="Arial" panose="020B0604020202020204" pitchFamily="34" charset="0"/>
-              <a:buChar char="•"/>
-            </a:pPr>
-            <a:endParaRPr lang="en-US" dirty="0">
-              <a:solidFill>
-                <a:srgbClr val="404040"/>
-              </a:solidFill>
-            </a:endParaRPr>
-          </a:p>
-          <a:p>
-            <a:pPr marL="342900" indent="-342900">
-              <a:buFont typeface="Arial" panose="020B0604020202020204" pitchFamily="34" charset="0"/>
-              <a:buChar char="•"/>
-            </a:pPr>
-            <a:r>
-              <a:rPr lang="en-US" dirty="0">
-                <a:solidFill>
-                  <a:srgbClr val="404040"/>
-                </a:solidFill>
-              </a:rPr>
-              <a:t>Chain of Command</a:t>
-            </a:r>
-          </a:p>
-          <a:p>
-            <a:pPr marL="342900" indent="-342900">
-              <a:buFont typeface="Arial" panose="020B0604020202020204" pitchFamily="34" charset="0"/>
-              <a:buChar char="•"/>
-            </a:pPr>
-            <a:endParaRPr lang="en-US" dirty="0">
-              <a:solidFill>
-                <a:srgbClr val="404040"/>
-              </a:solidFill>
-            </a:endParaRPr>
-          </a:p>
-          <a:p>
-            <a:r>
-              <a:rPr lang="en-US" dirty="0">
-                <a:solidFill>
-                  <a:srgbClr val="404040"/>
-                </a:solidFill>
-              </a:rPr>
-              <a:t>	Google -&gt; Friend -&gt; Instructor</a:t>
-            </a:r>
-          </a:p>
-          <a:p>
-            <a:pPr marL="342900" indent="-342900">
-              <a:buFont typeface="Arial" panose="020B0604020202020204" pitchFamily="34" charset="0"/>
-              <a:buChar char="•"/>
-            </a:pPr>
-            <a:endParaRPr lang="en-US" dirty="0">
-              <a:solidFill>
-                <a:srgbClr val="404040"/>
-              </a:solidFill>
-            </a:endParaRPr>
-          </a:p>
-        </p:txBody>
-      </p:sp>
-    </p:spTree>
-    <p:custDataLst>
-      <p:tags r:id="rId1"/>
-    </p:custDataLst>
-    <p:extLst>
-      <p:ext uri="{BB962C8B-B14F-4D97-AF65-F5344CB8AC3E}">
-        <p14:creationId xmlns:p14="http://schemas.microsoft.com/office/powerpoint/2010/main" val="641320167"/>
-      </p:ext>
-    </p:extLst>
-  </p:cSld>
-  <p:clrMapOvr>
-    <a:masterClrMapping/>
-  </p:clrMapOvr>
-</p:sld>
-</file>
-
-<file path=ppt/slides/slide3.xml><?xml version="1.0" encoding="utf-8"?>
+<file path=ppt/slides/slide10.xml><?xml version="1.0" encoding="utf-8"?>
 <p:sld xmlns:a="http://schemas.openxmlformats.org/drawingml/2006/main" xmlns:r="http://schemas.openxmlformats.org/officeDocument/2006/relationships" xmlns:p="http://schemas.openxmlformats.org/presentationml/2006/main">
   <p:cSld>
     <p:bg>
@@ -9541,6 +9119,4670 @@
 </p:sld>
 </file>
 
+<file path=ppt/slides/slide2.xml><?xml version="1.0" encoding="utf-8"?>
+<p:sld xmlns:a="http://schemas.openxmlformats.org/drawingml/2006/main" xmlns:r="http://schemas.openxmlformats.org/officeDocument/2006/relationships" xmlns:p="http://schemas.openxmlformats.org/presentationml/2006/main">
+  <p:cSld>
+    <p:bg>
+      <p:bgPr>
+        <a:solidFill>
+          <a:schemeClr val="bg1">
+            <a:lumMod val="85000"/>
+          </a:schemeClr>
+        </a:solidFill>
+        <a:effectLst/>
+      </p:bgPr>
+    </p:bg>
+    <p:spTree>
+      <p:nvGrpSpPr>
+        <p:cNvPr id="1" name=""/>
+        <p:cNvGrpSpPr/>
+        <p:nvPr/>
+      </p:nvGrpSpPr>
+      <p:grpSpPr>
+        <a:xfrm>
+          <a:off x="0" y="0"/>
+          <a:ext cx="0" cy="0"/>
+          <a:chOff x="0" y="0"/>
+          <a:chExt cx="0" cy="0"/>
+        </a:xfrm>
+      </p:grpSpPr>
+      <p:sp>
+        <p:nvSpPr>
+          <p:cNvPr id="15" name="Rectangle 12">
+            <a:extLst>
+              <a:ext uri="{FF2B5EF4-FFF2-40B4-BE49-F238E27FC236}">
+                <a16:creationId xmlns:a16="http://schemas.microsoft.com/office/drawing/2014/main" id="{867D4867-5BA7-4462-B2F6-A23F4A622AA7}"/>
+              </a:ext>
+              <a:ext uri="{C183D7F6-B498-43B3-948B-1728B52AA6E4}">
+                <adec:decorative xmlns:adec="http://schemas.microsoft.com/office/drawing/2017/decorative" val="1"/>
+              </a:ext>
+            </a:extLst>
+          </p:cNvPr>
+          <p:cNvSpPr>
+            <a:spLocks noGrp="1" noRot="1" noChangeAspect="1" noMove="1" noResize="1" noEditPoints="1" noAdjustHandles="1" noChangeArrowheads="1" noChangeShapeType="1" noTextEdit="1"/>
+          </p:cNvSpPr>
+          <p:nvPr>
+            <p:extLst>
+              <p:ext uri="{386F3935-93C4-4BCD-93E2-E3B085C9AB24}">
+                <p16:designElem xmlns:p16="http://schemas.microsoft.com/office/powerpoint/2015/main" val="1"/>
+              </p:ext>
+            </p:extLst>
+          </p:nvPr>
+        </p:nvSpPr>
+        <p:spPr>
+          <a:xfrm>
+            <a:off x="0" y="0"/>
+            <a:ext cx="3490722" cy="6858000"/>
+          </a:xfrm>
+          <a:prstGeom prst="rect">
+            <a:avLst/>
+          </a:prstGeom>
+          <a:solidFill>
+            <a:schemeClr val="tx1">
+              <a:lumMod val="75000"/>
+              <a:lumOff val="25000"/>
+            </a:schemeClr>
+          </a:solidFill>
+          <a:ln>
+            <a:noFill/>
+          </a:ln>
+        </p:spPr>
+        <p:style>
+          <a:lnRef idx="0">
+            <a:scrgbClr r="0" g="0" b="0"/>
+          </a:lnRef>
+          <a:fillRef idx="0">
+            <a:scrgbClr r="0" g="0" b="0"/>
+          </a:fillRef>
+          <a:effectRef idx="0">
+            <a:scrgbClr r="0" g="0" b="0"/>
+          </a:effectRef>
+          <a:fontRef idx="minor">
+            <a:schemeClr val="lt1"/>
+          </a:fontRef>
+        </p:style>
+        <p:txBody>
+          <a:bodyPr rtlCol="0" anchor="ctr"/>
+          <a:lstStyle/>
+          <a:p>
+            <a:pPr marL="0" marR="0" lvl="0" indent="0" algn="ctr" defTabSz="457200" rtl="0" eaLnBrk="1" fontAlgn="base" latinLnBrk="0" hangingPunct="1">
+              <a:lnSpc>
+                <a:spcPct val="100000"/>
+              </a:lnSpc>
+              <a:spcBef>
+                <a:spcPct val="0"/>
+              </a:spcBef>
+              <a:spcAft>
+                <a:spcPct val="0"/>
+              </a:spcAft>
+              <a:buClrTx/>
+              <a:buSzTx/>
+              <a:buFontTx/>
+              <a:buNone/>
+              <a:tabLst/>
+              <a:defRPr/>
+            </a:pPr>
+            <a:endParaRPr kumimoji="0" lang="en-US" sz="2400" b="0" i="0" u="none" strike="noStrike" kern="1200" cap="none" spc="0" normalizeH="0" baseline="0" noProof="0">
+              <a:ln>
+                <a:noFill/>
+              </a:ln>
+              <a:solidFill>
+                <a:prstClr val="white"/>
+              </a:solidFill>
+              <a:effectLst/>
+              <a:uLnTx/>
+              <a:uFillTx/>
+              <a:latin typeface="Calibri"/>
+              <a:ea typeface="+mn-ea"/>
+              <a:cs typeface="+mn-cs"/>
+            </a:endParaRPr>
+          </a:p>
+        </p:txBody>
+      </p:sp>
+      <p:sp>
+        <p:nvSpPr>
+          <p:cNvPr id="2" name="Title 1"/>
+          <p:cNvSpPr>
+            <a:spLocks noGrp="1"/>
+          </p:cNvSpPr>
+          <p:nvPr>
+            <p:ph type="title"/>
+          </p:nvPr>
+        </p:nvSpPr>
+        <p:spPr>
+          <a:xfrm>
+            <a:off x="482600" y="643467"/>
+            <a:ext cx="2522980" cy="1597315"/>
+          </a:xfrm>
+          <a:noFill/>
+          <a:ln w="19050">
+            <a:solidFill>
+              <a:schemeClr val="bg1"/>
+            </a:solidFill>
+          </a:ln>
+        </p:spPr>
+        <p:txBody>
+          <a:bodyPr vert="horz" wrap="square" lIns="91440" tIns="45720" rIns="91440" bIns="45720" rtlCol="0" anchor="ctr">
+            <a:normAutofit/>
+          </a:bodyPr>
+          <a:lstStyle/>
+          <a:p>
+            <a:pPr defTabSz="914400" eaLnBrk="1" hangingPunct="1">
+              <a:lnSpc>
+                <a:spcPct val="90000"/>
+              </a:lnSpc>
+            </a:pPr>
+            <a:r>
+              <a:rPr lang="en-US" sz="2400" dirty="0">
+                <a:solidFill>
+                  <a:schemeClr val="bg1"/>
+                </a:solidFill>
+                <a:ea typeface="+mj-ea"/>
+                <a:cs typeface="+mj-cs"/>
+              </a:rPr>
+              <a:t>mutate()</a:t>
+            </a:r>
+            <a:endParaRPr lang="en-US" sz="2400" kern="1200" dirty="0">
+              <a:solidFill>
+                <a:schemeClr val="bg1"/>
+              </a:solidFill>
+              <a:latin typeface="+mj-lt"/>
+              <a:ea typeface="+mj-ea"/>
+              <a:cs typeface="+mj-cs"/>
+            </a:endParaRPr>
+          </a:p>
+        </p:txBody>
+      </p:sp>
+      <p:pic>
+        <p:nvPicPr>
+          <p:cNvPr id="8" name="Picture 7">
+            <a:extLst>
+              <a:ext uri="{FF2B5EF4-FFF2-40B4-BE49-F238E27FC236}">
+                <a16:creationId xmlns:a16="http://schemas.microsoft.com/office/drawing/2014/main" id="{521D4292-9ECC-4DA5-8CC0-C561A0DA118E}"/>
+              </a:ext>
+            </a:extLst>
+          </p:cNvPr>
+          <p:cNvPicPr>
+            <a:picLocks noChangeAspect="1"/>
+          </p:cNvPicPr>
+          <p:nvPr/>
+        </p:nvPicPr>
+        <p:blipFill rotWithShape="1">
+          <a:blip r:embed="rId3"/>
+          <a:srcRect l="8000" r="9400"/>
+          <a:stretch/>
+        </p:blipFill>
+        <p:spPr>
+          <a:xfrm>
+            <a:off x="660103" y="3048000"/>
+            <a:ext cx="2167974" cy="2624666"/>
+          </a:xfrm>
+          <a:prstGeom prst="rect">
+            <a:avLst/>
+          </a:prstGeom>
+          <a:noFill/>
+        </p:spPr>
+      </p:pic>
+      <p:sp>
+        <p:nvSpPr>
+          <p:cNvPr id="3" name="TextBox 2">
+            <a:extLst>
+              <a:ext uri="{FF2B5EF4-FFF2-40B4-BE49-F238E27FC236}">
+                <a16:creationId xmlns:a16="http://schemas.microsoft.com/office/drawing/2014/main" id="{F11A48DB-9DC8-487D-B292-F37C24E1A4C6}"/>
+              </a:ext>
+            </a:extLst>
+          </p:cNvPr>
+          <p:cNvSpPr txBox="1"/>
+          <p:nvPr/>
+        </p:nvSpPr>
+        <p:spPr>
+          <a:xfrm>
+            <a:off x="3777352" y="643467"/>
+            <a:ext cx="5214248" cy="5632311"/>
+          </a:xfrm>
+          <a:prstGeom prst="rect">
+            <a:avLst/>
+          </a:prstGeom>
+          <a:noFill/>
+        </p:spPr>
+        <p:txBody>
+          <a:bodyPr wrap="square" rtlCol="0">
+            <a:spAutoFit/>
+          </a:bodyPr>
+          <a:lstStyle/>
+          <a:p>
+            <a:pPr marL="342900" marR="0" lvl="0" indent="-342900" algn="l" defTabSz="457200" rtl="0" eaLnBrk="1" fontAlgn="base" latinLnBrk="0" hangingPunct="1">
+              <a:lnSpc>
+                <a:spcPct val="100000"/>
+              </a:lnSpc>
+              <a:spcBef>
+                <a:spcPct val="0"/>
+              </a:spcBef>
+              <a:spcAft>
+                <a:spcPct val="0"/>
+              </a:spcAft>
+              <a:buClrTx/>
+              <a:buSzTx/>
+              <a:buFont typeface="Arial" panose="020B0604020202020204" pitchFamily="34" charset="0"/>
+              <a:buChar char="•"/>
+              <a:tabLst/>
+              <a:defRPr/>
+            </a:pPr>
+            <a:r>
+              <a:rPr kumimoji="0" lang="en-US" sz="2400" b="0" i="0" u="none" strike="noStrike" kern="1200" cap="none" spc="0" normalizeH="0" baseline="0" noProof="0" dirty="0">
+                <a:ln>
+                  <a:noFill/>
+                </a:ln>
+                <a:solidFill>
+                  <a:srgbClr val="404040"/>
+                </a:solidFill>
+                <a:effectLst/>
+                <a:uLnTx/>
+                <a:uFillTx/>
+                <a:latin typeface="Arial" charset="0"/>
+                <a:ea typeface="ＭＳ Ｐゴシック" charset="-128"/>
+              </a:rPr>
+              <a:t>Used to Create New Variables</a:t>
+            </a:r>
+          </a:p>
+          <a:p>
+            <a:pPr marL="800100" marR="0" lvl="1" indent="-342900" algn="l" defTabSz="457200" rtl="0" eaLnBrk="1" fontAlgn="base" latinLnBrk="0" hangingPunct="1">
+              <a:lnSpc>
+                <a:spcPct val="100000"/>
+              </a:lnSpc>
+              <a:spcBef>
+                <a:spcPct val="0"/>
+              </a:spcBef>
+              <a:spcAft>
+                <a:spcPct val="0"/>
+              </a:spcAft>
+              <a:buClrTx/>
+              <a:buSzTx/>
+              <a:buFont typeface="Arial" panose="020B0604020202020204" pitchFamily="34" charset="0"/>
+              <a:buChar char="•"/>
+              <a:tabLst/>
+              <a:defRPr/>
+            </a:pPr>
+            <a:r>
+              <a:rPr kumimoji="0" lang="en-US" sz="2400" b="0" i="0" u="none" strike="noStrike" kern="1200" cap="none" spc="0" normalizeH="0" baseline="0" noProof="0" dirty="0">
+                <a:ln>
+                  <a:noFill/>
+                </a:ln>
+                <a:solidFill>
+                  <a:srgbClr val="404040"/>
+                </a:solidFill>
+                <a:effectLst/>
+                <a:uLnTx/>
+                <a:uFillTx/>
+                <a:latin typeface="Arial" charset="0"/>
+                <a:ea typeface="ＭＳ Ｐゴシック" charset="-128"/>
+              </a:rPr>
+              <a:t>Creative New Metrics</a:t>
+            </a:r>
+          </a:p>
+          <a:p>
+            <a:pPr marL="800100" marR="0" lvl="1" indent="-342900" algn="l" defTabSz="457200" rtl="0" eaLnBrk="1" fontAlgn="base" latinLnBrk="0" hangingPunct="1">
+              <a:lnSpc>
+                <a:spcPct val="100000"/>
+              </a:lnSpc>
+              <a:spcBef>
+                <a:spcPct val="0"/>
+              </a:spcBef>
+              <a:spcAft>
+                <a:spcPct val="0"/>
+              </a:spcAft>
+              <a:buClrTx/>
+              <a:buSzTx/>
+              <a:buFont typeface="Arial" panose="020B0604020202020204" pitchFamily="34" charset="0"/>
+              <a:buChar char="•"/>
+              <a:tabLst/>
+              <a:defRPr/>
+            </a:pPr>
+            <a:r>
+              <a:rPr kumimoji="0" lang="en-US" sz="2400" b="0" i="0" u="none" strike="noStrike" kern="1200" cap="none" spc="0" normalizeH="0" baseline="0" noProof="0" dirty="0">
+                <a:ln>
+                  <a:noFill/>
+                </a:ln>
+                <a:solidFill>
+                  <a:srgbClr val="404040"/>
+                </a:solidFill>
+                <a:effectLst/>
+                <a:uLnTx/>
+                <a:uFillTx/>
+                <a:latin typeface="Arial" charset="0"/>
+                <a:ea typeface="ＭＳ Ｐゴシック" charset="-128"/>
+              </a:rPr>
+              <a:t>Modify Units</a:t>
+            </a:r>
+          </a:p>
+          <a:p>
+            <a:pPr marL="800100" marR="0" lvl="1" indent="-342900" algn="l" defTabSz="457200" rtl="0" eaLnBrk="1" fontAlgn="base" latinLnBrk="0" hangingPunct="1">
+              <a:lnSpc>
+                <a:spcPct val="100000"/>
+              </a:lnSpc>
+              <a:spcBef>
+                <a:spcPct val="0"/>
+              </a:spcBef>
+              <a:spcAft>
+                <a:spcPct val="0"/>
+              </a:spcAft>
+              <a:buClrTx/>
+              <a:buSzTx/>
+              <a:buFont typeface="Arial" panose="020B0604020202020204" pitchFamily="34" charset="0"/>
+              <a:buChar char="•"/>
+              <a:tabLst/>
+              <a:defRPr/>
+            </a:pPr>
+            <a:r>
+              <a:rPr kumimoji="0" lang="en-US" sz="2400" b="0" i="0" u="none" strike="noStrike" kern="1200" cap="none" spc="0" normalizeH="0" baseline="0" noProof="0" dirty="0">
+                <a:ln>
+                  <a:noFill/>
+                </a:ln>
+                <a:solidFill>
+                  <a:srgbClr val="404040"/>
+                </a:solidFill>
+                <a:effectLst/>
+                <a:uLnTx/>
+                <a:uFillTx/>
+                <a:latin typeface="Arial" charset="0"/>
+                <a:ea typeface="ＭＳ Ｐゴシック" charset="-128"/>
+              </a:rPr>
+              <a:t>Transform Variables</a:t>
+            </a:r>
+          </a:p>
+          <a:p>
+            <a:pPr marL="800100" marR="0" lvl="1" indent="-342900" algn="l" defTabSz="457200" rtl="0" eaLnBrk="1" fontAlgn="base" latinLnBrk="0" hangingPunct="1">
+              <a:lnSpc>
+                <a:spcPct val="100000"/>
+              </a:lnSpc>
+              <a:spcBef>
+                <a:spcPct val="0"/>
+              </a:spcBef>
+              <a:spcAft>
+                <a:spcPct val="0"/>
+              </a:spcAft>
+              <a:buClrTx/>
+              <a:buSzTx/>
+              <a:buFont typeface="Arial" panose="020B0604020202020204" pitchFamily="34" charset="0"/>
+              <a:buChar char="•"/>
+              <a:tabLst/>
+              <a:defRPr/>
+            </a:pPr>
+            <a:r>
+              <a:rPr kumimoji="0" lang="en-US" sz="2400" b="0" i="0" u="none" strike="noStrike" kern="1200" cap="none" spc="0" normalizeH="0" baseline="0" noProof="0" dirty="0">
+                <a:ln>
+                  <a:noFill/>
+                </a:ln>
+                <a:solidFill>
+                  <a:srgbClr val="404040"/>
+                </a:solidFill>
+                <a:effectLst/>
+                <a:uLnTx/>
+                <a:uFillTx/>
+                <a:latin typeface="Arial" charset="0"/>
+                <a:ea typeface="ＭＳ Ｐゴシック" charset="-128"/>
+              </a:rPr>
+              <a:t>Unique Identifiers</a:t>
+            </a:r>
+          </a:p>
+          <a:p>
+            <a:pPr marL="800100" marR="0" lvl="1" indent="-342900" algn="l" defTabSz="457200" rtl="0" eaLnBrk="1" fontAlgn="base" latinLnBrk="0" hangingPunct="1">
+              <a:lnSpc>
+                <a:spcPct val="100000"/>
+              </a:lnSpc>
+              <a:spcBef>
+                <a:spcPct val="0"/>
+              </a:spcBef>
+              <a:spcAft>
+                <a:spcPct val="0"/>
+              </a:spcAft>
+              <a:buClrTx/>
+              <a:buSzTx/>
+              <a:buFont typeface="Arial" panose="020B0604020202020204" pitchFamily="34" charset="0"/>
+              <a:buChar char="•"/>
+              <a:tabLst/>
+              <a:defRPr/>
+            </a:pPr>
+            <a:r>
+              <a:rPr kumimoji="0" lang="en-US" sz="2400" b="0" i="0" u="none" strike="noStrike" kern="1200" cap="none" spc="0" normalizeH="0" baseline="0" noProof="0" dirty="0">
+                <a:ln>
+                  <a:noFill/>
+                </a:ln>
+                <a:solidFill>
+                  <a:srgbClr val="404040"/>
+                </a:solidFill>
+                <a:effectLst/>
+                <a:uLnTx/>
+                <a:uFillTx/>
+                <a:latin typeface="Arial" charset="0"/>
+                <a:ea typeface="ＭＳ Ｐゴシック" charset="-128"/>
+              </a:rPr>
+              <a:t>Numeric to Categorical</a:t>
+            </a:r>
+          </a:p>
+          <a:p>
+            <a:pPr marL="800100" marR="0" lvl="1" indent="-342900" algn="l" defTabSz="457200" rtl="0" eaLnBrk="1" fontAlgn="base" latinLnBrk="0" hangingPunct="1">
+              <a:lnSpc>
+                <a:spcPct val="100000"/>
+              </a:lnSpc>
+              <a:spcBef>
+                <a:spcPct val="0"/>
+              </a:spcBef>
+              <a:spcAft>
+                <a:spcPct val="0"/>
+              </a:spcAft>
+              <a:buClrTx/>
+              <a:buSzTx/>
+              <a:buFont typeface="Arial" panose="020B0604020202020204" pitchFamily="34" charset="0"/>
+              <a:buChar char="•"/>
+              <a:tabLst/>
+              <a:defRPr/>
+            </a:pPr>
+            <a:r>
+              <a:rPr kumimoji="0" lang="en-US" sz="2400" b="0" i="0" u="none" strike="noStrike" kern="1200" cap="none" spc="0" normalizeH="0" baseline="0" noProof="0" dirty="0">
+                <a:ln>
+                  <a:noFill/>
+                </a:ln>
+                <a:solidFill>
+                  <a:srgbClr val="404040"/>
+                </a:solidFill>
+                <a:effectLst/>
+                <a:uLnTx/>
+                <a:uFillTx/>
+                <a:latin typeface="Arial" charset="0"/>
+                <a:ea typeface="ＭＳ Ｐゴシック" charset="-128"/>
+              </a:rPr>
+              <a:t>Categorical to Numeric</a:t>
+            </a:r>
+          </a:p>
+          <a:p>
+            <a:pPr marL="0" marR="0" lvl="0" indent="0" algn="l" defTabSz="457200" rtl="0" eaLnBrk="1" fontAlgn="base" latinLnBrk="0" hangingPunct="1">
+              <a:lnSpc>
+                <a:spcPct val="100000"/>
+              </a:lnSpc>
+              <a:spcBef>
+                <a:spcPct val="0"/>
+              </a:spcBef>
+              <a:spcAft>
+                <a:spcPct val="0"/>
+              </a:spcAft>
+              <a:buClrTx/>
+              <a:buSzTx/>
+              <a:buFontTx/>
+              <a:buNone/>
+              <a:tabLst/>
+              <a:defRPr/>
+            </a:pPr>
+            <a:endParaRPr kumimoji="0" lang="en-US" sz="2400" b="0" i="0" u="none" strike="noStrike" kern="1200" cap="none" spc="0" normalizeH="0" baseline="0" noProof="0" dirty="0">
+              <a:ln>
+                <a:noFill/>
+              </a:ln>
+              <a:solidFill>
+                <a:srgbClr val="404040"/>
+              </a:solidFill>
+              <a:effectLst/>
+              <a:uLnTx/>
+              <a:uFillTx/>
+              <a:latin typeface="Arial" charset="0"/>
+              <a:ea typeface="ＭＳ Ｐゴシック" charset="-128"/>
+            </a:endParaRPr>
+          </a:p>
+          <a:p>
+            <a:pPr marL="342900" marR="0" lvl="0" indent="-342900" algn="l" defTabSz="457200" rtl="0" eaLnBrk="1" fontAlgn="base" latinLnBrk="0" hangingPunct="1">
+              <a:lnSpc>
+                <a:spcPct val="100000"/>
+              </a:lnSpc>
+              <a:spcBef>
+                <a:spcPct val="0"/>
+              </a:spcBef>
+              <a:spcAft>
+                <a:spcPct val="0"/>
+              </a:spcAft>
+              <a:buClrTx/>
+              <a:buSzTx/>
+              <a:buFont typeface="Arial" panose="020B0604020202020204" pitchFamily="34" charset="0"/>
+              <a:buChar char="•"/>
+              <a:tabLst/>
+              <a:defRPr/>
+            </a:pPr>
+            <a:r>
+              <a:rPr kumimoji="0" lang="en-US" sz="2400" b="0" i="0" u="none" strike="noStrike" kern="1200" cap="none" spc="0" normalizeH="0" baseline="0" noProof="0" dirty="0">
+                <a:ln>
+                  <a:noFill/>
+                </a:ln>
+                <a:solidFill>
+                  <a:srgbClr val="404040"/>
+                </a:solidFill>
+                <a:effectLst/>
+                <a:uLnTx/>
+                <a:uFillTx/>
+                <a:latin typeface="Arial" charset="0"/>
+                <a:ea typeface="ＭＳ Ｐゴシック" charset="-128"/>
+              </a:rPr>
+              <a:t>Reduced Dataset</a:t>
+            </a:r>
+          </a:p>
+          <a:p>
+            <a:pPr marL="342900" marR="0" lvl="0" indent="-342900" algn="l" defTabSz="457200" rtl="0" eaLnBrk="1" fontAlgn="base" latinLnBrk="0" hangingPunct="1">
+              <a:lnSpc>
+                <a:spcPct val="100000"/>
+              </a:lnSpc>
+              <a:spcBef>
+                <a:spcPct val="0"/>
+              </a:spcBef>
+              <a:spcAft>
+                <a:spcPct val="0"/>
+              </a:spcAft>
+              <a:buClrTx/>
+              <a:buSzTx/>
+              <a:buFont typeface="Arial" panose="020B0604020202020204" pitchFamily="34" charset="0"/>
+              <a:buChar char="•"/>
+              <a:tabLst/>
+              <a:defRPr/>
+            </a:pPr>
+            <a:endParaRPr kumimoji="0" lang="en-US" sz="2400" b="0" i="0" u="none" strike="noStrike" kern="1200" cap="none" spc="0" normalizeH="0" baseline="0" noProof="0" dirty="0">
+              <a:ln>
+                <a:noFill/>
+              </a:ln>
+              <a:solidFill>
+                <a:srgbClr val="404040"/>
+              </a:solidFill>
+              <a:effectLst/>
+              <a:uLnTx/>
+              <a:uFillTx/>
+              <a:latin typeface="Arial" charset="0"/>
+              <a:ea typeface="ＭＳ Ｐゴシック" charset="-128"/>
+            </a:endParaRPr>
+          </a:p>
+          <a:p>
+            <a:pPr marL="342900" marR="0" lvl="0" indent="-342900" algn="l" defTabSz="457200" rtl="0" eaLnBrk="1" fontAlgn="base" latinLnBrk="0" hangingPunct="1">
+              <a:lnSpc>
+                <a:spcPct val="100000"/>
+              </a:lnSpc>
+              <a:spcBef>
+                <a:spcPct val="0"/>
+              </a:spcBef>
+              <a:spcAft>
+                <a:spcPct val="0"/>
+              </a:spcAft>
+              <a:buClrTx/>
+              <a:buSzTx/>
+              <a:buFont typeface="Arial" panose="020B0604020202020204" pitchFamily="34" charset="0"/>
+              <a:buChar char="•"/>
+              <a:tabLst/>
+              <a:defRPr/>
+            </a:pPr>
+            <a:endParaRPr kumimoji="0" lang="en-US" sz="2400" b="0" i="0" u="none" strike="noStrike" kern="1200" cap="none" spc="0" normalizeH="0" baseline="0" noProof="0" dirty="0">
+              <a:ln>
+                <a:noFill/>
+              </a:ln>
+              <a:solidFill>
+                <a:srgbClr val="404040"/>
+              </a:solidFill>
+              <a:effectLst/>
+              <a:uLnTx/>
+              <a:uFillTx/>
+              <a:latin typeface="Arial" charset="0"/>
+              <a:ea typeface="ＭＳ Ｐゴシック" charset="-128"/>
+            </a:endParaRPr>
+          </a:p>
+          <a:p>
+            <a:pPr marL="342900" marR="0" lvl="0" indent="-342900" algn="l" defTabSz="457200" rtl="0" eaLnBrk="1" fontAlgn="base" latinLnBrk="0" hangingPunct="1">
+              <a:lnSpc>
+                <a:spcPct val="100000"/>
+              </a:lnSpc>
+              <a:spcBef>
+                <a:spcPct val="0"/>
+              </a:spcBef>
+              <a:spcAft>
+                <a:spcPct val="0"/>
+              </a:spcAft>
+              <a:buClrTx/>
+              <a:buSzTx/>
+              <a:buFont typeface="Arial" panose="020B0604020202020204" pitchFamily="34" charset="0"/>
+              <a:buChar char="•"/>
+              <a:tabLst/>
+              <a:defRPr/>
+            </a:pPr>
+            <a:endParaRPr kumimoji="0" lang="en-US" sz="2400" b="0" i="0" u="none" strike="noStrike" kern="1200" cap="none" spc="0" normalizeH="0" baseline="0" noProof="0" dirty="0">
+              <a:ln>
+                <a:noFill/>
+              </a:ln>
+              <a:solidFill>
+                <a:srgbClr val="404040"/>
+              </a:solidFill>
+              <a:effectLst/>
+              <a:uLnTx/>
+              <a:uFillTx/>
+              <a:latin typeface="Arial" charset="0"/>
+              <a:ea typeface="ＭＳ Ｐゴシック" charset="-128"/>
+            </a:endParaRPr>
+          </a:p>
+          <a:p>
+            <a:pPr marL="342900" marR="0" lvl="0" indent="-342900" algn="l" defTabSz="457200" rtl="0" eaLnBrk="1" fontAlgn="base" latinLnBrk="0" hangingPunct="1">
+              <a:lnSpc>
+                <a:spcPct val="100000"/>
+              </a:lnSpc>
+              <a:spcBef>
+                <a:spcPct val="0"/>
+              </a:spcBef>
+              <a:spcAft>
+                <a:spcPct val="0"/>
+              </a:spcAft>
+              <a:buClrTx/>
+              <a:buSzTx/>
+              <a:buFont typeface="Arial" panose="020B0604020202020204" pitchFamily="34" charset="0"/>
+              <a:buChar char="•"/>
+              <a:tabLst/>
+              <a:defRPr/>
+            </a:pPr>
+            <a:endParaRPr kumimoji="0" lang="en-US" sz="2400" b="0" i="0" u="none" strike="noStrike" kern="1200" cap="none" spc="0" normalizeH="0" baseline="0" noProof="0" dirty="0">
+              <a:ln>
+                <a:noFill/>
+              </a:ln>
+              <a:solidFill>
+                <a:srgbClr val="404040"/>
+              </a:solidFill>
+              <a:effectLst/>
+              <a:uLnTx/>
+              <a:uFillTx/>
+              <a:latin typeface="Arial" charset="0"/>
+              <a:ea typeface="ＭＳ Ｐゴシック" charset="-128"/>
+            </a:endParaRPr>
+          </a:p>
+          <a:p>
+            <a:pPr marL="342900" marR="0" lvl="0" indent="-342900" algn="l" defTabSz="457200" rtl="0" eaLnBrk="1" fontAlgn="base" latinLnBrk="0" hangingPunct="1">
+              <a:lnSpc>
+                <a:spcPct val="100000"/>
+              </a:lnSpc>
+              <a:spcBef>
+                <a:spcPct val="0"/>
+              </a:spcBef>
+              <a:spcAft>
+                <a:spcPct val="0"/>
+              </a:spcAft>
+              <a:buClrTx/>
+              <a:buSzTx/>
+              <a:buFont typeface="Arial" panose="020B0604020202020204" pitchFamily="34" charset="0"/>
+              <a:buChar char="•"/>
+              <a:tabLst/>
+              <a:defRPr/>
+            </a:pPr>
+            <a:endParaRPr kumimoji="0" lang="en-US" sz="2400" b="0" i="0" u="none" strike="noStrike" kern="1200" cap="none" spc="0" normalizeH="0" baseline="0" noProof="0" dirty="0">
+              <a:ln>
+                <a:noFill/>
+              </a:ln>
+              <a:solidFill>
+                <a:srgbClr val="404040"/>
+              </a:solidFill>
+              <a:effectLst/>
+              <a:uLnTx/>
+              <a:uFillTx/>
+              <a:latin typeface="Arial" charset="0"/>
+              <a:ea typeface="ＭＳ Ｐゴシック" charset="-128"/>
+            </a:endParaRPr>
+          </a:p>
+          <a:p>
+            <a:pPr marL="0" marR="0" lvl="0" indent="0" algn="l" defTabSz="457200" rtl="0" eaLnBrk="1" fontAlgn="base" latinLnBrk="0" hangingPunct="1">
+              <a:lnSpc>
+                <a:spcPct val="100000"/>
+              </a:lnSpc>
+              <a:spcBef>
+                <a:spcPct val="0"/>
+              </a:spcBef>
+              <a:spcAft>
+                <a:spcPct val="0"/>
+              </a:spcAft>
+              <a:buClrTx/>
+              <a:buSzTx/>
+              <a:buFontTx/>
+              <a:buNone/>
+              <a:tabLst/>
+              <a:defRPr/>
+            </a:pPr>
+            <a:endParaRPr kumimoji="0" lang="en-US" sz="2400" b="0" i="0" u="none" strike="noStrike" kern="1200" cap="none" spc="0" normalizeH="0" baseline="0" noProof="0" dirty="0">
+              <a:ln>
+                <a:noFill/>
+              </a:ln>
+              <a:solidFill>
+                <a:srgbClr val="404040"/>
+              </a:solidFill>
+              <a:effectLst/>
+              <a:uLnTx/>
+              <a:uFillTx/>
+              <a:latin typeface="Arial" charset="0"/>
+              <a:ea typeface="ＭＳ Ｐゴシック" charset="-128"/>
+            </a:endParaRPr>
+          </a:p>
+        </p:txBody>
+      </p:sp>
+      <p:pic>
+        <p:nvPicPr>
+          <p:cNvPr id="5" name="Picture 4">
+            <a:extLst>
+              <a:ext uri="{FF2B5EF4-FFF2-40B4-BE49-F238E27FC236}">
+                <a16:creationId xmlns:a16="http://schemas.microsoft.com/office/drawing/2014/main" id="{EA2FA972-5BEE-4CBE-A4B1-5A93B19F7E7B}"/>
+              </a:ext>
+            </a:extLst>
+          </p:cNvPr>
+          <p:cNvPicPr>
+            <a:picLocks noChangeAspect="1"/>
+          </p:cNvPicPr>
+          <p:nvPr/>
+        </p:nvPicPr>
+        <p:blipFill>
+          <a:blip r:embed="rId4"/>
+          <a:stretch>
+            <a:fillRect/>
+          </a:stretch>
+        </p:blipFill>
+        <p:spPr>
+          <a:xfrm>
+            <a:off x="3615927" y="3989778"/>
+            <a:ext cx="5375673" cy="2286000"/>
+          </a:xfrm>
+          <a:prstGeom prst="rect">
+            <a:avLst/>
+          </a:prstGeom>
+          <a:ln>
+            <a:solidFill>
+              <a:srgbClr val="404040"/>
+            </a:solidFill>
+          </a:ln>
+        </p:spPr>
+        <p:style>
+          <a:lnRef idx="2">
+            <a:schemeClr val="dk1"/>
+          </a:lnRef>
+          <a:fillRef idx="1">
+            <a:schemeClr val="lt1"/>
+          </a:fillRef>
+          <a:effectRef idx="0">
+            <a:schemeClr val="dk1"/>
+          </a:effectRef>
+          <a:fontRef idx="minor">
+            <a:schemeClr val="dk1"/>
+          </a:fontRef>
+        </p:style>
+      </p:pic>
+    </p:spTree>
+    <p:custDataLst>
+      <p:tags r:id="rId1"/>
+    </p:custDataLst>
+    <p:extLst>
+      <p:ext uri="{BB962C8B-B14F-4D97-AF65-F5344CB8AC3E}">
+        <p14:creationId xmlns:p14="http://schemas.microsoft.com/office/powerpoint/2010/main" val="510389601"/>
+      </p:ext>
+    </p:extLst>
+  </p:cSld>
+  <p:clrMapOvr>
+    <a:masterClrMapping/>
+  </p:clrMapOvr>
+</p:sld>
+</file>
+
+<file path=ppt/slides/slide3.xml><?xml version="1.0" encoding="utf-8"?>
+<p:sld xmlns:a="http://schemas.openxmlformats.org/drawingml/2006/main" xmlns:r="http://schemas.openxmlformats.org/officeDocument/2006/relationships" xmlns:p="http://schemas.openxmlformats.org/presentationml/2006/main">
+  <p:cSld>
+    <p:bg>
+      <p:bgPr>
+        <a:solidFill>
+          <a:schemeClr val="bg1">
+            <a:lumMod val="85000"/>
+          </a:schemeClr>
+        </a:solidFill>
+        <a:effectLst/>
+      </p:bgPr>
+    </p:bg>
+    <p:spTree>
+      <p:nvGrpSpPr>
+        <p:cNvPr id="1" name=""/>
+        <p:cNvGrpSpPr/>
+        <p:nvPr/>
+      </p:nvGrpSpPr>
+      <p:grpSpPr>
+        <a:xfrm>
+          <a:off x="0" y="0"/>
+          <a:ext cx="0" cy="0"/>
+          <a:chOff x="0" y="0"/>
+          <a:chExt cx="0" cy="0"/>
+        </a:xfrm>
+      </p:grpSpPr>
+      <p:sp>
+        <p:nvSpPr>
+          <p:cNvPr id="15" name="Rectangle 12">
+            <a:extLst>
+              <a:ext uri="{FF2B5EF4-FFF2-40B4-BE49-F238E27FC236}">
+                <a16:creationId xmlns:a16="http://schemas.microsoft.com/office/drawing/2014/main" id="{867D4867-5BA7-4462-B2F6-A23F4A622AA7}"/>
+              </a:ext>
+              <a:ext uri="{C183D7F6-B498-43B3-948B-1728B52AA6E4}">
+                <adec:decorative xmlns:adec="http://schemas.microsoft.com/office/drawing/2017/decorative" val="1"/>
+              </a:ext>
+            </a:extLst>
+          </p:cNvPr>
+          <p:cNvSpPr>
+            <a:spLocks noGrp="1" noRot="1" noChangeAspect="1" noMove="1" noResize="1" noEditPoints="1" noAdjustHandles="1" noChangeArrowheads="1" noChangeShapeType="1" noTextEdit="1"/>
+          </p:cNvSpPr>
+          <p:nvPr>
+            <p:extLst>
+              <p:ext uri="{386F3935-93C4-4BCD-93E2-E3B085C9AB24}">
+                <p16:designElem xmlns:p16="http://schemas.microsoft.com/office/powerpoint/2015/main" val="1"/>
+              </p:ext>
+            </p:extLst>
+          </p:nvPr>
+        </p:nvSpPr>
+        <p:spPr>
+          <a:xfrm>
+            <a:off x="0" y="0"/>
+            <a:ext cx="3490722" cy="6858000"/>
+          </a:xfrm>
+          <a:prstGeom prst="rect">
+            <a:avLst/>
+          </a:prstGeom>
+          <a:solidFill>
+            <a:schemeClr val="tx1">
+              <a:lumMod val="75000"/>
+              <a:lumOff val="25000"/>
+            </a:schemeClr>
+          </a:solidFill>
+          <a:ln>
+            <a:noFill/>
+          </a:ln>
+        </p:spPr>
+        <p:style>
+          <a:lnRef idx="0">
+            <a:scrgbClr r="0" g="0" b="0"/>
+          </a:lnRef>
+          <a:fillRef idx="0">
+            <a:scrgbClr r="0" g="0" b="0"/>
+          </a:fillRef>
+          <a:effectRef idx="0">
+            <a:scrgbClr r="0" g="0" b="0"/>
+          </a:effectRef>
+          <a:fontRef idx="minor">
+            <a:schemeClr val="lt1"/>
+          </a:fontRef>
+        </p:style>
+        <p:txBody>
+          <a:bodyPr rtlCol="0" anchor="ctr"/>
+          <a:lstStyle/>
+          <a:p>
+            <a:pPr marL="0" marR="0" lvl="0" indent="0" algn="ctr" defTabSz="457200" rtl="0" eaLnBrk="1" fontAlgn="base" latinLnBrk="0" hangingPunct="1">
+              <a:lnSpc>
+                <a:spcPct val="100000"/>
+              </a:lnSpc>
+              <a:spcBef>
+                <a:spcPct val="0"/>
+              </a:spcBef>
+              <a:spcAft>
+                <a:spcPct val="0"/>
+              </a:spcAft>
+              <a:buClrTx/>
+              <a:buSzTx/>
+              <a:buFontTx/>
+              <a:buNone/>
+              <a:tabLst/>
+              <a:defRPr/>
+            </a:pPr>
+            <a:endParaRPr kumimoji="0" lang="en-US" sz="2400" b="0" i="0" u="none" strike="noStrike" kern="1200" cap="none" spc="0" normalizeH="0" baseline="0" noProof="0">
+              <a:ln>
+                <a:noFill/>
+              </a:ln>
+              <a:solidFill>
+                <a:prstClr val="white"/>
+              </a:solidFill>
+              <a:effectLst/>
+              <a:uLnTx/>
+              <a:uFillTx/>
+              <a:latin typeface="Calibri"/>
+              <a:ea typeface="+mn-ea"/>
+              <a:cs typeface="+mn-cs"/>
+            </a:endParaRPr>
+          </a:p>
+        </p:txBody>
+      </p:sp>
+      <p:sp>
+        <p:nvSpPr>
+          <p:cNvPr id="2" name="Title 1"/>
+          <p:cNvSpPr>
+            <a:spLocks noGrp="1"/>
+          </p:cNvSpPr>
+          <p:nvPr>
+            <p:ph type="title"/>
+          </p:nvPr>
+        </p:nvSpPr>
+        <p:spPr>
+          <a:xfrm>
+            <a:off x="482600" y="643467"/>
+            <a:ext cx="2522980" cy="1597315"/>
+          </a:xfrm>
+          <a:noFill/>
+          <a:ln w="19050">
+            <a:solidFill>
+              <a:schemeClr val="bg1"/>
+            </a:solidFill>
+          </a:ln>
+        </p:spPr>
+        <p:txBody>
+          <a:bodyPr vert="horz" wrap="square" lIns="91440" tIns="45720" rIns="91440" bIns="45720" rtlCol="0" anchor="ctr">
+            <a:normAutofit/>
+          </a:bodyPr>
+          <a:lstStyle/>
+          <a:p>
+            <a:pPr defTabSz="914400" eaLnBrk="1" hangingPunct="1">
+              <a:lnSpc>
+                <a:spcPct val="90000"/>
+              </a:lnSpc>
+            </a:pPr>
+            <a:r>
+              <a:rPr lang="en-US" sz="2400" dirty="0">
+                <a:solidFill>
+                  <a:schemeClr val="bg1"/>
+                </a:solidFill>
+                <a:ea typeface="+mj-ea"/>
+                <a:cs typeface="+mj-cs"/>
+              </a:rPr>
+              <a:t>mutate()</a:t>
+            </a:r>
+            <a:endParaRPr lang="en-US" sz="2400" kern="1200" dirty="0">
+              <a:solidFill>
+                <a:schemeClr val="bg1"/>
+              </a:solidFill>
+              <a:latin typeface="+mj-lt"/>
+              <a:ea typeface="+mj-ea"/>
+              <a:cs typeface="+mj-cs"/>
+            </a:endParaRPr>
+          </a:p>
+        </p:txBody>
+      </p:sp>
+      <p:pic>
+        <p:nvPicPr>
+          <p:cNvPr id="8" name="Picture 7">
+            <a:extLst>
+              <a:ext uri="{FF2B5EF4-FFF2-40B4-BE49-F238E27FC236}">
+                <a16:creationId xmlns:a16="http://schemas.microsoft.com/office/drawing/2014/main" id="{521D4292-9ECC-4DA5-8CC0-C561A0DA118E}"/>
+              </a:ext>
+            </a:extLst>
+          </p:cNvPr>
+          <p:cNvPicPr>
+            <a:picLocks noChangeAspect="1"/>
+          </p:cNvPicPr>
+          <p:nvPr/>
+        </p:nvPicPr>
+        <p:blipFill rotWithShape="1">
+          <a:blip r:embed="rId3"/>
+          <a:srcRect l="8000" r="9400"/>
+          <a:stretch/>
+        </p:blipFill>
+        <p:spPr>
+          <a:xfrm>
+            <a:off x="660103" y="3048000"/>
+            <a:ext cx="2167974" cy="2624666"/>
+          </a:xfrm>
+          <a:prstGeom prst="rect">
+            <a:avLst/>
+          </a:prstGeom>
+          <a:noFill/>
+        </p:spPr>
+      </p:pic>
+      <p:sp>
+        <p:nvSpPr>
+          <p:cNvPr id="3" name="TextBox 2">
+            <a:extLst>
+              <a:ext uri="{FF2B5EF4-FFF2-40B4-BE49-F238E27FC236}">
+                <a16:creationId xmlns:a16="http://schemas.microsoft.com/office/drawing/2014/main" id="{F11A48DB-9DC8-487D-B292-F37C24E1A4C6}"/>
+              </a:ext>
+            </a:extLst>
+          </p:cNvPr>
+          <p:cNvSpPr txBox="1"/>
+          <p:nvPr/>
+        </p:nvSpPr>
+        <p:spPr>
+          <a:xfrm>
+            <a:off x="3777352" y="643467"/>
+            <a:ext cx="5214248" cy="5632311"/>
+          </a:xfrm>
+          <a:prstGeom prst="rect">
+            <a:avLst/>
+          </a:prstGeom>
+          <a:noFill/>
+        </p:spPr>
+        <p:txBody>
+          <a:bodyPr wrap="square" rtlCol="0">
+            <a:spAutoFit/>
+          </a:bodyPr>
+          <a:lstStyle/>
+          <a:p>
+            <a:pPr marL="342900" marR="0" lvl="0" indent="-342900" algn="l" defTabSz="457200" rtl="0" eaLnBrk="1" fontAlgn="base" latinLnBrk="0" hangingPunct="1">
+              <a:lnSpc>
+                <a:spcPct val="100000"/>
+              </a:lnSpc>
+              <a:spcBef>
+                <a:spcPct val="0"/>
+              </a:spcBef>
+              <a:spcAft>
+                <a:spcPct val="0"/>
+              </a:spcAft>
+              <a:buClrTx/>
+              <a:buSzTx/>
+              <a:buFont typeface="Arial" panose="020B0604020202020204" pitchFamily="34" charset="0"/>
+              <a:buChar char="•"/>
+              <a:tabLst/>
+              <a:defRPr/>
+            </a:pPr>
+            <a:r>
+              <a:rPr kumimoji="0" lang="en-US" sz="2400" b="0" i="0" u="none" strike="noStrike" kern="1200" cap="none" spc="0" normalizeH="0" baseline="0" noProof="0" dirty="0">
+                <a:ln>
+                  <a:noFill/>
+                </a:ln>
+                <a:solidFill>
+                  <a:srgbClr val="404040"/>
+                </a:solidFill>
+                <a:effectLst/>
+                <a:uLnTx/>
+                <a:uFillTx/>
+                <a:latin typeface="Arial" charset="0"/>
+                <a:ea typeface="ＭＳ Ｐゴシック" charset="-128"/>
+              </a:rPr>
+              <a:t>Example of mutate()</a:t>
+            </a:r>
+          </a:p>
+          <a:p>
+            <a:pPr marL="342900" marR="0" lvl="0" indent="-342900" algn="l" defTabSz="457200" rtl="0" eaLnBrk="1" fontAlgn="base" latinLnBrk="0" hangingPunct="1">
+              <a:lnSpc>
+                <a:spcPct val="100000"/>
+              </a:lnSpc>
+              <a:spcBef>
+                <a:spcPct val="0"/>
+              </a:spcBef>
+              <a:spcAft>
+                <a:spcPct val="0"/>
+              </a:spcAft>
+              <a:buClrTx/>
+              <a:buSzTx/>
+              <a:buFont typeface="Arial" panose="020B0604020202020204" pitchFamily="34" charset="0"/>
+              <a:buChar char="•"/>
+              <a:tabLst/>
+              <a:defRPr/>
+            </a:pPr>
+            <a:endParaRPr kumimoji="0" lang="en-US" sz="2400" b="0" i="0" u="none" strike="noStrike" kern="1200" cap="none" spc="0" normalizeH="0" baseline="0" noProof="0" dirty="0">
+              <a:ln>
+                <a:noFill/>
+              </a:ln>
+              <a:solidFill>
+                <a:srgbClr val="404040"/>
+              </a:solidFill>
+              <a:effectLst/>
+              <a:uLnTx/>
+              <a:uFillTx/>
+              <a:latin typeface="Arial" charset="0"/>
+              <a:ea typeface="ＭＳ Ｐゴシック" charset="-128"/>
+            </a:endParaRPr>
+          </a:p>
+          <a:p>
+            <a:pPr marL="342900" marR="0" lvl="0" indent="-342900" algn="l" defTabSz="457200" rtl="0" eaLnBrk="1" fontAlgn="base" latinLnBrk="0" hangingPunct="1">
+              <a:lnSpc>
+                <a:spcPct val="100000"/>
+              </a:lnSpc>
+              <a:spcBef>
+                <a:spcPct val="0"/>
+              </a:spcBef>
+              <a:spcAft>
+                <a:spcPct val="0"/>
+              </a:spcAft>
+              <a:buClrTx/>
+              <a:buSzTx/>
+              <a:buFont typeface="Arial" panose="020B0604020202020204" pitchFamily="34" charset="0"/>
+              <a:buChar char="•"/>
+              <a:tabLst/>
+              <a:defRPr/>
+            </a:pPr>
+            <a:endParaRPr kumimoji="0" lang="en-US" sz="2400" b="0" i="0" u="none" strike="noStrike" kern="1200" cap="none" spc="0" normalizeH="0" baseline="0" noProof="0" dirty="0">
+              <a:ln>
+                <a:noFill/>
+              </a:ln>
+              <a:solidFill>
+                <a:srgbClr val="404040"/>
+              </a:solidFill>
+              <a:effectLst/>
+              <a:uLnTx/>
+              <a:uFillTx/>
+              <a:latin typeface="Arial" charset="0"/>
+              <a:ea typeface="ＭＳ Ｐゴシック" charset="-128"/>
+            </a:endParaRPr>
+          </a:p>
+          <a:p>
+            <a:pPr marL="342900" marR="0" lvl="0" indent="-342900" algn="l" defTabSz="457200" rtl="0" eaLnBrk="1" fontAlgn="base" latinLnBrk="0" hangingPunct="1">
+              <a:lnSpc>
+                <a:spcPct val="100000"/>
+              </a:lnSpc>
+              <a:spcBef>
+                <a:spcPct val="0"/>
+              </a:spcBef>
+              <a:spcAft>
+                <a:spcPct val="0"/>
+              </a:spcAft>
+              <a:buClrTx/>
+              <a:buSzTx/>
+              <a:buFont typeface="Arial" panose="020B0604020202020204" pitchFamily="34" charset="0"/>
+              <a:buChar char="•"/>
+              <a:tabLst/>
+              <a:defRPr/>
+            </a:pPr>
+            <a:endParaRPr kumimoji="0" lang="en-US" sz="2400" b="0" i="0" u="none" strike="noStrike" kern="1200" cap="none" spc="0" normalizeH="0" baseline="0" noProof="0" dirty="0">
+              <a:ln>
+                <a:noFill/>
+              </a:ln>
+              <a:solidFill>
+                <a:srgbClr val="404040"/>
+              </a:solidFill>
+              <a:effectLst/>
+              <a:uLnTx/>
+              <a:uFillTx/>
+              <a:latin typeface="Arial" charset="0"/>
+              <a:ea typeface="ＭＳ Ｐゴシック" charset="-128"/>
+            </a:endParaRPr>
+          </a:p>
+          <a:p>
+            <a:pPr marL="342900" marR="0" lvl="0" indent="-342900" algn="l" defTabSz="457200" rtl="0" eaLnBrk="1" fontAlgn="base" latinLnBrk="0" hangingPunct="1">
+              <a:lnSpc>
+                <a:spcPct val="100000"/>
+              </a:lnSpc>
+              <a:spcBef>
+                <a:spcPct val="0"/>
+              </a:spcBef>
+              <a:spcAft>
+                <a:spcPct val="0"/>
+              </a:spcAft>
+              <a:buClrTx/>
+              <a:buSzTx/>
+              <a:buFont typeface="Arial" panose="020B0604020202020204" pitchFamily="34" charset="0"/>
+              <a:buChar char="•"/>
+              <a:tabLst/>
+              <a:defRPr/>
+            </a:pPr>
+            <a:endParaRPr kumimoji="0" lang="en-US" sz="2400" b="0" i="0" u="none" strike="noStrike" kern="1200" cap="none" spc="0" normalizeH="0" baseline="0" noProof="0" dirty="0">
+              <a:ln>
+                <a:noFill/>
+              </a:ln>
+              <a:solidFill>
+                <a:srgbClr val="404040"/>
+              </a:solidFill>
+              <a:effectLst/>
+              <a:uLnTx/>
+              <a:uFillTx/>
+              <a:latin typeface="Arial" charset="0"/>
+              <a:ea typeface="ＭＳ Ｐゴシック" charset="-128"/>
+            </a:endParaRPr>
+          </a:p>
+          <a:p>
+            <a:pPr marL="342900" marR="0" lvl="0" indent="-342900" algn="l" defTabSz="457200" rtl="0" eaLnBrk="1" fontAlgn="base" latinLnBrk="0" hangingPunct="1">
+              <a:lnSpc>
+                <a:spcPct val="100000"/>
+              </a:lnSpc>
+              <a:spcBef>
+                <a:spcPct val="0"/>
+              </a:spcBef>
+              <a:spcAft>
+                <a:spcPct val="0"/>
+              </a:spcAft>
+              <a:buClrTx/>
+              <a:buSzTx/>
+              <a:buFont typeface="Arial" panose="020B0604020202020204" pitchFamily="34" charset="0"/>
+              <a:buChar char="•"/>
+              <a:tabLst/>
+              <a:defRPr/>
+            </a:pPr>
+            <a:endParaRPr kumimoji="0" lang="en-US" sz="2400" b="0" i="0" u="none" strike="noStrike" kern="1200" cap="none" spc="0" normalizeH="0" baseline="0" noProof="0" dirty="0">
+              <a:ln>
+                <a:noFill/>
+              </a:ln>
+              <a:solidFill>
+                <a:srgbClr val="404040"/>
+              </a:solidFill>
+              <a:effectLst/>
+              <a:uLnTx/>
+              <a:uFillTx/>
+              <a:latin typeface="Arial" charset="0"/>
+              <a:ea typeface="ＭＳ Ｐゴシック" charset="-128"/>
+            </a:endParaRPr>
+          </a:p>
+          <a:p>
+            <a:pPr marL="342900" marR="0" lvl="0" indent="-342900" algn="l" defTabSz="457200" rtl="0" eaLnBrk="1" fontAlgn="base" latinLnBrk="0" hangingPunct="1">
+              <a:lnSpc>
+                <a:spcPct val="100000"/>
+              </a:lnSpc>
+              <a:spcBef>
+                <a:spcPct val="0"/>
+              </a:spcBef>
+              <a:spcAft>
+                <a:spcPct val="0"/>
+              </a:spcAft>
+              <a:buClrTx/>
+              <a:buSzTx/>
+              <a:buFont typeface="Arial" panose="020B0604020202020204" pitchFamily="34" charset="0"/>
+              <a:buChar char="•"/>
+              <a:tabLst/>
+              <a:defRPr/>
+            </a:pPr>
+            <a:endParaRPr kumimoji="0" lang="en-US" sz="2400" b="0" i="0" u="none" strike="noStrike" kern="1200" cap="none" spc="0" normalizeH="0" baseline="0" noProof="0" dirty="0">
+              <a:ln>
+                <a:noFill/>
+              </a:ln>
+              <a:solidFill>
+                <a:srgbClr val="404040"/>
+              </a:solidFill>
+              <a:effectLst/>
+              <a:uLnTx/>
+              <a:uFillTx/>
+              <a:latin typeface="Arial" charset="0"/>
+              <a:ea typeface="ＭＳ Ｐゴシック" charset="-128"/>
+            </a:endParaRPr>
+          </a:p>
+          <a:p>
+            <a:pPr marL="342900" marR="0" lvl="0" indent="-342900" algn="l" defTabSz="457200" rtl="0" eaLnBrk="1" fontAlgn="base" latinLnBrk="0" hangingPunct="1">
+              <a:lnSpc>
+                <a:spcPct val="100000"/>
+              </a:lnSpc>
+              <a:spcBef>
+                <a:spcPct val="0"/>
+              </a:spcBef>
+              <a:spcAft>
+                <a:spcPct val="0"/>
+              </a:spcAft>
+              <a:buClrTx/>
+              <a:buSzTx/>
+              <a:buFont typeface="Arial" panose="020B0604020202020204" pitchFamily="34" charset="0"/>
+              <a:buChar char="•"/>
+              <a:tabLst/>
+              <a:defRPr/>
+            </a:pPr>
+            <a:endParaRPr kumimoji="0" lang="en-US" sz="2400" b="0" i="0" u="none" strike="noStrike" kern="1200" cap="none" spc="0" normalizeH="0" baseline="0" noProof="0" dirty="0">
+              <a:ln>
+                <a:noFill/>
+              </a:ln>
+              <a:solidFill>
+                <a:srgbClr val="404040"/>
+              </a:solidFill>
+              <a:effectLst/>
+              <a:uLnTx/>
+              <a:uFillTx/>
+              <a:latin typeface="Arial" charset="0"/>
+              <a:ea typeface="ＭＳ Ｐゴシック" charset="-128"/>
+            </a:endParaRPr>
+          </a:p>
+          <a:p>
+            <a:pPr marL="342900" marR="0" lvl="0" indent="-342900" algn="l" defTabSz="457200" rtl="0" eaLnBrk="1" fontAlgn="base" latinLnBrk="0" hangingPunct="1">
+              <a:lnSpc>
+                <a:spcPct val="100000"/>
+              </a:lnSpc>
+              <a:spcBef>
+                <a:spcPct val="0"/>
+              </a:spcBef>
+              <a:spcAft>
+                <a:spcPct val="0"/>
+              </a:spcAft>
+              <a:buClrTx/>
+              <a:buSzTx/>
+              <a:buFont typeface="Arial" panose="020B0604020202020204" pitchFamily="34" charset="0"/>
+              <a:buChar char="•"/>
+              <a:tabLst/>
+              <a:defRPr/>
+            </a:pPr>
+            <a:r>
+              <a:rPr kumimoji="0" lang="en-US" sz="2400" b="0" i="0" u="none" strike="noStrike" kern="1200" cap="none" spc="0" normalizeH="0" baseline="0" noProof="0" dirty="0">
+                <a:ln>
+                  <a:noFill/>
+                </a:ln>
+                <a:solidFill>
+                  <a:srgbClr val="404040"/>
+                </a:solidFill>
+                <a:effectLst/>
+                <a:uLnTx/>
+                <a:uFillTx/>
+                <a:latin typeface="Arial" charset="0"/>
+                <a:ea typeface="ＭＳ Ｐゴシック" charset="-128"/>
+              </a:rPr>
+              <a:t>Example of transmute()</a:t>
+            </a:r>
+          </a:p>
+          <a:p>
+            <a:pPr marL="342900" marR="0" lvl="0" indent="-342900" algn="l" defTabSz="457200" rtl="0" eaLnBrk="1" fontAlgn="base" latinLnBrk="0" hangingPunct="1">
+              <a:lnSpc>
+                <a:spcPct val="100000"/>
+              </a:lnSpc>
+              <a:spcBef>
+                <a:spcPct val="0"/>
+              </a:spcBef>
+              <a:spcAft>
+                <a:spcPct val="0"/>
+              </a:spcAft>
+              <a:buClrTx/>
+              <a:buSzTx/>
+              <a:buFont typeface="Arial" panose="020B0604020202020204" pitchFamily="34" charset="0"/>
+              <a:buChar char="•"/>
+              <a:tabLst/>
+              <a:defRPr/>
+            </a:pPr>
+            <a:endParaRPr kumimoji="0" lang="en-US" sz="2400" b="0" i="0" u="none" strike="noStrike" kern="1200" cap="none" spc="0" normalizeH="0" baseline="0" noProof="0" dirty="0">
+              <a:ln>
+                <a:noFill/>
+              </a:ln>
+              <a:solidFill>
+                <a:srgbClr val="404040"/>
+              </a:solidFill>
+              <a:effectLst/>
+              <a:uLnTx/>
+              <a:uFillTx/>
+              <a:latin typeface="Arial" charset="0"/>
+              <a:ea typeface="ＭＳ Ｐゴシック" charset="-128"/>
+            </a:endParaRPr>
+          </a:p>
+          <a:p>
+            <a:pPr marL="342900" marR="0" lvl="0" indent="-342900" algn="l" defTabSz="457200" rtl="0" eaLnBrk="1" fontAlgn="base" latinLnBrk="0" hangingPunct="1">
+              <a:lnSpc>
+                <a:spcPct val="100000"/>
+              </a:lnSpc>
+              <a:spcBef>
+                <a:spcPct val="0"/>
+              </a:spcBef>
+              <a:spcAft>
+                <a:spcPct val="0"/>
+              </a:spcAft>
+              <a:buClrTx/>
+              <a:buSzTx/>
+              <a:buFont typeface="Arial" panose="020B0604020202020204" pitchFamily="34" charset="0"/>
+              <a:buChar char="•"/>
+              <a:tabLst/>
+              <a:defRPr/>
+            </a:pPr>
+            <a:endParaRPr kumimoji="0" lang="en-US" sz="2400" b="0" i="0" u="none" strike="noStrike" kern="1200" cap="none" spc="0" normalizeH="0" baseline="0" noProof="0" dirty="0">
+              <a:ln>
+                <a:noFill/>
+              </a:ln>
+              <a:solidFill>
+                <a:srgbClr val="404040"/>
+              </a:solidFill>
+              <a:effectLst/>
+              <a:uLnTx/>
+              <a:uFillTx/>
+              <a:latin typeface="Arial" charset="0"/>
+              <a:ea typeface="ＭＳ Ｐゴシック" charset="-128"/>
+            </a:endParaRPr>
+          </a:p>
+          <a:p>
+            <a:pPr marL="342900" marR="0" lvl="0" indent="-342900" algn="l" defTabSz="457200" rtl="0" eaLnBrk="1" fontAlgn="base" latinLnBrk="0" hangingPunct="1">
+              <a:lnSpc>
+                <a:spcPct val="100000"/>
+              </a:lnSpc>
+              <a:spcBef>
+                <a:spcPct val="0"/>
+              </a:spcBef>
+              <a:spcAft>
+                <a:spcPct val="0"/>
+              </a:spcAft>
+              <a:buClrTx/>
+              <a:buSzTx/>
+              <a:buFont typeface="Arial" panose="020B0604020202020204" pitchFamily="34" charset="0"/>
+              <a:buChar char="•"/>
+              <a:tabLst/>
+              <a:defRPr/>
+            </a:pPr>
+            <a:endParaRPr kumimoji="0" lang="en-US" sz="2400" b="0" i="0" u="none" strike="noStrike" kern="1200" cap="none" spc="0" normalizeH="0" baseline="0" noProof="0" dirty="0">
+              <a:ln>
+                <a:noFill/>
+              </a:ln>
+              <a:solidFill>
+                <a:srgbClr val="404040"/>
+              </a:solidFill>
+              <a:effectLst/>
+              <a:uLnTx/>
+              <a:uFillTx/>
+              <a:latin typeface="Arial" charset="0"/>
+              <a:ea typeface="ＭＳ Ｐゴシック" charset="-128"/>
+            </a:endParaRPr>
+          </a:p>
+          <a:p>
+            <a:pPr marL="342900" marR="0" lvl="0" indent="-342900" algn="l" defTabSz="457200" rtl="0" eaLnBrk="1" fontAlgn="base" latinLnBrk="0" hangingPunct="1">
+              <a:lnSpc>
+                <a:spcPct val="100000"/>
+              </a:lnSpc>
+              <a:spcBef>
+                <a:spcPct val="0"/>
+              </a:spcBef>
+              <a:spcAft>
+                <a:spcPct val="0"/>
+              </a:spcAft>
+              <a:buClrTx/>
+              <a:buSzTx/>
+              <a:buFont typeface="Arial" panose="020B0604020202020204" pitchFamily="34" charset="0"/>
+              <a:buChar char="•"/>
+              <a:tabLst/>
+              <a:defRPr/>
+            </a:pPr>
+            <a:endParaRPr kumimoji="0" lang="en-US" sz="2400" b="0" i="0" u="none" strike="noStrike" kern="1200" cap="none" spc="0" normalizeH="0" baseline="0" noProof="0" dirty="0">
+              <a:ln>
+                <a:noFill/>
+              </a:ln>
+              <a:solidFill>
+                <a:srgbClr val="404040"/>
+              </a:solidFill>
+              <a:effectLst/>
+              <a:uLnTx/>
+              <a:uFillTx/>
+              <a:latin typeface="Arial" charset="0"/>
+              <a:ea typeface="ＭＳ Ｐゴシック" charset="-128"/>
+            </a:endParaRPr>
+          </a:p>
+          <a:p>
+            <a:pPr marL="342900" marR="0" lvl="0" indent="-342900" algn="l" defTabSz="457200" rtl="0" eaLnBrk="1" fontAlgn="base" latinLnBrk="0" hangingPunct="1">
+              <a:lnSpc>
+                <a:spcPct val="100000"/>
+              </a:lnSpc>
+              <a:spcBef>
+                <a:spcPct val="0"/>
+              </a:spcBef>
+              <a:spcAft>
+                <a:spcPct val="0"/>
+              </a:spcAft>
+              <a:buClrTx/>
+              <a:buSzTx/>
+              <a:buFont typeface="Arial" panose="020B0604020202020204" pitchFamily="34" charset="0"/>
+              <a:buChar char="•"/>
+              <a:tabLst/>
+              <a:defRPr/>
+            </a:pPr>
+            <a:endParaRPr kumimoji="0" lang="en-US" sz="2400" b="0" i="0" u="none" strike="noStrike" kern="1200" cap="none" spc="0" normalizeH="0" baseline="0" noProof="0" dirty="0">
+              <a:ln>
+                <a:noFill/>
+              </a:ln>
+              <a:solidFill>
+                <a:srgbClr val="404040"/>
+              </a:solidFill>
+              <a:effectLst/>
+              <a:uLnTx/>
+              <a:uFillTx/>
+              <a:latin typeface="Arial" charset="0"/>
+              <a:ea typeface="ＭＳ Ｐゴシック" charset="-128"/>
+            </a:endParaRPr>
+          </a:p>
+          <a:p>
+            <a:pPr marL="0" marR="0" lvl="0" indent="0" algn="l" defTabSz="457200" rtl="0" eaLnBrk="1" fontAlgn="base" latinLnBrk="0" hangingPunct="1">
+              <a:lnSpc>
+                <a:spcPct val="100000"/>
+              </a:lnSpc>
+              <a:spcBef>
+                <a:spcPct val="0"/>
+              </a:spcBef>
+              <a:spcAft>
+                <a:spcPct val="0"/>
+              </a:spcAft>
+              <a:buClrTx/>
+              <a:buSzTx/>
+              <a:buFontTx/>
+              <a:buNone/>
+              <a:tabLst/>
+              <a:defRPr/>
+            </a:pPr>
+            <a:endParaRPr kumimoji="0" lang="en-US" sz="2400" b="0" i="0" u="none" strike="noStrike" kern="1200" cap="none" spc="0" normalizeH="0" baseline="0" noProof="0" dirty="0">
+              <a:ln>
+                <a:noFill/>
+              </a:ln>
+              <a:solidFill>
+                <a:srgbClr val="404040"/>
+              </a:solidFill>
+              <a:effectLst/>
+              <a:uLnTx/>
+              <a:uFillTx/>
+              <a:latin typeface="Arial" charset="0"/>
+              <a:ea typeface="ＭＳ Ｐゴシック" charset="-128"/>
+            </a:endParaRPr>
+          </a:p>
+        </p:txBody>
+      </p:sp>
+      <p:pic>
+        <p:nvPicPr>
+          <p:cNvPr id="4" name="Picture 3">
+            <a:extLst>
+              <a:ext uri="{FF2B5EF4-FFF2-40B4-BE49-F238E27FC236}">
+                <a16:creationId xmlns:a16="http://schemas.microsoft.com/office/drawing/2014/main" id="{BE9F93B6-26B6-4851-87E6-2A6F8F802933}"/>
+              </a:ext>
+            </a:extLst>
+          </p:cNvPr>
+          <p:cNvPicPr>
+            <a:picLocks noChangeAspect="1"/>
+          </p:cNvPicPr>
+          <p:nvPr/>
+        </p:nvPicPr>
+        <p:blipFill>
+          <a:blip r:embed="rId4"/>
+          <a:stretch>
+            <a:fillRect/>
+          </a:stretch>
+        </p:blipFill>
+        <p:spPr>
+          <a:xfrm>
+            <a:off x="3581400" y="4020937"/>
+            <a:ext cx="5504492" cy="2227463"/>
+          </a:xfrm>
+          <a:prstGeom prst="rect">
+            <a:avLst/>
+          </a:prstGeom>
+          <a:ln>
+            <a:solidFill>
+              <a:srgbClr val="404040"/>
+            </a:solidFill>
+          </a:ln>
+        </p:spPr>
+        <p:style>
+          <a:lnRef idx="2">
+            <a:schemeClr val="dk1"/>
+          </a:lnRef>
+          <a:fillRef idx="1">
+            <a:schemeClr val="lt1"/>
+          </a:fillRef>
+          <a:effectRef idx="0">
+            <a:schemeClr val="dk1"/>
+          </a:effectRef>
+          <a:fontRef idx="minor">
+            <a:schemeClr val="dk1"/>
+          </a:fontRef>
+        </p:style>
+      </p:pic>
+      <p:pic>
+        <p:nvPicPr>
+          <p:cNvPr id="9" name="Picture 8">
+            <a:extLst>
+              <a:ext uri="{FF2B5EF4-FFF2-40B4-BE49-F238E27FC236}">
+                <a16:creationId xmlns:a16="http://schemas.microsoft.com/office/drawing/2014/main" id="{0A85D510-9888-43FF-8A9D-D294396439E7}"/>
+              </a:ext>
+            </a:extLst>
+          </p:cNvPr>
+          <p:cNvPicPr>
+            <a:picLocks noChangeAspect="1"/>
+          </p:cNvPicPr>
+          <p:nvPr/>
+        </p:nvPicPr>
+        <p:blipFill>
+          <a:blip r:embed="rId5"/>
+          <a:stretch>
+            <a:fillRect/>
+          </a:stretch>
+        </p:blipFill>
+        <p:spPr>
+          <a:xfrm>
+            <a:off x="3581400" y="1126735"/>
+            <a:ext cx="5504492" cy="2240521"/>
+          </a:xfrm>
+          <a:prstGeom prst="rect">
+            <a:avLst/>
+          </a:prstGeom>
+          <a:ln>
+            <a:solidFill>
+              <a:srgbClr val="404040"/>
+            </a:solidFill>
+          </a:ln>
+        </p:spPr>
+        <p:style>
+          <a:lnRef idx="2">
+            <a:schemeClr val="dk1"/>
+          </a:lnRef>
+          <a:fillRef idx="1">
+            <a:schemeClr val="lt1"/>
+          </a:fillRef>
+          <a:effectRef idx="0">
+            <a:schemeClr val="dk1"/>
+          </a:effectRef>
+          <a:fontRef idx="minor">
+            <a:schemeClr val="dk1"/>
+          </a:fontRef>
+        </p:style>
+      </p:pic>
+    </p:spTree>
+    <p:custDataLst>
+      <p:tags r:id="rId1"/>
+    </p:custDataLst>
+    <p:extLst>
+      <p:ext uri="{BB962C8B-B14F-4D97-AF65-F5344CB8AC3E}">
+        <p14:creationId xmlns:p14="http://schemas.microsoft.com/office/powerpoint/2010/main" val="3429564668"/>
+      </p:ext>
+    </p:extLst>
+  </p:cSld>
+  <p:clrMapOvr>
+    <a:masterClrMapping/>
+  </p:clrMapOvr>
+</p:sld>
+</file>
+
+<file path=ppt/slides/slide4.xml><?xml version="1.0" encoding="utf-8"?>
+<p:sld xmlns:a="http://schemas.openxmlformats.org/drawingml/2006/main" xmlns:r="http://schemas.openxmlformats.org/officeDocument/2006/relationships" xmlns:p="http://schemas.openxmlformats.org/presentationml/2006/main">
+  <p:cSld>
+    <p:bg>
+      <p:bgPr>
+        <a:solidFill>
+          <a:schemeClr val="bg1">
+            <a:lumMod val="85000"/>
+          </a:schemeClr>
+        </a:solidFill>
+        <a:effectLst/>
+      </p:bgPr>
+    </p:bg>
+    <p:spTree>
+      <p:nvGrpSpPr>
+        <p:cNvPr id="1" name=""/>
+        <p:cNvGrpSpPr/>
+        <p:nvPr/>
+      </p:nvGrpSpPr>
+      <p:grpSpPr>
+        <a:xfrm>
+          <a:off x="0" y="0"/>
+          <a:ext cx="0" cy="0"/>
+          <a:chOff x="0" y="0"/>
+          <a:chExt cx="0" cy="0"/>
+        </a:xfrm>
+      </p:grpSpPr>
+      <p:sp>
+        <p:nvSpPr>
+          <p:cNvPr id="15" name="Rectangle 12">
+            <a:extLst>
+              <a:ext uri="{FF2B5EF4-FFF2-40B4-BE49-F238E27FC236}">
+                <a16:creationId xmlns:a16="http://schemas.microsoft.com/office/drawing/2014/main" id="{867D4867-5BA7-4462-B2F6-A23F4A622AA7}"/>
+              </a:ext>
+              <a:ext uri="{C183D7F6-B498-43B3-948B-1728B52AA6E4}">
+                <adec:decorative xmlns:adec="http://schemas.microsoft.com/office/drawing/2017/decorative" val="1"/>
+              </a:ext>
+            </a:extLst>
+          </p:cNvPr>
+          <p:cNvSpPr>
+            <a:spLocks noGrp="1" noRot="1" noChangeAspect="1" noMove="1" noResize="1" noEditPoints="1" noAdjustHandles="1" noChangeArrowheads="1" noChangeShapeType="1" noTextEdit="1"/>
+          </p:cNvSpPr>
+          <p:nvPr>
+            <p:extLst>
+              <p:ext uri="{386F3935-93C4-4BCD-93E2-E3B085C9AB24}">
+                <p16:designElem xmlns:p16="http://schemas.microsoft.com/office/powerpoint/2015/main" val="1"/>
+              </p:ext>
+            </p:extLst>
+          </p:nvPr>
+        </p:nvSpPr>
+        <p:spPr>
+          <a:xfrm>
+            <a:off x="0" y="0"/>
+            <a:ext cx="3490722" cy="6858000"/>
+          </a:xfrm>
+          <a:prstGeom prst="rect">
+            <a:avLst/>
+          </a:prstGeom>
+          <a:solidFill>
+            <a:schemeClr val="tx1">
+              <a:lumMod val="75000"/>
+              <a:lumOff val="25000"/>
+            </a:schemeClr>
+          </a:solidFill>
+          <a:ln>
+            <a:noFill/>
+          </a:ln>
+        </p:spPr>
+        <p:style>
+          <a:lnRef idx="0">
+            <a:scrgbClr r="0" g="0" b="0"/>
+          </a:lnRef>
+          <a:fillRef idx="0">
+            <a:scrgbClr r="0" g="0" b="0"/>
+          </a:fillRef>
+          <a:effectRef idx="0">
+            <a:scrgbClr r="0" g="0" b="0"/>
+          </a:effectRef>
+          <a:fontRef idx="minor">
+            <a:schemeClr val="lt1"/>
+          </a:fontRef>
+        </p:style>
+        <p:txBody>
+          <a:bodyPr rtlCol="0" anchor="ctr"/>
+          <a:lstStyle/>
+          <a:p>
+            <a:pPr marL="0" marR="0" lvl="0" indent="0" algn="ctr" defTabSz="457200" rtl="0" eaLnBrk="1" fontAlgn="base" latinLnBrk="0" hangingPunct="1">
+              <a:lnSpc>
+                <a:spcPct val="100000"/>
+              </a:lnSpc>
+              <a:spcBef>
+                <a:spcPct val="0"/>
+              </a:spcBef>
+              <a:spcAft>
+                <a:spcPct val="0"/>
+              </a:spcAft>
+              <a:buClrTx/>
+              <a:buSzTx/>
+              <a:buFontTx/>
+              <a:buNone/>
+              <a:tabLst/>
+              <a:defRPr/>
+            </a:pPr>
+            <a:endParaRPr kumimoji="0" lang="en-US" sz="2400" b="0" i="0" u="none" strike="noStrike" kern="1200" cap="none" spc="0" normalizeH="0" baseline="0" noProof="0">
+              <a:ln>
+                <a:noFill/>
+              </a:ln>
+              <a:solidFill>
+                <a:prstClr val="white"/>
+              </a:solidFill>
+              <a:effectLst/>
+              <a:uLnTx/>
+              <a:uFillTx/>
+              <a:latin typeface="Calibri"/>
+              <a:ea typeface="+mn-ea"/>
+              <a:cs typeface="+mn-cs"/>
+            </a:endParaRPr>
+          </a:p>
+        </p:txBody>
+      </p:sp>
+      <p:sp>
+        <p:nvSpPr>
+          <p:cNvPr id="2" name="Title 1"/>
+          <p:cNvSpPr>
+            <a:spLocks noGrp="1"/>
+          </p:cNvSpPr>
+          <p:nvPr>
+            <p:ph type="title"/>
+          </p:nvPr>
+        </p:nvSpPr>
+        <p:spPr>
+          <a:xfrm>
+            <a:off x="482600" y="643467"/>
+            <a:ext cx="2522980" cy="1597315"/>
+          </a:xfrm>
+          <a:noFill/>
+          <a:ln w="19050">
+            <a:solidFill>
+              <a:schemeClr val="bg1"/>
+            </a:solidFill>
+          </a:ln>
+        </p:spPr>
+        <p:txBody>
+          <a:bodyPr vert="horz" wrap="square" lIns="91440" tIns="45720" rIns="91440" bIns="45720" rtlCol="0" anchor="ctr">
+            <a:normAutofit/>
+          </a:bodyPr>
+          <a:lstStyle/>
+          <a:p>
+            <a:pPr defTabSz="914400" eaLnBrk="1" hangingPunct="1">
+              <a:lnSpc>
+                <a:spcPct val="90000"/>
+              </a:lnSpc>
+            </a:pPr>
+            <a:r>
+              <a:rPr lang="en-US" sz="2400" dirty="0">
+                <a:solidFill>
+                  <a:schemeClr val="bg1"/>
+                </a:solidFill>
+                <a:ea typeface="+mj-ea"/>
+                <a:cs typeface="+mj-cs"/>
+              </a:rPr>
+              <a:t>mutate()</a:t>
+            </a:r>
+            <a:endParaRPr lang="en-US" sz="2400" kern="1200" dirty="0">
+              <a:solidFill>
+                <a:schemeClr val="bg1"/>
+              </a:solidFill>
+              <a:latin typeface="+mj-lt"/>
+              <a:ea typeface="+mj-ea"/>
+              <a:cs typeface="+mj-cs"/>
+            </a:endParaRPr>
+          </a:p>
+        </p:txBody>
+      </p:sp>
+      <p:pic>
+        <p:nvPicPr>
+          <p:cNvPr id="8" name="Picture 7">
+            <a:extLst>
+              <a:ext uri="{FF2B5EF4-FFF2-40B4-BE49-F238E27FC236}">
+                <a16:creationId xmlns:a16="http://schemas.microsoft.com/office/drawing/2014/main" id="{521D4292-9ECC-4DA5-8CC0-C561A0DA118E}"/>
+              </a:ext>
+            </a:extLst>
+          </p:cNvPr>
+          <p:cNvPicPr>
+            <a:picLocks noChangeAspect="1"/>
+          </p:cNvPicPr>
+          <p:nvPr/>
+        </p:nvPicPr>
+        <p:blipFill rotWithShape="1">
+          <a:blip r:embed="rId3"/>
+          <a:srcRect l="8000" r="9400"/>
+          <a:stretch/>
+        </p:blipFill>
+        <p:spPr>
+          <a:xfrm>
+            <a:off x="660103" y="3048000"/>
+            <a:ext cx="2167974" cy="2624666"/>
+          </a:xfrm>
+          <a:prstGeom prst="rect">
+            <a:avLst/>
+          </a:prstGeom>
+          <a:noFill/>
+        </p:spPr>
+      </p:pic>
+      <mc:AlternateContent xmlns:mc="http://schemas.openxmlformats.org/markup-compatibility/2006" xmlns:a14="http://schemas.microsoft.com/office/drawing/2010/main">
+        <mc:Choice Requires="a14">
+          <p:sp>
+            <p:nvSpPr>
+              <p:cNvPr id="3" name="TextBox 2">
+                <a:extLst>
+                  <a:ext uri="{FF2B5EF4-FFF2-40B4-BE49-F238E27FC236}">
+                    <a16:creationId xmlns:a16="http://schemas.microsoft.com/office/drawing/2014/main" id="{F11A48DB-9DC8-487D-B292-F37C24E1A4C6}"/>
+                  </a:ext>
+                </a:extLst>
+              </p:cNvPr>
+              <p:cNvSpPr txBox="1"/>
+              <p:nvPr/>
+            </p:nvSpPr>
+            <p:spPr>
+              <a:xfrm>
+                <a:off x="3777352" y="643467"/>
+                <a:ext cx="5214248" cy="3323987"/>
+              </a:xfrm>
+              <a:prstGeom prst="rect">
+                <a:avLst/>
+              </a:prstGeom>
+              <a:noFill/>
+            </p:spPr>
+            <p:txBody>
+              <a:bodyPr wrap="square" rtlCol="0">
+                <a:spAutoFit/>
+              </a:bodyPr>
+              <a:lstStyle/>
+              <a:p>
+                <a:pPr marL="342900" marR="0" lvl="0" indent="-342900" algn="l" defTabSz="457200" rtl="0" eaLnBrk="1" fontAlgn="base" latinLnBrk="0" hangingPunct="1">
+                  <a:lnSpc>
+                    <a:spcPct val="100000"/>
+                  </a:lnSpc>
+                  <a:spcBef>
+                    <a:spcPct val="0"/>
+                  </a:spcBef>
+                  <a:spcAft>
+                    <a:spcPct val="0"/>
+                  </a:spcAft>
+                  <a:buClrTx/>
+                  <a:buSzTx/>
+                  <a:buFont typeface="Arial" panose="020B0604020202020204" pitchFamily="34" charset="0"/>
+                  <a:buChar char="•"/>
+                  <a:tabLst/>
+                  <a:defRPr/>
+                </a:pPr>
+                <a:r>
+                  <a:rPr kumimoji="0" lang="en-US" sz="2400" b="0" i="0" u="none" strike="noStrike" kern="1200" cap="none" spc="0" normalizeH="0" baseline="0" noProof="0" dirty="0">
+                    <a:ln>
+                      <a:noFill/>
+                    </a:ln>
+                    <a:solidFill>
+                      <a:srgbClr val="404040"/>
+                    </a:solidFill>
+                    <a:effectLst/>
+                    <a:uLnTx/>
+                    <a:uFillTx/>
+                    <a:latin typeface="Arial" charset="0"/>
+                    <a:ea typeface="ＭＳ Ｐゴシック" charset="-128"/>
+                  </a:rPr>
+                  <a:t>Plethora of Examples</a:t>
+                </a:r>
+              </a:p>
+              <a:p>
+                <a:pPr marL="800100" marR="0" lvl="1" indent="-342900" algn="l" defTabSz="457200" rtl="0" eaLnBrk="1" fontAlgn="base" latinLnBrk="0" hangingPunct="1">
+                  <a:lnSpc>
+                    <a:spcPct val="100000"/>
+                  </a:lnSpc>
+                  <a:spcBef>
+                    <a:spcPct val="0"/>
+                  </a:spcBef>
+                  <a:spcAft>
+                    <a:spcPct val="0"/>
+                  </a:spcAft>
+                  <a:buClrTx/>
+                  <a:buSzTx/>
+                  <a:buFont typeface="Arial" panose="020B0604020202020204" pitchFamily="34" charset="0"/>
+                  <a:buChar char="•"/>
+                  <a:tabLst/>
+                  <a:defRPr/>
+                </a:pPr>
+                <a:r>
+                  <a:rPr kumimoji="0" lang="en-US" sz="2400" b="0" i="0" u="none" strike="noStrike" kern="1200" cap="none" spc="0" normalizeH="0" baseline="0" noProof="0" dirty="0">
+                    <a:ln>
+                      <a:noFill/>
+                    </a:ln>
+                    <a:solidFill>
+                      <a:srgbClr val="404040"/>
+                    </a:solidFill>
+                    <a:effectLst/>
+                    <a:uLnTx/>
+                    <a:uFillTx/>
+                    <a:latin typeface="Arial" charset="0"/>
+                    <a:ea typeface="ＭＳ Ｐゴシック" charset="-128"/>
+                  </a:rPr>
+                  <a:t>Basic and Modular Arithmetic</a:t>
+                </a:r>
+              </a:p>
+              <a:p>
+                <a:pPr marL="800100" marR="0" lvl="1" indent="-342900" algn="l" defTabSz="457200" rtl="0" eaLnBrk="1" fontAlgn="base" latinLnBrk="0" hangingPunct="1">
+                  <a:lnSpc>
+                    <a:spcPct val="100000"/>
+                  </a:lnSpc>
+                  <a:spcBef>
+                    <a:spcPct val="0"/>
+                  </a:spcBef>
+                  <a:spcAft>
+                    <a:spcPct val="0"/>
+                  </a:spcAft>
+                  <a:buClrTx/>
+                  <a:buSzTx/>
+                  <a:buFont typeface="Arial" panose="020B0604020202020204" pitchFamily="34" charset="0"/>
+                  <a:buChar char="•"/>
+                  <a:tabLst/>
+                  <a:defRPr/>
+                </a:pPr>
+                <a:endParaRPr kumimoji="0" lang="en-US" sz="2400" b="0" i="0" u="none" strike="noStrike" kern="1200" cap="none" spc="0" normalizeH="0" baseline="0" noProof="0" dirty="0">
+                  <a:ln>
+                    <a:noFill/>
+                  </a:ln>
+                  <a:solidFill>
+                    <a:srgbClr val="404040"/>
+                  </a:solidFill>
+                  <a:effectLst/>
+                  <a:uLnTx/>
+                  <a:uFillTx/>
+                  <a:latin typeface="Arial" charset="0"/>
+                  <a:ea typeface="ＭＳ Ｐゴシック" charset="-128"/>
+                </a:endParaRPr>
+              </a:p>
+              <a:p>
+                <a:pPr marL="800100" marR="0" lvl="1" indent="-342900" algn="l" defTabSz="457200" rtl="0" eaLnBrk="1" fontAlgn="base" latinLnBrk="0" hangingPunct="1">
+                  <a:lnSpc>
+                    <a:spcPct val="100000"/>
+                  </a:lnSpc>
+                  <a:spcBef>
+                    <a:spcPct val="0"/>
+                  </a:spcBef>
+                  <a:spcAft>
+                    <a:spcPct val="0"/>
+                  </a:spcAft>
+                  <a:buClrTx/>
+                  <a:buSzTx/>
+                  <a:buFont typeface="Arial" panose="020B0604020202020204" pitchFamily="34" charset="0"/>
+                  <a:buChar char="•"/>
+                  <a:tabLst/>
+                  <a:defRPr/>
+                </a:pPr>
+                <a:endParaRPr kumimoji="0" lang="en-US" sz="2400" b="0" i="0" u="none" strike="noStrike" kern="1200" cap="none" spc="0" normalizeH="0" baseline="0" noProof="0" dirty="0">
+                  <a:ln>
+                    <a:noFill/>
+                  </a:ln>
+                  <a:solidFill>
+                    <a:srgbClr val="404040"/>
+                  </a:solidFill>
+                  <a:effectLst/>
+                  <a:uLnTx/>
+                  <a:uFillTx/>
+                  <a:latin typeface="Arial" charset="0"/>
+                  <a:ea typeface="ＭＳ Ｐゴシック" charset="-128"/>
+                </a:endParaRPr>
+              </a:p>
+              <a:p>
+                <a:pPr marL="800100" marR="0" lvl="1" indent="-342900" algn="l" defTabSz="457200" rtl="0" eaLnBrk="1" fontAlgn="base" latinLnBrk="0" hangingPunct="1">
+                  <a:lnSpc>
+                    <a:spcPct val="100000"/>
+                  </a:lnSpc>
+                  <a:spcBef>
+                    <a:spcPct val="0"/>
+                  </a:spcBef>
+                  <a:spcAft>
+                    <a:spcPct val="0"/>
+                  </a:spcAft>
+                  <a:buClrTx/>
+                  <a:buSzTx/>
+                  <a:buFont typeface="Arial" panose="020B0604020202020204" pitchFamily="34" charset="0"/>
+                  <a:buChar char="•"/>
+                  <a:tabLst/>
+                  <a:defRPr/>
+                </a:pPr>
+                <a:endParaRPr kumimoji="0" lang="en-US" sz="2400" b="0" i="0" u="none" strike="noStrike" kern="1200" cap="none" spc="0" normalizeH="0" baseline="0" noProof="0" dirty="0">
+                  <a:ln>
+                    <a:noFill/>
+                  </a:ln>
+                  <a:solidFill>
+                    <a:srgbClr val="404040"/>
+                  </a:solidFill>
+                  <a:effectLst/>
+                  <a:uLnTx/>
+                  <a:uFillTx/>
+                  <a:latin typeface="Arial" charset="0"/>
+                  <a:ea typeface="ＭＳ Ｐゴシック" charset="-128"/>
+                </a:endParaRPr>
+              </a:p>
+              <a:p>
+                <a:pPr marL="800100" marR="0" lvl="1" indent="-342900" algn="l" defTabSz="457200" rtl="0" eaLnBrk="1" fontAlgn="base" latinLnBrk="0" hangingPunct="1">
+                  <a:lnSpc>
+                    <a:spcPct val="100000"/>
+                  </a:lnSpc>
+                  <a:spcBef>
+                    <a:spcPct val="0"/>
+                  </a:spcBef>
+                  <a:spcAft>
+                    <a:spcPct val="0"/>
+                  </a:spcAft>
+                  <a:buClrTx/>
+                  <a:buSzTx/>
+                  <a:buFont typeface="Arial" panose="020B0604020202020204" pitchFamily="34" charset="0"/>
+                  <a:buChar char="•"/>
+                  <a:tabLst/>
+                  <a:defRPr/>
+                </a:pPr>
+                <a:endParaRPr kumimoji="0" lang="en-US" sz="2400" b="0" i="0" u="none" strike="noStrike" kern="1200" cap="none" spc="0" normalizeH="0" baseline="0" noProof="0" dirty="0">
+                  <a:ln>
+                    <a:noFill/>
+                  </a:ln>
+                  <a:solidFill>
+                    <a:srgbClr val="404040"/>
+                  </a:solidFill>
+                  <a:effectLst/>
+                  <a:uLnTx/>
+                  <a:uFillTx/>
+                  <a:latin typeface="Arial" charset="0"/>
+                  <a:ea typeface="ＭＳ Ｐゴシック" charset="-128"/>
+                </a:endParaRPr>
+              </a:p>
+              <a:p>
+                <a:pPr marL="457200" marR="0" lvl="1" indent="0" algn="l" defTabSz="457200" rtl="0" eaLnBrk="1" fontAlgn="base" latinLnBrk="0" hangingPunct="1">
+                  <a:lnSpc>
+                    <a:spcPct val="100000"/>
+                  </a:lnSpc>
+                  <a:spcBef>
+                    <a:spcPct val="0"/>
+                  </a:spcBef>
+                  <a:spcAft>
+                    <a:spcPct val="0"/>
+                  </a:spcAft>
+                  <a:buClrTx/>
+                  <a:buSzTx/>
+                  <a:buFontTx/>
+                  <a:buNone/>
+                  <a:tabLst/>
+                  <a:defRPr/>
+                </a:pPr>
+                <a:endParaRPr kumimoji="0" lang="en-US" sz="2400" b="0" i="0" u="none" strike="noStrike" kern="1200" cap="none" spc="0" normalizeH="0" baseline="0" noProof="0" dirty="0">
+                  <a:ln>
+                    <a:noFill/>
+                  </a:ln>
+                  <a:solidFill>
+                    <a:srgbClr val="404040"/>
+                  </a:solidFill>
+                  <a:effectLst/>
+                  <a:uLnTx/>
+                  <a:uFillTx/>
+                  <a:latin typeface="Arial" charset="0"/>
+                  <a:ea typeface="ＭＳ Ｐゴシック" charset="-128"/>
+                </a:endParaRPr>
+              </a:p>
+              <a:p>
+                <a:pPr marL="457200" marR="0" lvl="1" indent="0" algn="l" defTabSz="457200" rtl="0" eaLnBrk="1" fontAlgn="base" latinLnBrk="0" hangingPunct="1">
+                  <a:lnSpc>
+                    <a:spcPct val="100000"/>
+                  </a:lnSpc>
+                  <a:spcBef>
+                    <a:spcPct val="0"/>
+                  </a:spcBef>
+                  <a:spcAft>
+                    <a:spcPct val="0"/>
+                  </a:spcAft>
+                  <a:buClrTx/>
+                  <a:buSzTx/>
+                  <a:buFontTx/>
+                  <a:buNone/>
+                  <a:tabLst/>
+                  <a:defRPr/>
+                </a:pPr>
+                <a:endParaRPr kumimoji="0" lang="en-US" sz="1400" b="0" i="1" u="none" strike="noStrike" kern="1200" cap="none" spc="0" normalizeH="0" baseline="0" noProof="0" dirty="0">
+                  <a:ln>
+                    <a:noFill/>
+                  </a:ln>
+                  <a:solidFill>
+                    <a:srgbClr val="404040"/>
+                  </a:solidFill>
+                  <a:effectLst/>
+                  <a:uLnTx/>
+                  <a:uFillTx/>
+                  <a:latin typeface="Cambria Math" panose="02040503050406030204" pitchFamily="18" charset="0"/>
+                  <a:ea typeface="ＭＳ Ｐゴシック" charset="-128"/>
+                </a:endParaRPr>
+              </a:p>
+              <a:p>
+                <a:pPr marL="457200" marR="0" lvl="1" indent="0" algn="l" defTabSz="457200" rtl="0" eaLnBrk="1" fontAlgn="base" latinLnBrk="0" hangingPunct="1">
+                  <a:lnSpc>
+                    <a:spcPct val="100000"/>
+                  </a:lnSpc>
+                  <a:spcBef>
+                    <a:spcPct val="0"/>
+                  </a:spcBef>
+                  <a:spcAft>
+                    <a:spcPct val="0"/>
+                  </a:spcAft>
+                  <a:buClrTx/>
+                  <a:buSzTx/>
+                  <a:buFontTx/>
+                  <a:buNone/>
+                  <a:tabLst/>
+                  <a:defRPr/>
+                </a:pPr>
+                <a:r>
+                  <a:rPr kumimoji="0" lang="en-US" sz="1400" b="0" i="1" u="none" strike="noStrike" kern="1200" cap="none" spc="0" normalizeH="0" baseline="0" noProof="0" dirty="0">
+                    <a:ln>
+                      <a:noFill/>
+                    </a:ln>
+                    <a:solidFill>
+                      <a:srgbClr val="404040"/>
+                    </a:solidFill>
+                    <a:effectLst/>
+                    <a:uLnTx/>
+                    <a:uFillTx/>
+                    <a:latin typeface="Cambria Math" panose="02040503050406030204" pitchFamily="18" charset="0"/>
+                    <a:ea typeface="ＭＳ Ｐゴシック" charset="-128"/>
+                  </a:rPr>
+                  <a:t>	</a:t>
+                </a:r>
+                <a14:m>
+                  <m:oMath xmlns:m="http://schemas.openxmlformats.org/officeDocument/2006/math">
+                    <m:r>
+                      <a:rPr kumimoji="0" lang="en-US" sz="1400" b="0" i="1" u="none" strike="noStrike" kern="1200" cap="none" spc="0" normalizeH="0" baseline="0" noProof="0" smtClean="0">
+                        <a:ln>
+                          <a:noFill/>
+                        </a:ln>
+                        <a:solidFill>
+                          <a:srgbClr val="404040"/>
+                        </a:solidFill>
+                        <a:effectLst/>
+                        <a:uLnTx/>
+                        <a:uFillTx/>
+                        <a:latin typeface="Cambria Math" panose="02040503050406030204" pitchFamily="18" charset="0"/>
+                      </a:rPr>
+                      <m:t>517=100∗5+17</m:t>
+                    </m:r>
+                  </m:oMath>
+                </a14:m>
+                <a:endParaRPr kumimoji="0" lang="en-US" sz="1400" b="0" i="0" u="none" strike="noStrike" kern="1200" cap="none" spc="0" normalizeH="0" baseline="0" noProof="0" dirty="0">
+                  <a:ln>
+                    <a:noFill/>
+                  </a:ln>
+                  <a:solidFill>
+                    <a:srgbClr val="404040"/>
+                  </a:solidFill>
+                  <a:effectLst/>
+                  <a:uLnTx/>
+                  <a:uFillTx/>
+                  <a:latin typeface="Arial" charset="0"/>
+                  <a:ea typeface="ＭＳ Ｐゴシック" charset="-128"/>
+                </a:endParaRPr>
+              </a:p>
+              <a:p>
+                <a:pPr marL="457200" marR="0" lvl="1" indent="0" algn="l" defTabSz="457200" rtl="0" eaLnBrk="1" fontAlgn="base" latinLnBrk="0" hangingPunct="1">
+                  <a:lnSpc>
+                    <a:spcPct val="100000"/>
+                  </a:lnSpc>
+                  <a:spcBef>
+                    <a:spcPct val="0"/>
+                  </a:spcBef>
+                  <a:spcAft>
+                    <a:spcPct val="0"/>
+                  </a:spcAft>
+                  <a:buClrTx/>
+                  <a:buSzTx/>
+                  <a:buFontTx/>
+                  <a:buNone/>
+                  <a:tabLst/>
+                  <a:defRPr/>
+                </a:pPr>
+                <a:r>
+                  <a:rPr kumimoji="0" lang="en-US" sz="1400" b="0" i="0" u="none" strike="noStrike" kern="1200" cap="none" spc="0" normalizeH="0" baseline="0" noProof="0" dirty="0">
+                    <a:ln>
+                      <a:noFill/>
+                    </a:ln>
+                    <a:solidFill>
+                      <a:srgbClr val="404040"/>
+                    </a:solidFill>
+                    <a:effectLst/>
+                    <a:uLnTx/>
+                    <a:uFillTx/>
+                    <a:latin typeface="Arial" charset="0"/>
+                    <a:ea typeface="ＭＳ Ｐゴシック" charset="-128"/>
+                  </a:rPr>
+                  <a:t>	       </a:t>
+                </a:r>
+                <a14:m>
+                  <m:oMath xmlns:m="http://schemas.openxmlformats.org/officeDocument/2006/math">
+                    <m:r>
+                      <a:rPr kumimoji="0" lang="en-US" sz="1400" b="0" i="1" u="none" strike="noStrike" kern="1200" cap="none" spc="0" normalizeH="0" baseline="0" noProof="0" smtClean="0">
+                        <a:ln>
+                          <a:noFill/>
+                        </a:ln>
+                        <a:solidFill>
+                          <a:srgbClr val="404040"/>
+                        </a:solidFill>
+                        <a:effectLst/>
+                        <a:uLnTx/>
+                        <a:uFillTx/>
+                        <a:latin typeface="Cambria Math" panose="02040503050406030204" pitchFamily="18" charset="0"/>
+                      </a:rPr>
+                      <m:t>=100∗</m:t>
+                    </m:r>
+                    <m:d>
+                      <m:dPr>
+                        <m:ctrlPr>
+                          <a:rPr kumimoji="0" lang="en-US" sz="1400" b="0" i="1" u="none" strike="noStrike" kern="1200" cap="none" spc="0" normalizeH="0" baseline="0" noProof="0" smtClean="0">
+                            <a:ln>
+                              <a:noFill/>
+                            </a:ln>
+                            <a:solidFill>
+                              <a:srgbClr val="404040"/>
+                            </a:solidFill>
+                            <a:effectLst/>
+                            <a:uLnTx/>
+                            <a:uFillTx/>
+                            <a:latin typeface="Cambria Math" panose="02040503050406030204" pitchFamily="18" charset="0"/>
+                          </a:rPr>
+                        </m:ctrlPr>
+                      </m:dPr>
+                      <m:e>
+                        <m:r>
+                          <a:rPr kumimoji="0" lang="en-US" sz="1400" b="0" i="1" u="none" strike="noStrike" kern="1200" cap="none" spc="0" normalizeH="0" baseline="0" noProof="0" smtClean="0">
+                            <a:ln>
+                              <a:noFill/>
+                            </a:ln>
+                            <a:solidFill>
+                              <a:srgbClr val="404040"/>
+                            </a:solidFill>
+                            <a:effectLst/>
+                            <a:uLnTx/>
+                            <a:uFillTx/>
+                            <a:latin typeface="Cambria Math" panose="02040503050406030204" pitchFamily="18" charset="0"/>
+                          </a:rPr>
+                          <m:t>517 %/% 100</m:t>
+                        </m:r>
+                      </m:e>
+                    </m:d>
+                    <m:r>
+                      <a:rPr kumimoji="0" lang="en-US" sz="1400" b="0" i="1" u="none" strike="noStrike" kern="1200" cap="none" spc="0" normalizeH="0" baseline="0" noProof="0" smtClean="0">
+                        <a:ln>
+                          <a:noFill/>
+                        </a:ln>
+                        <a:solidFill>
+                          <a:srgbClr val="404040"/>
+                        </a:solidFill>
+                        <a:effectLst/>
+                        <a:uLnTx/>
+                        <a:uFillTx/>
+                        <a:latin typeface="Cambria Math" panose="02040503050406030204" pitchFamily="18" charset="0"/>
+                      </a:rPr>
+                      <m:t>+(517 %% 100)</m:t>
+                    </m:r>
+                  </m:oMath>
+                </a14:m>
+                <a:endParaRPr kumimoji="0" lang="en-US" sz="1400" b="0" i="0" u="none" strike="noStrike" kern="1200" cap="none" spc="0" normalizeH="0" baseline="0" noProof="0" dirty="0">
+                  <a:ln>
+                    <a:noFill/>
+                  </a:ln>
+                  <a:solidFill>
+                    <a:srgbClr val="404040"/>
+                  </a:solidFill>
+                  <a:effectLst/>
+                  <a:uLnTx/>
+                  <a:uFillTx/>
+                  <a:latin typeface="Arial" charset="0"/>
+                  <a:ea typeface="ＭＳ Ｐゴシック" charset="-128"/>
+                </a:endParaRPr>
+              </a:p>
+            </p:txBody>
+          </p:sp>
+        </mc:Choice>
+        <mc:Fallback xmlns="">
+          <p:sp>
+            <p:nvSpPr>
+              <p:cNvPr id="3" name="TextBox 2">
+                <a:extLst>
+                  <a:ext uri="{FF2B5EF4-FFF2-40B4-BE49-F238E27FC236}">
+                    <a16:creationId xmlns:a16="http://schemas.microsoft.com/office/drawing/2014/main" id="{F11A48DB-9DC8-487D-B292-F37C24E1A4C6}"/>
+                  </a:ext>
+                </a:extLst>
+              </p:cNvPr>
+              <p:cNvSpPr txBox="1">
+                <a:spLocks noRot="1" noChangeAspect="1" noMove="1" noResize="1" noEditPoints="1" noAdjustHandles="1" noChangeArrowheads="1" noChangeShapeType="1" noTextEdit="1"/>
+              </p:cNvSpPr>
+              <p:nvPr/>
+            </p:nvSpPr>
+            <p:spPr>
+              <a:xfrm>
+                <a:off x="3777352" y="643467"/>
+                <a:ext cx="5214248" cy="3323987"/>
+              </a:xfrm>
+              <a:prstGeom prst="rect">
+                <a:avLst/>
+              </a:prstGeom>
+              <a:blipFill>
+                <a:blip r:embed="rId4"/>
+                <a:stretch>
+                  <a:fillRect l="-1637" t="-1284"/>
+                </a:stretch>
+              </a:blipFill>
+            </p:spPr>
+            <p:txBody>
+              <a:bodyPr/>
+              <a:lstStyle/>
+              <a:p>
+                <a:r>
+                  <a:rPr lang="en-US">
+                    <a:noFill/>
+                  </a:rPr>
+                  <a:t> </a:t>
+                </a:r>
+              </a:p>
+            </p:txBody>
+          </p:sp>
+        </mc:Fallback>
+      </mc:AlternateContent>
+      <p:pic>
+        <p:nvPicPr>
+          <p:cNvPr id="6" name="Picture 5">
+            <a:extLst>
+              <a:ext uri="{FF2B5EF4-FFF2-40B4-BE49-F238E27FC236}">
+                <a16:creationId xmlns:a16="http://schemas.microsoft.com/office/drawing/2014/main" id="{B0561E64-0DEE-4EBA-AE05-4CBDA3BDAE25}"/>
+              </a:ext>
+            </a:extLst>
+          </p:cNvPr>
+          <p:cNvPicPr>
+            <a:picLocks noChangeAspect="1"/>
+          </p:cNvPicPr>
+          <p:nvPr/>
+        </p:nvPicPr>
+        <p:blipFill>
+          <a:blip r:embed="rId5"/>
+          <a:stretch>
+            <a:fillRect/>
+          </a:stretch>
+        </p:blipFill>
+        <p:spPr>
+          <a:xfrm>
+            <a:off x="4724400" y="1453469"/>
+            <a:ext cx="3429001" cy="1969225"/>
+          </a:xfrm>
+          <a:prstGeom prst="rect">
+            <a:avLst/>
+          </a:prstGeom>
+          <a:ln>
+            <a:solidFill>
+              <a:srgbClr val="404040"/>
+            </a:solidFill>
+          </a:ln>
+        </p:spPr>
+        <p:style>
+          <a:lnRef idx="2">
+            <a:schemeClr val="dk1"/>
+          </a:lnRef>
+          <a:fillRef idx="1">
+            <a:schemeClr val="lt1"/>
+          </a:fillRef>
+          <a:effectRef idx="0">
+            <a:schemeClr val="dk1"/>
+          </a:effectRef>
+          <a:fontRef idx="minor">
+            <a:schemeClr val="dk1"/>
+          </a:fontRef>
+        </p:style>
+      </p:pic>
+      <p:pic>
+        <p:nvPicPr>
+          <p:cNvPr id="10" name="Picture 9">
+            <a:extLst>
+              <a:ext uri="{FF2B5EF4-FFF2-40B4-BE49-F238E27FC236}">
+                <a16:creationId xmlns:a16="http://schemas.microsoft.com/office/drawing/2014/main" id="{89ACF132-F32D-4103-856F-6B468970DDD0}"/>
+              </a:ext>
+            </a:extLst>
+          </p:cNvPr>
+          <p:cNvPicPr>
+            <a:picLocks noChangeAspect="1"/>
+          </p:cNvPicPr>
+          <p:nvPr/>
+        </p:nvPicPr>
+        <p:blipFill>
+          <a:blip r:embed="rId6"/>
+          <a:stretch>
+            <a:fillRect/>
+          </a:stretch>
+        </p:blipFill>
+        <p:spPr>
+          <a:xfrm>
+            <a:off x="4267200" y="4058955"/>
+            <a:ext cx="4343401" cy="2713842"/>
+          </a:xfrm>
+          <a:prstGeom prst="rect">
+            <a:avLst/>
+          </a:prstGeom>
+        </p:spPr>
+        <p:style>
+          <a:lnRef idx="2">
+            <a:schemeClr val="dk1"/>
+          </a:lnRef>
+          <a:fillRef idx="1">
+            <a:schemeClr val="lt1"/>
+          </a:fillRef>
+          <a:effectRef idx="0">
+            <a:schemeClr val="dk1"/>
+          </a:effectRef>
+          <a:fontRef idx="minor">
+            <a:schemeClr val="dk1"/>
+          </a:fontRef>
+        </p:style>
+      </p:pic>
+    </p:spTree>
+    <p:custDataLst>
+      <p:tags r:id="rId1"/>
+    </p:custDataLst>
+    <p:extLst>
+      <p:ext uri="{BB962C8B-B14F-4D97-AF65-F5344CB8AC3E}">
+        <p14:creationId xmlns:p14="http://schemas.microsoft.com/office/powerpoint/2010/main" val="4288302676"/>
+      </p:ext>
+    </p:extLst>
+  </p:cSld>
+  <p:clrMapOvr>
+    <a:masterClrMapping/>
+  </p:clrMapOvr>
+</p:sld>
+</file>
+
+<file path=ppt/slides/slide5.xml><?xml version="1.0" encoding="utf-8"?>
+<p:sld xmlns:a="http://schemas.openxmlformats.org/drawingml/2006/main" xmlns:r="http://schemas.openxmlformats.org/officeDocument/2006/relationships" xmlns:p="http://schemas.openxmlformats.org/presentationml/2006/main">
+  <p:cSld>
+    <p:bg>
+      <p:bgPr>
+        <a:solidFill>
+          <a:schemeClr val="bg1">
+            <a:lumMod val="85000"/>
+          </a:schemeClr>
+        </a:solidFill>
+        <a:effectLst/>
+      </p:bgPr>
+    </p:bg>
+    <p:spTree>
+      <p:nvGrpSpPr>
+        <p:cNvPr id="1" name=""/>
+        <p:cNvGrpSpPr/>
+        <p:nvPr/>
+      </p:nvGrpSpPr>
+      <p:grpSpPr>
+        <a:xfrm>
+          <a:off x="0" y="0"/>
+          <a:ext cx="0" cy="0"/>
+          <a:chOff x="0" y="0"/>
+          <a:chExt cx="0" cy="0"/>
+        </a:xfrm>
+      </p:grpSpPr>
+      <p:sp>
+        <p:nvSpPr>
+          <p:cNvPr id="15" name="Rectangle 12">
+            <a:extLst>
+              <a:ext uri="{FF2B5EF4-FFF2-40B4-BE49-F238E27FC236}">
+                <a16:creationId xmlns:a16="http://schemas.microsoft.com/office/drawing/2014/main" id="{867D4867-5BA7-4462-B2F6-A23F4A622AA7}"/>
+              </a:ext>
+              <a:ext uri="{C183D7F6-B498-43B3-948B-1728B52AA6E4}">
+                <adec:decorative xmlns:adec="http://schemas.microsoft.com/office/drawing/2017/decorative" val="1"/>
+              </a:ext>
+            </a:extLst>
+          </p:cNvPr>
+          <p:cNvSpPr>
+            <a:spLocks noGrp="1" noRot="1" noChangeAspect="1" noMove="1" noResize="1" noEditPoints="1" noAdjustHandles="1" noChangeArrowheads="1" noChangeShapeType="1" noTextEdit="1"/>
+          </p:cNvSpPr>
+          <p:nvPr>
+            <p:extLst>
+              <p:ext uri="{386F3935-93C4-4BCD-93E2-E3B085C9AB24}">
+                <p16:designElem xmlns:p16="http://schemas.microsoft.com/office/powerpoint/2015/main" val="1"/>
+              </p:ext>
+            </p:extLst>
+          </p:nvPr>
+        </p:nvSpPr>
+        <p:spPr>
+          <a:xfrm>
+            <a:off x="0" y="0"/>
+            <a:ext cx="3490722" cy="6858000"/>
+          </a:xfrm>
+          <a:prstGeom prst="rect">
+            <a:avLst/>
+          </a:prstGeom>
+          <a:solidFill>
+            <a:schemeClr val="tx1">
+              <a:lumMod val="75000"/>
+              <a:lumOff val="25000"/>
+            </a:schemeClr>
+          </a:solidFill>
+          <a:ln>
+            <a:noFill/>
+          </a:ln>
+        </p:spPr>
+        <p:style>
+          <a:lnRef idx="0">
+            <a:scrgbClr r="0" g="0" b="0"/>
+          </a:lnRef>
+          <a:fillRef idx="0">
+            <a:scrgbClr r="0" g="0" b="0"/>
+          </a:fillRef>
+          <a:effectRef idx="0">
+            <a:scrgbClr r="0" g="0" b="0"/>
+          </a:effectRef>
+          <a:fontRef idx="minor">
+            <a:schemeClr val="lt1"/>
+          </a:fontRef>
+        </p:style>
+        <p:txBody>
+          <a:bodyPr rtlCol="0" anchor="ctr"/>
+          <a:lstStyle/>
+          <a:p>
+            <a:pPr marL="0" marR="0" lvl="0" indent="0" algn="ctr" defTabSz="457200" rtl="0" eaLnBrk="1" fontAlgn="base" latinLnBrk="0" hangingPunct="1">
+              <a:lnSpc>
+                <a:spcPct val="100000"/>
+              </a:lnSpc>
+              <a:spcBef>
+                <a:spcPct val="0"/>
+              </a:spcBef>
+              <a:spcAft>
+                <a:spcPct val="0"/>
+              </a:spcAft>
+              <a:buClrTx/>
+              <a:buSzTx/>
+              <a:buFontTx/>
+              <a:buNone/>
+              <a:tabLst/>
+              <a:defRPr/>
+            </a:pPr>
+            <a:endParaRPr kumimoji="0" lang="en-US" sz="2400" b="0" i="0" u="none" strike="noStrike" kern="1200" cap="none" spc="0" normalizeH="0" baseline="0" noProof="0">
+              <a:ln>
+                <a:noFill/>
+              </a:ln>
+              <a:solidFill>
+                <a:prstClr val="white"/>
+              </a:solidFill>
+              <a:effectLst/>
+              <a:uLnTx/>
+              <a:uFillTx/>
+              <a:latin typeface="Calibri"/>
+              <a:ea typeface="+mn-ea"/>
+              <a:cs typeface="+mn-cs"/>
+            </a:endParaRPr>
+          </a:p>
+        </p:txBody>
+      </p:sp>
+      <p:sp>
+        <p:nvSpPr>
+          <p:cNvPr id="2" name="Title 1"/>
+          <p:cNvSpPr>
+            <a:spLocks noGrp="1"/>
+          </p:cNvSpPr>
+          <p:nvPr>
+            <p:ph type="title"/>
+          </p:nvPr>
+        </p:nvSpPr>
+        <p:spPr>
+          <a:xfrm>
+            <a:off x="482600" y="643467"/>
+            <a:ext cx="2522980" cy="1597315"/>
+          </a:xfrm>
+          <a:noFill/>
+          <a:ln w="19050">
+            <a:solidFill>
+              <a:schemeClr val="bg1"/>
+            </a:solidFill>
+          </a:ln>
+        </p:spPr>
+        <p:txBody>
+          <a:bodyPr vert="horz" wrap="square" lIns="91440" tIns="45720" rIns="91440" bIns="45720" rtlCol="0" anchor="ctr">
+            <a:normAutofit/>
+          </a:bodyPr>
+          <a:lstStyle/>
+          <a:p>
+            <a:pPr defTabSz="914400" eaLnBrk="1" hangingPunct="1">
+              <a:lnSpc>
+                <a:spcPct val="90000"/>
+              </a:lnSpc>
+            </a:pPr>
+            <a:r>
+              <a:rPr lang="en-US" sz="2400" dirty="0">
+                <a:solidFill>
+                  <a:schemeClr val="bg1"/>
+                </a:solidFill>
+                <a:ea typeface="+mj-ea"/>
+                <a:cs typeface="+mj-cs"/>
+              </a:rPr>
+              <a:t>mutate()</a:t>
+            </a:r>
+            <a:endParaRPr lang="en-US" sz="2400" kern="1200" dirty="0">
+              <a:solidFill>
+                <a:schemeClr val="bg1"/>
+              </a:solidFill>
+              <a:latin typeface="+mj-lt"/>
+              <a:ea typeface="+mj-ea"/>
+              <a:cs typeface="+mj-cs"/>
+            </a:endParaRPr>
+          </a:p>
+        </p:txBody>
+      </p:sp>
+      <p:pic>
+        <p:nvPicPr>
+          <p:cNvPr id="8" name="Picture 7">
+            <a:extLst>
+              <a:ext uri="{FF2B5EF4-FFF2-40B4-BE49-F238E27FC236}">
+                <a16:creationId xmlns:a16="http://schemas.microsoft.com/office/drawing/2014/main" id="{521D4292-9ECC-4DA5-8CC0-C561A0DA118E}"/>
+              </a:ext>
+            </a:extLst>
+          </p:cNvPr>
+          <p:cNvPicPr>
+            <a:picLocks noChangeAspect="1"/>
+          </p:cNvPicPr>
+          <p:nvPr/>
+        </p:nvPicPr>
+        <p:blipFill rotWithShape="1">
+          <a:blip r:embed="rId3"/>
+          <a:srcRect l="8000" r="9400"/>
+          <a:stretch/>
+        </p:blipFill>
+        <p:spPr>
+          <a:xfrm>
+            <a:off x="660103" y="3048000"/>
+            <a:ext cx="2167974" cy="2624666"/>
+          </a:xfrm>
+          <a:prstGeom prst="rect">
+            <a:avLst/>
+          </a:prstGeom>
+          <a:noFill/>
+        </p:spPr>
+      </p:pic>
+      <p:sp>
+        <p:nvSpPr>
+          <p:cNvPr id="3" name="TextBox 2">
+            <a:extLst>
+              <a:ext uri="{FF2B5EF4-FFF2-40B4-BE49-F238E27FC236}">
+                <a16:creationId xmlns:a16="http://schemas.microsoft.com/office/drawing/2014/main" id="{F11A48DB-9DC8-487D-B292-F37C24E1A4C6}"/>
+              </a:ext>
+            </a:extLst>
+          </p:cNvPr>
+          <p:cNvSpPr txBox="1"/>
+          <p:nvPr/>
+        </p:nvSpPr>
+        <p:spPr>
+          <a:xfrm>
+            <a:off x="3777352" y="643467"/>
+            <a:ext cx="5214248" cy="1938992"/>
+          </a:xfrm>
+          <a:prstGeom prst="rect">
+            <a:avLst/>
+          </a:prstGeom>
+          <a:noFill/>
+        </p:spPr>
+        <p:txBody>
+          <a:bodyPr wrap="square" rtlCol="0">
+            <a:spAutoFit/>
+          </a:bodyPr>
+          <a:lstStyle/>
+          <a:p>
+            <a:pPr marL="342900" marR="0" lvl="0" indent="-342900" algn="l" defTabSz="457200" rtl="0" eaLnBrk="1" fontAlgn="base" latinLnBrk="0" hangingPunct="1">
+              <a:lnSpc>
+                <a:spcPct val="100000"/>
+              </a:lnSpc>
+              <a:spcBef>
+                <a:spcPct val="0"/>
+              </a:spcBef>
+              <a:spcAft>
+                <a:spcPct val="0"/>
+              </a:spcAft>
+              <a:buClrTx/>
+              <a:buSzTx/>
+              <a:buFont typeface="Arial" panose="020B0604020202020204" pitchFamily="34" charset="0"/>
+              <a:buChar char="•"/>
+              <a:tabLst/>
+              <a:defRPr/>
+            </a:pPr>
+            <a:r>
+              <a:rPr kumimoji="0" lang="en-US" sz="2400" b="0" i="0" u="none" strike="noStrike" kern="1200" cap="none" spc="0" normalizeH="0" baseline="0" noProof="0" dirty="0">
+                <a:ln>
+                  <a:noFill/>
+                </a:ln>
+                <a:solidFill>
+                  <a:srgbClr val="404040"/>
+                </a:solidFill>
+                <a:effectLst/>
+                <a:uLnTx/>
+                <a:uFillTx/>
+                <a:latin typeface="Arial" charset="0"/>
+                <a:ea typeface="ＭＳ Ｐゴシック" charset="-128"/>
+              </a:rPr>
+              <a:t>Plethora of Examples</a:t>
+            </a:r>
+          </a:p>
+          <a:p>
+            <a:pPr marL="800100" marR="0" lvl="1" indent="-342900" algn="l" defTabSz="457200" rtl="0" eaLnBrk="1" fontAlgn="base" latinLnBrk="0" hangingPunct="1">
+              <a:lnSpc>
+                <a:spcPct val="100000"/>
+              </a:lnSpc>
+              <a:spcBef>
+                <a:spcPct val="0"/>
+              </a:spcBef>
+              <a:spcAft>
+                <a:spcPct val="0"/>
+              </a:spcAft>
+              <a:buClrTx/>
+              <a:buSzTx/>
+              <a:buFont typeface="Arial" panose="020B0604020202020204" pitchFamily="34" charset="0"/>
+              <a:buChar char="•"/>
+              <a:tabLst/>
+              <a:defRPr/>
+            </a:pPr>
+            <a:r>
+              <a:rPr kumimoji="0" lang="en-US" sz="2400" b="0" i="0" u="none" strike="noStrike" kern="1200" cap="none" spc="0" normalizeH="0" baseline="0" noProof="0" dirty="0">
+                <a:ln>
+                  <a:noFill/>
+                </a:ln>
+                <a:solidFill>
+                  <a:srgbClr val="404040"/>
+                </a:solidFill>
+                <a:effectLst/>
+                <a:uLnTx/>
+                <a:uFillTx/>
+                <a:latin typeface="Arial" charset="0"/>
+                <a:ea typeface="ＭＳ Ｐゴシック" charset="-128"/>
+              </a:rPr>
+              <a:t>Nonlinear Transformation</a:t>
+            </a:r>
+          </a:p>
+          <a:p>
+            <a:pPr marL="457200" marR="0" lvl="1" indent="0" algn="l" defTabSz="457200" rtl="0" eaLnBrk="1" fontAlgn="base" latinLnBrk="0" hangingPunct="1">
+              <a:lnSpc>
+                <a:spcPct val="100000"/>
+              </a:lnSpc>
+              <a:spcBef>
+                <a:spcPct val="0"/>
+              </a:spcBef>
+              <a:spcAft>
+                <a:spcPct val="0"/>
+              </a:spcAft>
+              <a:buClrTx/>
+              <a:buSzTx/>
+              <a:buFontTx/>
+              <a:buNone/>
+              <a:tabLst/>
+              <a:defRPr/>
+            </a:pPr>
+            <a:endParaRPr kumimoji="0" lang="en-US" sz="2400" b="0" i="0" u="none" strike="noStrike" kern="1200" cap="none" spc="0" normalizeH="0" baseline="0" noProof="0" dirty="0">
+              <a:ln>
+                <a:noFill/>
+              </a:ln>
+              <a:solidFill>
+                <a:srgbClr val="404040"/>
+              </a:solidFill>
+              <a:effectLst/>
+              <a:uLnTx/>
+              <a:uFillTx/>
+              <a:latin typeface="Arial" charset="0"/>
+              <a:ea typeface="ＭＳ Ｐゴシック" charset="-128"/>
+            </a:endParaRPr>
+          </a:p>
+          <a:p>
+            <a:pPr marL="457200" marR="0" lvl="1" indent="0" algn="l" defTabSz="457200" rtl="0" eaLnBrk="1" fontAlgn="base" latinLnBrk="0" hangingPunct="1">
+              <a:lnSpc>
+                <a:spcPct val="100000"/>
+              </a:lnSpc>
+              <a:spcBef>
+                <a:spcPct val="0"/>
+              </a:spcBef>
+              <a:spcAft>
+                <a:spcPct val="0"/>
+              </a:spcAft>
+              <a:buClrTx/>
+              <a:buSzTx/>
+              <a:buFontTx/>
+              <a:buNone/>
+              <a:tabLst/>
+              <a:defRPr/>
+            </a:pPr>
+            <a:endParaRPr kumimoji="0" lang="en-US" sz="2400" b="0" i="0" u="none" strike="noStrike" kern="1200" cap="none" spc="0" normalizeH="0" baseline="0" noProof="0" dirty="0">
+              <a:ln>
+                <a:noFill/>
+              </a:ln>
+              <a:solidFill>
+                <a:srgbClr val="404040"/>
+              </a:solidFill>
+              <a:effectLst/>
+              <a:uLnTx/>
+              <a:uFillTx/>
+              <a:latin typeface="Arial" charset="0"/>
+              <a:ea typeface="ＭＳ Ｐゴシック" charset="-128"/>
+            </a:endParaRPr>
+          </a:p>
+          <a:p>
+            <a:pPr marL="457200" marR="0" lvl="1" indent="0" algn="l" defTabSz="457200" rtl="0" eaLnBrk="1" fontAlgn="base" latinLnBrk="0" hangingPunct="1">
+              <a:lnSpc>
+                <a:spcPct val="100000"/>
+              </a:lnSpc>
+              <a:spcBef>
+                <a:spcPct val="0"/>
+              </a:spcBef>
+              <a:spcAft>
+                <a:spcPct val="0"/>
+              </a:spcAft>
+              <a:buClrTx/>
+              <a:buSzTx/>
+              <a:buFontTx/>
+              <a:buNone/>
+              <a:tabLst/>
+              <a:defRPr/>
+            </a:pPr>
+            <a:endParaRPr kumimoji="0" lang="en-US" sz="2400" b="0" i="0" u="none" strike="noStrike" kern="1200" cap="none" spc="0" normalizeH="0" baseline="0" noProof="0" dirty="0">
+              <a:ln>
+                <a:noFill/>
+              </a:ln>
+              <a:solidFill>
+                <a:srgbClr val="404040"/>
+              </a:solidFill>
+              <a:effectLst/>
+              <a:uLnTx/>
+              <a:uFillTx/>
+              <a:latin typeface="Arial" charset="0"/>
+              <a:ea typeface="ＭＳ Ｐゴシック" charset="-128"/>
+            </a:endParaRPr>
+          </a:p>
+        </p:txBody>
+      </p:sp>
+      <p:pic>
+        <p:nvPicPr>
+          <p:cNvPr id="4" name="Picture 3">
+            <a:extLst>
+              <a:ext uri="{FF2B5EF4-FFF2-40B4-BE49-F238E27FC236}">
+                <a16:creationId xmlns:a16="http://schemas.microsoft.com/office/drawing/2014/main" id="{2E1F5074-291B-4A21-9819-051FEB290110}"/>
+              </a:ext>
+            </a:extLst>
+          </p:cNvPr>
+          <p:cNvPicPr>
+            <a:picLocks noChangeAspect="1"/>
+          </p:cNvPicPr>
+          <p:nvPr/>
+        </p:nvPicPr>
+        <p:blipFill>
+          <a:blip r:embed="rId4"/>
+          <a:stretch>
+            <a:fillRect/>
+          </a:stretch>
+        </p:blipFill>
+        <p:spPr>
+          <a:xfrm>
+            <a:off x="3581400" y="1461821"/>
+            <a:ext cx="3220906" cy="2881596"/>
+          </a:xfrm>
+          <a:prstGeom prst="rect">
+            <a:avLst/>
+          </a:prstGeom>
+          <a:ln>
+            <a:solidFill>
+              <a:srgbClr val="404040"/>
+            </a:solidFill>
+          </a:ln>
+        </p:spPr>
+        <p:style>
+          <a:lnRef idx="2">
+            <a:schemeClr val="dk1"/>
+          </a:lnRef>
+          <a:fillRef idx="1">
+            <a:schemeClr val="lt1"/>
+          </a:fillRef>
+          <a:effectRef idx="0">
+            <a:schemeClr val="dk1"/>
+          </a:effectRef>
+          <a:fontRef idx="minor">
+            <a:schemeClr val="dk1"/>
+          </a:fontRef>
+        </p:style>
+      </p:pic>
+      <p:pic>
+        <p:nvPicPr>
+          <p:cNvPr id="5" name="Picture 4">
+            <a:extLst>
+              <a:ext uri="{FF2B5EF4-FFF2-40B4-BE49-F238E27FC236}">
+                <a16:creationId xmlns:a16="http://schemas.microsoft.com/office/drawing/2014/main" id="{9828D74B-9960-4FC9-8D50-EB2F3B5DEF71}"/>
+              </a:ext>
+            </a:extLst>
+          </p:cNvPr>
+          <p:cNvPicPr>
+            <a:picLocks noChangeAspect="1"/>
+          </p:cNvPicPr>
+          <p:nvPr/>
+        </p:nvPicPr>
+        <p:blipFill>
+          <a:blip r:embed="rId5"/>
+          <a:stretch>
+            <a:fillRect/>
+          </a:stretch>
+        </p:blipFill>
+        <p:spPr>
+          <a:xfrm>
+            <a:off x="5914171" y="3810000"/>
+            <a:ext cx="3128626" cy="2955910"/>
+          </a:xfrm>
+          <a:prstGeom prst="rect">
+            <a:avLst/>
+          </a:prstGeom>
+          <a:ln>
+            <a:solidFill>
+              <a:srgbClr val="404040"/>
+            </a:solidFill>
+          </a:ln>
+        </p:spPr>
+        <p:style>
+          <a:lnRef idx="2">
+            <a:schemeClr val="dk1"/>
+          </a:lnRef>
+          <a:fillRef idx="1">
+            <a:schemeClr val="lt1"/>
+          </a:fillRef>
+          <a:effectRef idx="0">
+            <a:schemeClr val="dk1"/>
+          </a:effectRef>
+          <a:fontRef idx="minor">
+            <a:schemeClr val="dk1"/>
+          </a:fontRef>
+        </p:style>
+      </p:pic>
+    </p:spTree>
+    <p:custDataLst>
+      <p:tags r:id="rId1"/>
+    </p:custDataLst>
+    <p:extLst>
+      <p:ext uri="{BB962C8B-B14F-4D97-AF65-F5344CB8AC3E}">
+        <p14:creationId xmlns:p14="http://schemas.microsoft.com/office/powerpoint/2010/main" val="3881391494"/>
+      </p:ext>
+    </p:extLst>
+  </p:cSld>
+  <p:clrMapOvr>
+    <a:masterClrMapping/>
+  </p:clrMapOvr>
+</p:sld>
+</file>
+
+<file path=ppt/slides/slide6.xml><?xml version="1.0" encoding="utf-8"?>
+<p:sld xmlns:a="http://schemas.openxmlformats.org/drawingml/2006/main" xmlns:r="http://schemas.openxmlformats.org/officeDocument/2006/relationships" xmlns:p="http://schemas.openxmlformats.org/presentationml/2006/main">
+  <p:cSld>
+    <p:bg>
+      <p:bgPr>
+        <a:solidFill>
+          <a:schemeClr val="bg1">
+            <a:lumMod val="85000"/>
+          </a:schemeClr>
+        </a:solidFill>
+        <a:effectLst/>
+      </p:bgPr>
+    </p:bg>
+    <p:spTree>
+      <p:nvGrpSpPr>
+        <p:cNvPr id="1" name=""/>
+        <p:cNvGrpSpPr/>
+        <p:nvPr/>
+      </p:nvGrpSpPr>
+      <p:grpSpPr>
+        <a:xfrm>
+          <a:off x="0" y="0"/>
+          <a:ext cx="0" cy="0"/>
+          <a:chOff x="0" y="0"/>
+          <a:chExt cx="0" cy="0"/>
+        </a:xfrm>
+      </p:grpSpPr>
+      <p:sp>
+        <p:nvSpPr>
+          <p:cNvPr id="15" name="Rectangle 12">
+            <a:extLst>
+              <a:ext uri="{FF2B5EF4-FFF2-40B4-BE49-F238E27FC236}">
+                <a16:creationId xmlns:a16="http://schemas.microsoft.com/office/drawing/2014/main" id="{867D4867-5BA7-4462-B2F6-A23F4A622AA7}"/>
+              </a:ext>
+              <a:ext uri="{C183D7F6-B498-43B3-948B-1728B52AA6E4}">
+                <adec:decorative xmlns:adec="http://schemas.microsoft.com/office/drawing/2017/decorative" val="1"/>
+              </a:ext>
+            </a:extLst>
+          </p:cNvPr>
+          <p:cNvSpPr>
+            <a:spLocks noGrp="1" noRot="1" noChangeAspect="1" noMove="1" noResize="1" noEditPoints="1" noAdjustHandles="1" noChangeArrowheads="1" noChangeShapeType="1" noTextEdit="1"/>
+          </p:cNvSpPr>
+          <p:nvPr>
+            <p:extLst>
+              <p:ext uri="{386F3935-93C4-4BCD-93E2-E3B085C9AB24}">
+                <p16:designElem xmlns:p16="http://schemas.microsoft.com/office/powerpoint/2015/main" val="1"/>
+              </p:ext>
+            </p:extLst>
+          </p:nvPr>
+        </p:nvSpPr>
+        <p:spPr>
+          <a:xfrm>
+            <a:off x="0" y="0"/>
+            <a:ext cx="3490722" cy="6858000"/>
+          </a:xfrm>
+          <a:prstGeom prst="rect">
+            <a:avLst/>
+          </a:prstGeom>
+          <a:solidFill>
+            <a:schemeClr val="tx1">
+              <a:lumMod val="75000"/>
+              <a:lumOff val="25000"/>
+            </a:schemeClr>
+          </a:solidFill>
+          <a:ln>
+            <a:noFill/>
+          </a:ln>
+        </p:spPr>
+        <p:style>
+          <a:lnRef idx="0">
+            <a:scrgbClr r="0" g="0" b="0"/>
+          </a:lnRef>
+          <a:fillRef idx="0">
+            <a:scrgbClr r="0" g="0" b="0"/>
+          </a:fillRef>
+          <a:effectRef idx="0">
+            <a:scrgbClr r="0" g="0" b="0"/>
+          </a:effectRef>
+          <a:fontRef idx="minor">
+            <a:schemeClr val="lt1"/>
+          </a:fontRef>
+        </p:style>
+        <p:txBody>
+          <a:bodyPr rtlCol="0" anchor="ctr"/>
+          <a:lstStyle/>
+          <a:p>
+            <a:pPr marL="0" marR="0" lvl="0" indent="0" algn="ctr" defTabSz="457200" rtl="0" eaLnBrk="1" fontAlgn="base" latinLnBrk="0" hangingPunct="1">
+              <a:lnSpc>
+                <a:spcPct val="100000"/>
+              </a:lnSpc>
+              <a:spcBef>
+                <a:spcPct val="0"/>
+              </a:spcBef>
+              <a:spcAft>
+                <a:spcPct val="0"/>
+              </a:spcAft>
+              <a:buClrTx/>
+              <a:buSzTx/>
+              <a:buFontTx/>
+              <a:buNone/>
+              <a:tabLst/>
+              <a:defRPr/>
+            </a:pPr>
+            <a:endParaRPr kumimoji="0" lang="en-US" sz="2400" b="0" i="0" u="none" strike="noStrike" kern="1200" cap="none" spc="0" normalizeH="0" baseline="0" noProof="0">
+              <a:ln>
+                <a:noFill/>
+              </a:ln>
+              <a:solidFill>
+                <a:prstClr val="white"/>
+              </a:solidFill>
+              <a:effectLst/>
+              <a:uLnTx/>
+              <a:uFillTx/>
+              <a:latin typeface="Calibri"/>
+              <a:ea typeface="+mn-ea"/>
+              <a:cs typeface="+mn-cs"/>
+            </a:endParaRPr>
+          </a:p>
+        </p:txBody>
+      </p:sp>
+      <p:sp>
+        <p:nvSpPr>
+          <p:cNvPr id="2" name="Title 1"/>
+          <p:cNvSpPr>
+            <a:spLocks noGrp="1"/>
+          </p:cNvSpPr>
+          <p:nvPr>
+            <p:ph type="title"/>
+          </p:nvPr>
+        </p:nvSpPr>
+        <p:spPr>
+          <a:xfrm>
+            <a:off x="482600" y="643467"/>
+            <a:ext cx="2522980" cy="1597315"/>
+          </a:xfrm>
+          <a:noFill/>
+          <a:ln w="19050">
+            <a:solidFill>
+              <a:schemeClr val="bg1"/>
+            </a:solidFill>
+          </a:ln>
+        </p:spPr>
+        <p:txBody>
+          <a:bodyPr vert="horz" wrap="square" lIns="91440" tIns="45720" rIns="91440" bIns="45720" rtlCol="0" anchor="ctr">
+            <a:normAutofit/>
+          </a:bodyPr>
+          <a:lstStyle/>
+          <a:p>
+            <a:pPr defTabSz="914400" eaLnBrk="1" hangingPunct="1">
+              <a:lnSpc>
+                <a:spcPct val="90000"/>
+              </a:lnSpc>
+            </a:pPr>
+            <a:r>
+              <a:rPr lang="en-US" sz="2400" dirty="0">
+                <a:solidFill>
+                  <a:schemeClr val="bg1"/>
+                </a:solidFill>
+                <a:ea typeface="+mj-ea"/>
+                <a:cs typeface="+mj-cs"/>
+              </a:rPr>
+              <a:t>mutate()</a:t>
+            </a:r>
+            <a:endParaRPr lang="en-US" sz="2400" kern="1200" dirty="0">
+              <a:solidFill>
+                <a:schemeClr val="bg1"/>
+              </a:solidFill>
+              <a:latin typeface="+mj-lt"/>
+              <a:ea typeface="+mj-ea"/>
+              <a:cs typeface="+mj-cs"/>
+            </a:endParaRPr>
+          </a:p>
+        </p:txBody>
+      </p:sp>
+      <p:pic>
+        <p:nvPicPr>
+          <p:cNvPr id="8" name="Picture 7">
+            <a:extLst>
+              <a:ext uri="{FF2B5EF4-FFF2-40B4-BE49-F238E27FC236}">
+                <a16:creationId xmlns:a16="http://schemas.microsoft.com/office/drawing/2014/main" id="{521D4292-9ECC-4DA5-8CC0-C561A0DA118E}"/>
+              </a:ext>
+            </a:extLst>
+          </p:cNvPr>
+          <p:cNvPicPr>
+            <a:picLocks noChangeAspect="1"/>
+          </p:cNvPicPr>
+          <p:nvPr/>
+        </p:nvPicPr>
+        <p:blipFill rotWithShape="1">
+          <a:blip r:embed="rId3"/>
+          <a:srcRect l="8000" r="9400"/>
+          <a:stretch/>
+        </p:blipFill>
+        <p:spPr>
+          <a:xfrm>
+            <a:off x="660103" y="3048000"/>
+            <a:ext cx="2167974" cy="2624666"/>
+          </a:xfrm>
+          <a:prstGeom prst="rect">
+            <a:avLst/>
+          </a:prstGeom>
+          <a:noFill/>
+        </p:spPr>
+      </p:pic>
+      <p:sp>
+        <p:nvSpPr>
+          <p:cNvPr id="3" name="TextBox 2">
+            <a:extLst>
+              <a:ext uri="{FF2B5EF4-FFF2-40B4-BE49-F238E27FC236}">
+                <a16:creationId xmlns:a16="http://schemas.microsoft.com/office/drawing/2014/main" id="{F11A48DB-9DC8-487D-B292-F37C24E1A4C6}"/>
+              </a:ext>
+            </a:extLst>
+          </p:cNvPr>
+          <p:cNvSpPr txBox="1"/>
+          <p:nvPr/>
+        </p:nvSpPr>
+        <p:spPr>
+          <a:xfrm>
+            <a:off x="3777352" y="643467"/>
+            <a:ext cx="5214248" cy="830997"/>
+          </a:xfrm>
+          <a:prstGeom prst="rect">
+            <a:avLst/>
+          </a:prstGeom>
+          <a:noFill/>
+        </p:spPr>
+        <p:txBody>
+          <a:bodyPr wrap="square" rtlCol="0">
+            <a:spAutoFit/>
+          </a:bodyPr>
+          <a:lstStyle/>
+          <a:p>
+            <a:pPr marL="342900" marR="0" lvl="0" indent="-342900" algn="l" defTabSz="457200" rtl="0" eaLnBrk="1" fontAlgn="base" latinLnBrk="0" hangingPunct="1">
+              <a:lnSpc>
+                <a:spcPct val="100000"/>
+              </a:lnSpc>
+              <a:spcBef>
+                <a:spcPct val="0"/>
+              </a:spcBef>
+              <a:spcAft>
+                <a:spcPct val="0"/>
+              </a:spcAft>
+              <a:buClrTx/>
+              <a:buSzTx/>
+              <a:buFont typeface="Arial" panose="020B0604020202020204" pitchFamily="34" charset="0"/>
+              <a:buChar char="•"/>
+              <a:tabLst/>
+              <a:defRPr/>
+            </a:pPr>
+            <a:r>
+              <a:rPr kumimoji="0" lang="en-US" sz="2400" b="0" i="0" u="none" strike="noStrike" kern="1200" cap="none" spc="0" normalizeH="0" baseline="0" noProof="0" dirty="0">
+                <a:ln>
+                  <a:noFill/>
+                </a:ln>
+                <a:solidFill>
+                  <a:srgbClr val="404040"/>
+                </a:solidFill>
+                <a:effectLst/>
+                <a:uLnTx/>
+                <a:uFillTx/>
+                <a:latin typeface="Arial" charset="0"/>
+                <a:ea typeface="ＭＳ Ｐゴシック" charset="-128"/>
+              </a:rPr>
+              <a:t>Plethora of Examples</a:t>
+            </a:r>
+          </a:p>
+          <a:p>
+            <a:pPr marL="800100" marR="0" lvl="1" indent="-342900" algn="l" defTabSz="457200" rtl="0" eaLnBrk="1" fontAlgn="base" latinLnBrk="0" hangingPunct="1">
+              <a:lnSpc>
+                <a:spcPct val="100000"/>
+              </a:lnSpc>
+              <a:spcBef>
+                <a:spcPct val="0"/>
+              </a:spcBef>
+              <a:spcAft>
+                <a:spcPct val="0"/>
+              </a:spcAft>
+              <a:buClrTx/>
+              <a:buSzTx/>
+              <a:buFont typeface="Arial" panose="020B0604020202020204" pitchFamily="34" charset="0"/>
+              <a:buChar char="•"/>
+              <a:tabLst/>
+              <a:defRPr/>
+            </a:pPr>
+            <a:r>
+              <a:rPr kumimoji="0" lang="en-US" sz="2400" b="0" i="0" u="none" strike="noStrike" kern="1200" cap="none" spc="0" normalizeH="0" baseline="0" noProof="0" dirty="0">
+                <a:ln>
+                  <a:noFill/>
+                </a:ln>
+                <a:solidFill>
+                  <a:srgbClr val="404040"/>
+                </a:solidFill>
+                <a:effectLst/>
+                <a:uLnTx/>
+                <a:uFillTx/>
+                <a:latin typeface="Arial" charset="0"/>
+                <a:ea typeface="ＭＳ Ｐゴシック" charset="-128"/>
+              </a:rPr>
+              <a:t>Offsets</a:t>
+            </a:r>
+          </a:p>
+        </p:txBody>
+      </p:sp>
+      <p:pic>
+        <p:nvPicPr>
+          <p:cNvPr id="6" name="Picture 5">
+            <a:extLst>
+              <a:ext uri="{FF2B5EF4-FFF2-40B4-BE49-F238E27FC236}">
+                <a16:creationId xmlns:a16="http://schemas.microsoft.com/office/drawing/2014/main" id="{A815C65F-72B9-4BCD-A370-333B667738E7}"/>
+              </a:ext>
+            </a:extLst>
+          </p:cNvPr>
+          <p:cNvPicPr>
+            <a:picLocks noChangeAspect="1"/>
+          </p:cNvPicPr>
+          <p:nvPr/>
+        </p:nvPicPr>
+        <p:blipFill>
+          <a:blip r:embed="rId4"/>
+          <a:stretch>
+            <a:fillRect/>
+          </a:stretch>
+        </p:blipFill>
+        <p:spPr>
+          <a:xfrm>
+            <a:off x="3882005" y="1474464"/>
+            <a:ext cx="5004941" cy="3180083"/>
+          </a:xfrm>
+          <a:prstGeom prst="rect">
+            <a:avLst/>
+          </a:prstGeom>
+          <a:ln>
+            <a:solidFill>
+              <a:srgbClr val="404040"/>
+            </a:solidFill>
+          </a:ln>
+        </p:spPr>
+        <p:style>
+          <a:lnRef idx="2">
+            <a:schemeClr val="dk1"/>
+          </a:lnRef>
+          <a:fillRef idx="1">
+            <a:schemeClr val="lt1"/>
+          </a:fillRef>
+          <a:effectRef idx="0">
+            <a:schemeClr val="dk1"/>
+          </a:effectRef>
+          <a:fontRef idx="minor">
+            <a:schemeClr val="dk1"/>
+          </a:fontRef>
+        </p:style>
+      </p:pic>
+      <p:pic>
+        <p:nvPicPr>
+          <p:cNvPr id="7" name="Picture 6">
+            <a:extLst>
+              <a:ext uri="{FF2B5EF4-FFF2-40B4-BE49-F238E27FC236}">
+                <a16:creationId xmlns:a16="http://schemas.microsoft.com/office/drawing/2014/main" id="{722E14F0-569B-4878-A82A-AD9EBB770985}"/>
+              </a:ext>
+            </a:extLst>
+          </p:cNvPr>
+          <p:cNvPicPr>
+            <a:picLocks noChangeAspect="1"/>
+          </p:cNvPicPr>
+          <p:nvPr/>
+        </p:nvPicPr>
+        <p:blipFill>
+          <a:blip r:embed="rId5"/>
+          <a:stretch>
+            <a:fillRect/>
+          </a:stretch>
+        </p:blipFill>
+        <p:spPr>
+          <a:xfrm>
+            <a:off x="3882005" y="4800600"/>
+            <a:ext cx="3210148" cy="1974317"/>
+          </a:xfrm>
+          <a:prstGeom prst="rect">
+            <a:avLst/>
+          </a:prstGeom>
+          <a:ln>
+            <a:solidFill>
+              <a:srgbClr val="404040"/>
+            </a:solidFill>
+          </a:ln>
+        </p:spPr>
+        <p:style>
+          <a:lnRef idx="2">
+            <a:schemeClr val="dk1"/>
+          </a:lnRef>
+          <a:fillRef idx="1">
+            <a:schemeClr val="lt1"/>
+          </a:fillRef>
+          <a:effectRef idx="0">
+            <a:schemeClr val="dk1"/>
+          </a:effectRef>
+          <a:fontRef idx="minor">
+            <a:schemeClr val="dk1"/>
+          </a:fontRef>
+        </p:style>
+      </p:pic>
+    </p:spTree>
+    <p:custDataLst>
+      <p:tags r:id="rId1"/>
+    </p:custDataLst>
+    <p:extLst>
+      <p:ext uri="{BB962C8B-B14F-4D97-AF65-F5344CB8AC3E}">
+        <p14:creationId xmlns:p14="http://schemas.microsoft.com/office/powerpoint/2010/main" val="2657709723"/>
+      </p:ext>
+    </p:extLst>
+  </p:cSld>
+  <p:clrMapOvr>
+    <a:masterClrMapping/>
+  </p:clrMapOvr>
+</p:sld>
+</file>
+
+<file path=ppt/slides/slide7.xml><?xml version="1.0" encoding="utf-8"?>
+<p:sld xmlns:a="http://schemas.openxmlformats.org/drawingml/2006/main" xmlns:r="http://schemas.openxmlformats.org/officeDocument/2006/relationships" xmlns:p="http://schemas.openxmlformats.org/presentationml/2006/main">
+  <p:cSld>
+    <p:bg>
+      <p:bgPr>
+        <a:solidFill>
+          <a:schemeClr val="bg1">
+            <a:lumMod val="85000"/>
+          </a:schemeClr>
+        </a:solidFill>
+        <a:effectLst/>
+      </p:bgPr>
+    </p:bg>
+    <p:spTree>
+      <p:nvGrpSpPr>
+        <p:cNvPr id="1" name=""/>
+        <p:cNvGrpSpPr/>
+        <p:nvPr/>
+      </p:nvGrpSpPr>
+      <p:grpSpPr>
+        <a:xfrm>
+          <a:off x="0" y="0"/>
+          <a:ext cx="0" cy="0"/>
+          <a:chOff x="0" y="0"/>
+          <a:chExt cx="0" cy="0"/>
+        </a:xfrm>
+      </p:grpSpPr>
+      <p:sp>
+        <p:nvSpPr>
+          <p:cNvPr id="15" name="Rectangle 12">
+            <a:extLst>
+              <a:ext uri="{FF2B5EF4-FFF2-40B4-BE49-F238E27FC236}">
+                <a16:creationId xmlns:a16="http://schemas.microsoft.com/office/drawing/2014/main" id="{867D4867-5BA7-4462-B2F6-A23F4A622AA7}"/>
+              </a:ext>
+              <a:ext uri="{C183D7F6-B498-43B3-948B-1728B52AA6E4}">
+                <adec:decorative xmlns:adec="http://schemas.microsoft.com/office/drawing/2017/decorative" val="1"/>
+              </a:ext>
+            </a:extLst>
+          </p:cNvPr>
+          <p:cNvSpPr>
+            <a:spLocks noGrp="1" noRot="1" noChangeAspect="1" noMove="1" noResize="1" noEditPoints="1" noAdjustHandles="1" noChangeArrowheads="1" noChangeShapeType="1" noTextEdit="1"/>
+          </p:cNvSpPr>
+          <p:nvPr>
+            <p:extLst>
+              <p:ext uri="{386F3935-93C4-4BCD-93E2-E3B085C9AB24}">
+                <p16:designElem xmlns:p16="http://schemas.microsoft.com/office/powerpoint/2015/main" val="1"/>
+              </p:ext>
+            </p:extLst>
+          </p:nvPr>
+        </p:nvSpPr>
+        <p:spPr>
+          <a:xfrm>
+            <a:off x="0" y="0"/>
+            <a:ext cx="3490722" cy="6858000"/>
+          </a:xfrm>
+          <a:prstGeom prst="rect">
+            <a:avLst/>
+          </a:prstGeom>
+          <a:solidFill>
+            <a:schemeClr val="tx1">
+              <a:lumMod val="75000"/>
+              <a:lumOff val="25000"/>
+            </a:schemeClr>
+          </a:solidFill>
+          <a:ln>
+            <a:noFill/>
+          </a:ln>
+        </p:spPr>
+        <p:style>
+          <a:lnRef idx="0">
+            <a:scrgbClr r="0" g="0" b="0"/>
+          </a:lnRef>
+          <a:fillRef idx="0">
+            <a:scrgbClr r="0" g="0" b="0"/>
+          </a:fillRef>
+          <a:effectRef idx="0">
+            <a:scrgbClr r="0" g="0" b="0"/>
+          </a:effectRef>
+          <a:fontRef idx="minor">
+            <a:schemeClr val="lt1"/>
+          </a:fontRef>
+        </p:style>
+        <p:txBody>
+          <a:bodyPr rtlCol="0" anchor="ctr"/>
+          <a:lstStyle/>
+          <a:p>
+            <a:pPr marL="0" marR="0" lvl="0" indent="0" algn="ctr" defTabSz="457200" rtl="0" eaLnBrk="1" fontAlgn="base" latinLnBrk="0" hangingPunct="1">
+              <a:lnSpc>
+                <a:spcPct val="100000"/>
+              </a:lnSpc>
+              <a:spcBef>
+                <a:spcPct val="0"/>
+              </a:spcBef>
+              <a:spcAft>
+                <a:spcPct val="0"/>
+              </a:spcAft>
+              <a:buClrTx/>
+              <a:buSzTx/>
+              <a:buFontTx/>
+              <a:buNone/>
+              <a:tabLst/>
+              <a:defRPr/>
+            </a:pPr>
+            <a:endParaRPr kumimoji="0" lang="en-US" sz="2400" b="0" i="0" u="none" strike="noStrike" kern="1200" cap="none" spc="0" normalizeH="0" baseline="0" noProof="0">
+              <a:ln>
+                <a:noFill/>
+              </a:ln>
+              <a:solidFill>
+                <a:prstClr val="white"/>
+              </a:solidFill>
+              <a:effectLst/>
+              <a:uLnTx/>
+              <a:uFillTx/>
+              <a:latin typeface="Calibri"/>
+              <a:ea typeface="+mn-ea"/>
+              <a:cs typeface="+mn-cs"/>
+            </a:endParaRPr>
+          </a:p>
+        </p:txBody>
+      </p:sp>
+      <p:sp>
+        <p:nvSpPr>
+          <p:cNvPr id="2" name="Title 1"/>
+          <p:cNvSpPr>
+            <a:spLocks noGrp="1"/>
+          </p:cNvSpPr>
+          <p:nvPr>
+            <p:ph type="title"/>
+          </p:nvPr>
+        </p:nvSpPr>
+        <p:spPr>
+          <a:xfrm>
+            <a:off x="482600" y="643467"/>
+            <a:ext cx="2522980" cy="1597315"/>
+          </a:xfrm>
+          <a:noFill/>
+          <a:ln w="19050">
+            <a:solidFill>
+              <a:schemeClr val="bg1"/>
+            </a:solidFill>
+          </a:ln>
+        </p:spPr>
+        <p:txBody>
+          <a:bodyPr vert="horz" wrap="square" lIns="91440" tIns="45720" rIns="91440" bIns="45720" rtlCol="0" anchor="ctr">
+            <a:normAutofit/>
+          </a:bodyPr>
+          <a:lstStyle/>
+          <a:p>
+            <a:pPr defTabSz="914400" eaLnBrk="1" hangingPunct="1">
+              <a:lnSpc>
+                <a:spcPct val="90000"/>
+              </a:lnSpc>
+            </a:pPr>
+            <a:r>
+              <a:rPr lang="en-US" sz="2400" dirty="0">
+                <a:solidFill>
+                  <a:schemeClr val="bg1"/>
+                </a:solidFill>
+                <a:ea typeface="+mj-ea"/>
+                <a:cs typeface="+mj-cs"/>
+              </a:rPr>
+              <a:t>mutate()</a:t>
+            </a:r>
+            <a:endParaRPr lang="en-US" sz="2400" kern="1200" dirty="0">
+              <a:solidFill>
+                <a:schemeClr val="bg1"/>
+              </a:solidFill>
+              <a:latin typeface="+mj-lt"/>
+              <a:ea typeface="+mj-ea"/>
+              <a:cs typeface="+mj-cs"/>
+            </a:endParaRPr>
+          </a:p>
+        </p:txBody>
+      </p:sp>
+      <p:pic>
+        <p:nvPicPr>
+          <p:cNvPr id="8" name="Picture 7">
+            <a:extLst>
+              <a:ext uri="{FF2B5EF4-FFF2-40B4-BE49-F238E27FC236}">
+                <a16:creationId xmlns:a16="http://schemas.microsoft.com/office/drawing/2014/main" id="{521D4292-9ECC-4DA5-8CC0-C561A0DA118E}"/>
+              </a:ext>
+            </a:extLst>
+          </p:cNvPr>
+          <p:cNvPicPr>
+            <a:picLocks noChangeAspect="1"/>
+          </p:cNvPicPr>
+          <p:nvPr/>
+        </p:nvPicPr>
+        <p:blipFill rotWithShape="1">
+          <a:blip r:embed="rId3"/>
+          <a:srcRect l="8000" r="9400"/>
+          <a:stretch/>
+        </p:blipFill>
+        <p:spPr>
+          <a:xfrm>
+            <a:off x="660103" y="3048000"/>
+            <a:ext cx="2167974" cy="2624666"/>
+          </a:xfrm>
+          <a:prstGeom prst="rect">
+            <a:avLst/>
+          </a:prstGeom>
+          <a:noFill/>
+        </p:spPr>
+      </p:pic>
+      <p:sp>
+        <p:nvSpPr>
+          <p:cNvPr id="3" name="TextBox 2">
+            <a:extLst>
+              <a:ext uri="{FF2B5EF4-FFF2-40B4-BE49-F238E27FC236}">
+                <a16:creationId xmlns:a16="http://schemas.microsoft.com/office/drawing/2014/main" id="{F11A48DB-9DC8-487D-B292-F37C24E1A4C6}"/>
+              </a:ext>
+            </a:extLst>
+          </p:cNvPr>
+          <p:cNvSpPr txBox="1"/>
+          <p:nvPr/>
+        </p:nvSpPr>
+        <p:spPr>
+          <a:xfrm>
+            <a:off x="3777352" y="643467"/>
+            <a:ext cx="5214248" cy="1200329"/>
+          </a:xfrm>
+          <a:prstGeom prst="rect">
+            <a:avLst/>
+          </a:prstGeom>
+          <a:noFill/>
+        </p:spPr>
+        <p:txBody>
+          <a:bodyPr wrap="square" rtlCol="0">
+            <a:spAutoFit/>
+          </a:bodyPr>
+          <a:lstStyle/>
+          <a:p>
+            <a:pPr marL="342900" marR="0" lvl="0" indent="-342900" algn="l" defTabSz="457200" rtl="0" eaLnBrk="1" fontAlgn="base" latinLnBrk="0" hangingPunct="1">
+              <a:lnSpc>
+                <a:spcPct val="100000"/>
+              </a:lnSpc>
+              <a:spcBef>
+                <a:spcPct val="0"/>
+              </a:spcBef>
+              <a:spcAft>
+                <a:spcPct val="0"/>
+              </a:spcAft>
+              <a:buClrTx/>
+              <a:buSzTx/>
+              <a:buFont typeface="Arial" panose="020B0604020202020204" pitchFamily="34" charset="0"/>
+              <a:buChar char="•"/>
+              <a:tabLst/>
+              <a:defRPr/>
+            </a:pPr>
+            <a:r>
+              <a:rPr kumimoji="0" lang="en-US" sz="2400" b="0" i="0" u="none" strike="noStrike" kern="1200" cap="none" spc="0" normalizeH="0" baseline="0" noProof="0" dirty="0">
+                <a:ln>
+                  <a:noFill/>
+                </a:ln>
+                <a:solidFill>
+                  <a:srgbClr val="404040"/>
+                </a:solidFill>
+                <a:effectLst/>
+                <a:uLnTx/>
+                <a:uFillTx/>
+                <a:latin typeface="Arial" charset="0"/>
+                <a:ea typeface="ＭＳ Ｐゴシック" charset="-128"/>
+              </a:rPr>
+              <a:t>Plethora of Examples</a:t>
+            </a:r>
+          </a:p>
+          <a:p>
+            <a:pPr marL="800100" marR="0" lvl="1" indent="-342900" algn="l" defTabSz="457200" rtl="0" eaLnBrk="1" fontAlgn="base" latinLnBrk="0" hangingPunct="1">
+              <a:lnSpc>
+                <a:spcPct val="100000"/>
+              </a:lnSpc>
+              <a:spcBef>
+                <a:spcPct val="0"/>
+              </a:spcBef>
+              <a:spcAft>
+                <a:spcPct val="0"/>
+              </a:spcAft>
+              <a:buClrTx/>
+              <a:buSzTx/>
+              <a:buFont typeface="Arial" panose="020B0604020202020204" pitchFamily="34" charset="0"/>
+              <a:buChar char="•"/>
+              <a:tabLst/>
+              <a:defRPr/>
+            </a:pPr>
+            <a:r>
+              <a:rPr kumimoji="0" lang="en-US" sz="2400" b="0" i="0" u="none" strike="noStrike" kern="1200" cap="none" spc="0" normalizeH="0" baseline="0" noProof="0" dirty="0">
+                <a:ln>
+                  <a:noFill/>
+                </a:ln>
+                <a:solidFill>
+                  <a:srgbClr val="404040"/>
+                </a:solidFill>
+                <a:effectLst/>
+                <a:uLnTx/>
+                <a:uFillTx/>
+                <a:latin typeface="Arial" charset="0"/>
+                <a:ea typeface="ＭＳ Ｐゴシック" charset="-128"/>
+              </a:rPr>
+              <a:t>Cumulative and Rolling Aggregates</a:t>
+            </a:r>
+          </a:p>
+        </p:txBody>
+      </p:sp>
+      <p:pic>
+        <p:nvPicPr>
+          <p:cNvPr id="4" name="Picture 3">
+            <a:extLst>
+              <a:ext uri="{FF2B5EF4-FFF2-40B4-BE49-F238E27FC236}">
+                <a16:creationId xmlns:a16="http://schemas.microsoft.com/office/drawing/2014/main" id="{4B96511D-B8D8-4148-A62A-D0777C9AB70E}"/>
+              </a:ext>
+            </a:extLst>
+          </p:cNvPr>
+          <p:cNvPicPr>
+            <a:picLocks noChangeAspect="1"/>
+          </p:cNvPicPr>
+          <p:nvPr/>
+        </p:nvPicPr>
+        <p:blipFill>
+          <a:blip r:embed="rId4"/>
+          <a:stretch>
+            <a:fillRect/>
+          </a:stretch>
+        </p:blipFill>
+        <p:spPr>
+          <a:xfrm>
+            <a:off x="3911103" y="1883688"/>
+            <a:ext cx="4750793" cy="3005475"/>
+          </a:xfrm>
+          <a:prstGeom prst="rect">
+            <a:avLst/>
+          </a:prstGeom>
+          <a:ln>
+            <a:solidFill>
+              <a:srgbClr val="404040"/>
+            </a:solidFill>
+          </a:ln>
+        </p:spPr>
+        <p:style>
+          <a:lnRef idx="2">
+            <a:schemeClr val="dk1"/>
+          </a:lnRef>
+          <a:fillRef idx="1">
+            <a:schemeClr val="lt1"/>
+          </a:fillRef>
+          <a:effectRef idx="0">
+            <a:schemeClr val="dk1"/>
+          </a:effectRef>
+          <a:fontRef idx="minor">
+            <a:schemeClr val="dk1"/>
+          </a:fontRef>
+        </p:style>
+      </p:pic>
+      <p:pic>
+        <p:nvPicPr>
+          <p:cNvPr id="5" name="Picture 4">
+            <a:extLst>
+              <a:ext uri="{FF2B5EF4-FFF2-40B4-BE49-F238E27FC236}">
+                <a16:creationId xmlns:a16="http://schemas.microsoft.com/office/drawing/2014/main" id="{D4C0631B-81F7-436E-B055-8AFE188DC0E0}"/>
+              </a:ext>
+            </a:extLst>
+          </p:cNvPr>
+          <p:cNvPicPr>
+            <a:picLocks noChangeAspect="1"/>
+          </p:cNvPicPr>
+          <p:nvPr/>
+        </p:nvPicPr>
+        <p:blipFill>
+          <a:blip r:embed="rId5"/>
+          <a:stretch>
+            <a:fillRect/>
+          </a:stretch>
+        </p:blipFill>
+        <p:spPr>
+          <a:xfrm>
+            <a:off x="3911102" y="5029200"/>
+            <a:ext cx="2839897" cy="1752600"/>
+          </a:xfrm>
+          <a:prstGeom prst="rect">
+            <a:avLst/>
+          </a:prstGeom>
+          <a:ln>
+            <a:solidFill>
+              <a:srgbClr val="404040"/>
+            </a:solidFill>
+          </a:ln>
+        </p:spPr>
+        <p:style>
+          <a:lnRef idx="2">
+            <a:schemeClr val="dk1"/>
+          </a:lnRef>
+          <a:fillRef idx="1">
+            <a:schemeClr val="lt1"/>
+          </a:fillRef>
+          <a:effectRef idx="0">
+            <a:schemeClr val="dk1"/>
+          </a:effectRef>
+          <a:fontRef idx="minor">
+            <a:schemeClr val="dk1"/>
+          </a:fontRef>
+        </p:style>
+      </p:pic>
+    </p:spTree>
+    <p:custDataLst>
+      <p:tags r:id="rId1"/>
+    </p:custDataLst>
+    <p:extLst>
+      <p:ext uri="{BB962C8B-B14F-4D97-AF65-F5344CB8AC3E}">
+        <p14:creationId xmlns:p14="http://schemas.microsoft.com/office/powerpoint/2010/main" val="3203263810"/>
+      </p:ext>
+    </p:extLst>
+  </p:cSld>
+  <p:clrMapOvr>
+    <a:masterClrMapping/>
+  </p:clrMapOvr>
+</p:sld>
+</file>
+
+<file path=ppt/slides/slide8.xml><?xml version="1.0" encoding="utf-8"?>
+<p:sld xmlns:a="http://schemas.openxmlformats.org/drawingml/2006/main" xmlns:r="http://schemas.openxmlformats.org/officeDocument/2006/relationships" xmlns:p="http://schemas.openxmlformats.org/presentationml/2006/main">
+  <p:cSld>
+    <p:bg>
+      <p:bgPr>
+        <a:solidFill>
+          <a:schemeClr val="bg1">
+            <a:lumMod val="85000"/>
+          </a:schemeClr>
+        </a:solidFill>
+        <a:effectLst/>
+      </p:bgPr>
+    </p:bg>
+    <p:spTree>
+      <p:nvGrpSpPr>
+        <p:cNvPr id="1" name=""/>
+        <p:cNvGrpSpPr/>
+        <p:nvPr/>
+      </p:nvGrpSpPr>
+      <p:grpSpPr>
+        <a:xfrm>
+          <a:off x="0" y="0"/>
+          <a:ext cx="0" cy="0"/>
+          <a:chOff x="0" y="0"/>
+          <a:chExt cx="0" cy="0"/>
+        </a:xfrm>
+      </p:grpSpPr>
+      <p:sp>
+        <p:nvSpPr>
+          <p:cNvPr id="15" name="Rectangle 12">
+            <a:extLst>
+              <a:ext uri="{FF2B5EF4-FFF2-40B4-BE49-F238E27FC236}">
+                <a16:creationId xmlns:a16="http://schemas.microsoft.com/office/drawing/2014/main" id="{867D4867-5BA7-4462-B2F6-A23F4A622AA7}"/>
+              </a:ext>
+              <a:ext uri="{C183D7F6-B498-43B3-948B-1728B52AA6E4}">
+                <adec:decorative xmlns:adec="http://schemas.microsoft.com/office/drawing/2017/decorative" val="1"/>
+              </a:ext>
+            </a:extLst>
+          </p:cNvPr>
+          <p:cNvSpPr>
+            <a:spLocks noGrp="1" noRot="1" noChangeAspect="1" noMove="1" noResize="1" noEditPoints="1" noAdjustHandles="1" noChangeArrowheads="1" noChangeShapeType="1" noTextEdit="1"/>
+          </p:cNvSpPr>
+          <p:nvPr>
+            <p:extLst>
+              <p:ext uri="{386F3935-93C4-4BCD-93E2-E3B085C9AB24}">
+                <p16:designElem xmlns:p16="http://schemas.microsoft.com/office/powerpoint/2015/main" val="1"/>
+              </p:ext>
+            </p:extLst>
+          </p:nvPr>
+        </p:nvSpPr>
+        <p:spPr>
+          <a:xfrm>
+            <a:off x="0" y="0"/>
+            <a:ext cx="3490722" cy="6858000"/>
+          </a:xfrm>
+          <a:prstGeom prst="rect">
+            <a:avLst/>
+          </a:prstGeom>
+          <a:solidFill>
+            <a:schemeClr val="tx1">
+              <a:lumMod val="75000"/>
+              <a:lumOff val="25000"/>
+            </a:schemeClr>
+          </a:solidFill>
+          <a:ln>
+            <a:noFill/>
+          </a:ln>
+        </p:spPr>
+        <p:style>
+          <a:lnRef idx="0">
+            <a:scrgbClr r="0" g="0" b="0"/>
+          </a:lnRef>
+          <a:fillRef idx="0">
+            <a:scrgbClr r="0" g="0" b="0"/>
+          </a:fillRef>
+          <a:effectRef idx="0">
+            <a:scrgbClr r="0" g="0" b="0"/>
+          </a:effectRef>
+          <a:fontRef idx="minor">
+            <a:schemeClr val="lt1"/>
+          </a:fontRef>
+        </p:style>
+        <p:txBody>
+          <a:bodyPr rtlCol="0" anchor="ctr"/>
+          <a:lstStyle/>
+          <a:p>
+            <a:pPr marL="0" marR="0" lvl="0" indent="0" algn="ctr" defTabSz="457200" rtl="0" eaLnBrk="1" fontAlgn="base" latinLnBrk="0" hangingPunct="1">
+              <a:lnSpc>
+                <a:spcPct val="100000"/>
+              </a:lnSpc>
+              <a:spcBef>
+                <a:spcPct val="0"/>
+              </a:spcBef>
+              <a:spcAft>
+                <a:spcPct val="0"/>
+              </a:spcAft>
+              <a:buClrTx/>
+              <a:buSzTx/>
+              <a:buFontTx/>
+              <a:buNone/>
+              <a:tabLst/>
+              <a:defRPr/>
+            </a:pPr>
+            <a:endParaRPr kumimoji="0" lang="en-US" sz="2400" b="0" i="0" u="none" strike="noStrike" kern="1200" cap="none" spc="0" normalizeH="0" baseline="0" noProof="0">
+              <a:ln>
+                <a:noFill/>
+              </a:ln>
+              <a:solidFill>
+                <a:prstClr val="white"/>
+              </a:solidFill>
+              <a:effectLst/>
+              <a:uLnTx/>
+              <a:uFillTx/>
+              <a:latin typeface="Calibri"/>
+              <a:ea typeface="+mn-ea"/>
+              <a:cs typeface="+mn-cs"/>
+            </a:endParaRPr>
+          </a:p>
+        </p:txBody>
+      </p:sp>
+      <p:sp>
+        <p:nvSpPr>
+          <p:cNvPr id="2" name="Title 1"/>
+          <p:cNvSpPr>
+            <a:spLocks noGrp="1"/>
+          </p:cNvSpPr>
+          <p:nvPr>
+            <p:ph type="title"/>
+          </p:nvPr>
+        </p:nvSpPr>
+        <p:spPr>
+          <a:xfrm>
+            <a:off x="482600" y="643467"/>
+            <a:ext cx="2522980" cy="1597315"/>
+          </a:xfrm>
+          <a:noFill/>
+          <a:ln w="19050">
+            <a:solidFill>
+              <a:schemeClr val="bg1"/>
+            </a:solidFill>
+          </a:ln>
+        </p:spPr>
+        <p:txBody>
+          <a:bodyPr vert="horz" wrap="square" lIns="91440" tIns="45720" rIns="91440" bIns="45720" rtlCol="0" anchor="ctr">
+            <a:normAutofit/>
+          </a:bodyPr>
+          <a:lstStyle/>
+          <a:p>
+            <a:pPr defTabSz="914400" eaLnBrk="1" hangingPunct="1">
+              <a:lnSpc>
+                <a:spcPct val="90000"/>
+              </a:lnSpc>
+            </a:pPr>
+            <a:r>
+              <a:rPr lang="en-US" sz="2400" dirty="0">
+                <a:solidFill>
+                  <a:schemeClr val="bg1"/>
+                </a:solidFill>
+                <a:ea typeface="+mj-ea"/>
+                <a:cs typeface="+mj-cs"/>
+              </a:rPr>
+              <a:t>mutate()</a:t>
+            </a:r>
+            <a:endParaRPr lang="en-US" sz="2400" kern="1200" dirty="0">
+              <a:solidFill>
+                <a:schemeClr val="bg1"/>
+              </a:solidFill>
+              <a:latin typeface="+mj-lt"/>
+              <a:ea typeface="+mj-ea"/>
+              <a:cs typeface="+mj-cs"/>
+            </a:endParaRPr>
+          </a:p>
+        </p:txBody>
+      </p:sp>
+      <p:pic>
+        <p:nvPicPr>
+          <p:cNvPr id="8" name="Picture 7">
+            <a:extLst>
+              <a:ext uri="{FF2B5EF4-FFF2-40B4-BE49-F238E27FC236}">
+                <a16:creationId xmlns:a16="http://schemas.microsoft.com/office/drawing/2014/main" id="{521D4292-9ECC-4DA5-8CC0-C561A0DA118E}"/>
+              </a:ext>
+            </a:extLst>
+          </p:cNvPr>
+          <p:cNvPicPr>
+            <a:picLocks noChangeAspect="1"/>
+          </p:cNvPicPr>
+          <p:nvPr/>
+        </p:nvPicPr>
+        <p:blipFill rotWithShape="1">
+          <a:blip r:embed="rId3"/>
+          <a:srcRect l="8000" r="9400"/>
+          <a:stretch/>
+        </p:blipFill>
+        <p:spPr>
+          <a:xfrm>
+            <a:off x="660103" y="3048000"/>
+            <a:ext cx="2167974" cy="2624666"/>
+          </a:xfrm>
+          <a:prstGeom prst="rect">
+            <a:avLst/>
+          </a:prstGeom>
+          <a:noFill/>
+        </p:spPr>
+      </p:pic>
+      <p:sp>
+        <p:nvSpPr>
+          <p:cNvPr id="3" name="TextBox 2">
+            <a:extLst>
+              <a:ext uri="{FF2B5EF4-FFF2-40B4-BE49-F238E27FC236}">
+                <a16:creationId xmlns:a16="http://schemas.microsoft.com/office/drawing/2014/main" id="{F11A48DB-9DC8-487D-B292-F37C24E1A4C6}"/>
+              </a:ext>
+            </a:extLst>
+          </p:cNvPr>
+          <p:cNvSpPr txBox="1"/>
+          <p:nvPr/>
+        </p:nvSpPr>
+        <p:spPr>
+          <a:xfrm>
+            <a:off x="3777352" y="643467"/>
+            <a:ext cx="5214248" cy="830997"/>
+          </a:xfrm>
+          <a:prstGeom prst="rect">
+            <a:avLst/>
+          </a:prstGeom>
+          <a:noFill/>
+        </p:spPr>
+        <p:txBody>
+          <a:bodyPr wrap="square" rtlCol="0">
+            <a:spAutoFit/>
+          </a:bodyPr>
+          <a:lstStyle/>
+          <a:p>
+            <a:pPr marL="342900" marR="0" lvl="0" indent="-342900" algn="l" defTabSz="457200" rtl="0" eaLnBrk="1" fontAlgn="base" latinLnBrk="0" hangingPunct="1">
+              <a:lnSpc>
+                <a:spcPct val="100000"/>
+              </a:lnSpc>
+              <a:spcBef>
+                <a:spcPct val="0"/>
+              </a:spcBef>
+              <a:spcAft>
+                <a:spcPct val="0"/>
+              </a:spcAft>
+              <a:buClrTx/>
+              <a:buSzTx/>
+              <a:buFont typeface="Arial" panose="020B0604020202020204" pitchFamily="34" charset="0"/>
+              <a:buChar char="•"/>
+              <a:tabLst/>
+              <a:defRPr/>
+            </a:pPr>
+            <a:r>
+              <a:rPr kumimoji="0" lang="en-US" sz="2400" b="0" i="0" u="none" strike="noStrike" kern="1200" cap="none" spc="0" normalizeH="0" baseline="0" noProof="0" dirty="0">
+                <a:ln>
+                  <a:noFill/>
+                </a:ln>
+                <a:solidFill>
+                  <a:srgbClr val="404040"/>
+                </a:solidFill>
+                <a:effectLst/>
+                <a:uLnTx/>
+                <a:uFillTx/>
+                <a:latin typeface="Arial" charset="0"/>
+                <a:ea typeface="ＭＳ Ｐゴシック" charset="-128"/>
+              </a:rPr>
+              <a:t>Plethora of Examples</a:t>
+            </a:r>
+          </a:p>
+          <a:p>
+            <a:pPr marL="800100" marR="0" lvl="1" indent="-342900" algn="l" defTabSz="457200" rtl="0" eaLnBrk="1" fontAlgn="base" latinLnBrk="0" hangingPunct="1">
+              <a:lnSpc>
+                <a:spcPct val="100000"/>
+              </a:lnSpc>
+              <a:spcBef>
+                <a:spcPct val="0"/>
+              </a:spcBef>
+              <a:spcAft>
+                <a:spcPct val="0"/>
+              </a:spcAft>
+              <a:buClrTx/>
+              <a:buSzTx/>
+              <a:buFont typeface="Arial" panose="020B0604020202020204" pitchFamily="34" charset="0"/>
+              <a:buChar char="•"/>
+              <a:tabLst/>
+              <a:defRPr/>
+            </a:pPr>
+            <a:r>
+              <a:rPr kumimoji="0" lang="en-US" sz="2400" b="0" i="0" u="none" strike="noStrike" kern="1200" cap="none" spc="0" normalizeH="0" baseline="0" noProof="0" dirty="0">
+                <a:ln>
+                  <a:noFill/>
+                </a:ln>
+                <a:solidFill>
+                  <a:srgbClr val="404040"/>
+                </a:solidFill>
+                <a:effectLst/>
+                <a:uLnTx/>
+                <a:uFillTx/>
+                <a:latin typeface="Arial" charset="0"/>
+                <a:ea typeface="ＭＳ Ｐゴシック" charset="-128"/>
+              </a:rPr>
+              <a:t>Ranking</a:t>
+            </a:r>
+          </a:p>
+        </p:txBody>
+      </p:sp>
+      <p:pic>
+        <p:nvPicPr>
+          <p:cNvPr id="6" name="Picture 5">
+            <a:extLst>
+              <a:ext uri="{FF2B5EF4-FFF2-40B4-BE49-F238E27FC236}">
+                <a16:creationId xmlns:a16="http://schemas.microsoft.com/office/drawing/2014/main" id="{0A9D0ADC-55AF-4022-AC5A-3E089A2E7F65}"/>
+              </a:ext>
+            </a:extLst>
+          </p:cNvPr>
+          <p:cNvPicPr>
+            <a:picLocks noChangeAspect="1"/>
+          </p:cNvPicPr>
+          <p:nvPr/>
+        </p:nvPicPr>
+        <p:blipFill>
+          <a:blip r:embed="rId4"/>
+          <a:stretch>
+            <a:fillRect/>
+          </a:stretch>
+        </p:blipFill>
+        <p:spPr>
+          <a:xfrm>
+            <a:off x="3581400" y="1461043"/>
+            <a:ext cx="3634718" cy="5346304"/>
+          </a:xfrm>
+          <a:prstGeom prst="rect">
+            <a:avLst/>
+          </a:prstGeom>
+          <a:ln>
+            <a:solidFill>
+              <a:srgbClr val="404040"/>
+            </a:solidFill>
+          </a:ln>
+        </p:spPr>
+        <p:style>
+          <a:lnRef idx="2">
+            <a:schemeClr val="dk1"/>
+          </a:lnRef>
+          <a:fillRef idx="1">
+            <a:schemeClr val="lt1"/>
+          </a:fillRef>
+          <a:effectRef idx="0">
+            <a:schemeClr val="dk1"/>
+          </a:effectRef>
+          <a:fontRef idx="minor">
+            <a:schemeClr val="dk1"/>
+          </a:fontRef>
+        </p:style>
+      </p:pic>
+      <p:pic>
+        <p:nvPicPr>
+          <p:cNvPr id="7" name="Picture 6">
+            <a:extLst>
+              <a:ext uri="{FF2B5EF4-FFF2-40B4-BE49-F238E27FC236}">
+                <a16:creationId xmlns:a16="http://schemas.microsoft.com/office/drawing/2014/main" id="{76C27CE3-315C-4663-9593-D1B7AE583199}"/>
+              </a:ext>
+            </a:extLst>
+          </p:cNvPr>
+          <p:cNvPicPr>
+            <a:picLocks noChangeAspect="1"/>
+          </p:cNvPicPr>
+          <p:nvPr/>
+        </p:nvPicPr>
+        <p:blipFill>
+          <a:blip r:embed="rId5"/>
+          <a:stretch>
+            <a:fillRect/>
+          </a:stretch>
+        </p:blipFill>
+        <p:spPr>
+          <a:xfrm>
+            <a:off x="6097674" y="3364887"/>
+            <a:ext cx="2893926" cy="1828800"/>
+          </a:xfrm>
+          <a:prstGeom prst="rect">
+            <a:avLst/>
+          </a:prstGeom>
+          <a:ln>
+            <a:solidFill>
+              <a:srgbClr val="404040"/>
+            </a:solidFill>
+          </a:ln>
+        </p:spPr>
+        <p:style>
+          <a:lnRef idx="2">
+            <a:schemeClr val="dk1"/>
+          </a:lnRef>
+          <a:fillRef idx="1">
+            <a:schemeClr val="lt1"/>
+          </a:fillRef>
+          <a:effectRef idx="0">
+            <a:schemeClr val="dk1"/>
+          </a:effectRef>
+          <a:fontRef idx="minor">
+            <a:schemeClr val="dk1"/>
+          </a:fontRef>
+        </p:style>
+      </p:pic>
+    </p:spTree>
+    <p:custDataLst>
+      <p:tags r:id="rId1"/>
+    </p:custDataLst>
+    <p:extLst>
+      <p:ext uri="{BB962C8B-B14F-4D97-AF65-F5344CB8AC3E}">
+        <p14:creationId xmlns:p14="http://schemas.microsoft.com/office/powerpoint/2010/main" val="346470341"/>
+      </p:ext>
+    </p:extLst>
+  </p:cSld>
+  <p:clrMapOvr>
+    <a:masterClrMapping/>
+  </p:clrMapOvr>
+</p:sld>
+</file>
+
+<file path=ppt/slides/slide9.xml><?xml version="1.0" encoding="utf-8"?>
+<p:sld xmlns:a="http://schemas.openxmlformats.org/drawingml/2006/main" xmlns:r="http://schemas.openxmlformats.org/officeDocument/2006/relationships" xmlns:p="http://schemas.openxmlformats.org/presentationml/2006/main">
+  <p:cSld>
+    <p:bg>
+      <p:bgPr>
+        <a:solidFill>
+          <a:schemeClr val="bg1">
+            <a:lumMod val="85000"/>
+          </a:schemeClr>
+        </a:solidFill>
+        <a:effectLst/>
+      </p:bgPr>
+    </p:bg>
+    <p:spTree>
+      <p:nvGrpSpPr>
+        <p:cNvPr id="1" name=""/>
+        <p:cNvGrpSpPr/>
+        <p:nvPr/>
+      </p:nvGrpSpPr>
+      <p:grpSpPr>
+        <a:xfrm>
+          <a:off x="0" y="0"/>
+          <a:ext cx="0" cy="0"/>
+          <a:chOff x="0" y="0"/>
+          <a:chExt cx="0" cy="0"/>
+        </a:xfrm>
+      </p:grpSpPr>
+      <p:sp>
+        <p:nvSpPr>
+          <p:cNvPr id="15" name="Rectangle 12">
+            <a:extLst>
+              <a:ext uri="{FF2B5EF4-FFF2-40B4-BE49-F238E27FC236}">
+                <a16:creationId xmlns:a16="http://schemas.microsoft.com/office/drawing/2014/main" id="{867D4867-5BA7-4462-B2F6-A23F4A622AA7}"/>
+              </a:ext>
+              <a:ext uri="{C183D7F6-B498-43B3-948B-1728B52AA6E4}">
+                <adec:decorative xmlns:adec="http://schemas.microsoft.com/office/drawing/2017/decorative" val="1"/>
+              </a:ext>
+            </a:extLst>
+          </p:cNvPr>
+          <p:cNvSpPr>
+            <a:spLocks noGrp="1" noRot="1" noChangeAspect="1" noMove="1" noResize="1" noEditPoints="1" noAdjustHandles="1" noChangeArrowheads="1" noChangeShapeType="1" noTextEdit="1"/>
+          </p:cNvSpPr>
+          <p:nvPr>
+            <p:extLst>
+              <p:ext uri="{386F3935-93C4-4BCD-93E2-E3B085C9AB24}">
+                <p16:designElem xmlns:p16="http://schemas.microsoft.com/office/powerpoint/2015/main" val="1"/>
+              </p:ext>
+            </p:extLst>
+          </p:nvPr>
+        </p:nvSpPr>
+        <p:spPr>
+          <a:xfrm>
+            <a:off x="0" y="0"/>
+            <a:ext cx="3490722" cy="6858000"/>
+          </a:xfrm>
+          <a:prstGeom prst="rect">
+            <a:avLst/>
+          </a:prstGeom>
+          <a:solidFill>
+            <a:schemeClr val="tx1">
+              <a:lumMod val="75000"/>
+              <a:lumOff val="25000"/>
+            </a:schemeClr>
+          </a:solidFill>
+          <a:ln>
+            <a:noFill/>
+          </a:ln>
+        </p:spPr>
+        <p:style>
+          <a:lnRef idx="0">
+            <a:scrgbClr r="0" g="0" b="0"/>
+          </a:lnRef>
+          <a:fillRef idx="0">
+            <a:scrgbClr r="0" g="0" b="0"/>
+          </a:fillRef>
+          <a:effectRef idx="0">
+            <a:scrgbClr r="0" g="0" b="0"/>
+          </a:effectRef>
+          <a:fontRef idx="minor">
+            <a:schemeClr val="lt1"/>
+          </a:fontRef>
+        </p:style>
+        <p:txBody>
+          <a:bodyPr rtlCol="0" anchor="ctr"/>
+          <a:lstStyle/>
+          <a:p>
+            <a:pPr algn="ctr"/>
+            <a:endParaRPr lang="en-US"/>
+          </a:p>
+        </p:txBody>
+      </p:sp>
+      <p:sp>
+        <p:nvSpPr>
+          <p:cNvPr id="2" name="Title 1"/>
+          <p:cNvSpPr>
+            <a:spLocks noGrp="1"/>
+          </p:cNvSpPr>
+          <p:nvPr>
+            <p:ph type="title"/>
+          </p:nvPr>
+        </p:nvSpPr>
+        <p:spPr>
+          <a:xfrm>
+            <a:off x="482600" y="643467"/>
+            <a:ext cx="2522980" cy="1597315"/>
+          </a:xfrm>
+          <a:noFill/>
+          <a:ln w="19050">
+            <a:solidFill>
+              <a:schemeClr val="bg1"/>
+            </a:solidFill>
+          </a:ln>
+        </p:spPr>
+        <p:txBody>
+          <a:bodyPr vert="horz" wrap="square" lIns="91440" tIns="45720" rIns="91440" bIns="45720" rtlCol="0" anchor="ctr">
+            <a:normAutofit/>
+          </a:bodyPr>
+          <a:lstStyle/>
+          <a:p>
+            <a:pPr defTabSz="914400" eaLnBrk="1" hangingPunct="1">
+              <a:lnSpc>
+                <a:spcPct val="90000"/>
+              </a:lnSpc>
+            </a:pPr>
+            <a:r>
+              <a:rPr lang="en-US" sz="2400" kern="1200" dirty="0">
+                <a:solidFill>
+                  <a:schemeClr val="bg1"/>
+                </a:solidFill>
+                <a:latin typeface="+mj-lt"/>
+                <a:ea typeface="+mj-ea"/>
+                <a:cs typeface="+mj-cs"/>
+              </a:rPr>
+              <a:t>Information</a:t>
+            </a:r>
+          </a:p>
+        </p:txBody>
+      </p:sp>
+      <p:pic>
+        <p:nvPicPr>
+          <p:cNvPr id="8" name="Picture 7">
+            <a:extLst>
+              <a:ext uri="{FF2B5EF4-FFF2-40B4-BE49-F238E27FC236}">
+                <a16:creationId xmlns:a16="http://schemas.microsoft.com/office/drawing/2014/main" id="{521D4292-9ECC-4DA5-8CC0-C561A0DA118E}"/>
+              </a:ext>
+            </a:extLst>
+          </p:cNvPr>
+          <p:cNvPicPr>
+            <a:picLocks noChangeAspect="1"/>
+          </p:cNvPicPr>
+          <p:nvPr/>
+        </p:nvPicPr>
+        <p:blipFill rotWithShape="1">
+          <a:blip r:embed="rId3"/>
+          <a:srcRect l="8000" r="9400"/>
+          <a:stretch/>
+        </p:blipFill>
+        <p:spPr>
+          <a:xfrm>
+            <a:off x="660103" y="3048000"/>
+            <a:ext cx="2167974" cy="2624666"/>
+          </a:xfrm>
+          <a:prstGeom prst="rect">
+            <a:avLst/>
+          </a:prstGeom>
+          <a:noFill/>
+        </p:spPr>
+      </p:pic>
+      <p:sp>
+        <p:nvSpPr>
+          <p:cNvPr id="4" name="TextBox 3">
+            <a:extLst>
+              <a:ext uri="{FF2B5EF4-FFF2-40B4-BE49-F238E27FC236}">
+                <a16:creationId xmlns:a16="http://schemas.microsoft.com/office/drawing/2014/main" id="{9B70DD5F-80AF-47A6-9622-DF0880C2AE63}"/>
+              </a:ext>
+            </a:extLst>
+          </p:cNvPr>
+          <p:cNvSpPr txBox="1"/>
+          <p:nvPr/>
+        </p:nvSpPr>
+        <p:spPr>
+          <a:xfrm>
+            <a:off x="3810000" y="643467"/>
+            <a:ext cx="4953000" cy="6001643"/>
+          </a:xfrm>
+          <a:prstGeom prst="rect">
+            <a:avLst/>
+          </a:prstGeom>
+          <a:noFill/>
+        </p:spPr>
+        <p:txBody>
+          <a:bodyPr wrap="square" rtlCol="0">
+            <a:spAutoFit/>
+          </a:bodyPr>
+          <a:lstStyle/>
+          <a:p>
+            <a:pPr marL="342900" indent="-342900">
+              <a:buFont typeface="Arial" panose="020B0604020202020204" pitchFamily="34" charset="0"/>
+              <a:buChar char="•"/>
+            </a:pPr>
+            <a:r>
+              <a:rPr lang="en-US" dirty="0">
+                <a:solidFill>
+                  <a:srgbClr val="404040"/>
+                </a:solidFill>
+              </a:rPr>
+              <a:t>Tutorial 3</a:t>
+            </a:r>
+          </a:p>
+          <a:p>
+            <a:pPr marL="800100" lvl="1" indent="-342900">
+              <a:buFont typeface="Arial" panose="020B0604020202020204" pitchFamily="34" charset="0"/>
+              <a:buChar char="•"/>
+            </a:pPr>
+            <a:r>
+              <a:rPr lang="en-US" dirty="0">
+                <a:solidFill>
+                  <a:srgbClr val="404040"/>
+                </a:solidFill>
+              </a:rPr>
+              <a:t>Practice</a:t>
+            </a:r>
+          </a:p>
+          <a:p>
+            <a:pPr marL="1257300" lvl="2" indent="-342900">
+              <a:buFont typeface="Arial" panose="020B0604020202020204" pitchFamily="34" charset="0"/>
+              <a:buChar char="•"/>
+            </a:pPr>
+            <a:r>
+              <a:rPr lang="en-US" dirty="0">
+                <a:solidFill>
+                  <a:srgbClr val="404040"/>
+                </a:solidFill>
+              </a:rPr>
+              <a:t>filter()</a:t>
+            </a:r>
+          </a:p>
+          <a:p>
+            <a:pPr marL="1257300" lvl="2" indent="-342900">
+              <a:buFont typeface="Arial" panose="020B0604020202020204" pitchFamily="34" charset="0"/>
+              <a:buChar char="•"/>
+            </a:pPr>
+            <a:r>
+              <a:rPr lang="en-US" dirty="0">
+                <a:solidFill>
+                  <a:srgbClr val="404040"/>
+                </a:solidFill>
+              </a:rPr>
+              <a:t>arrange()</a:t>
+            </a:r>
+          </a:p>
+          <a:p>
+            <a:pPr marL="1257300" lvl="2" indent="-342900">
+              <a:buFont typeface="Arial" panose="020B0604020202020204" pitchFamily="34" charset="0"/>
+              <a:buChar char="•"/>
+            </a:pPr>
+            <a:r>
+              <a:rPr lang="en-US" dirty="0">
+                <a:solidFill>
+                  <a:srgbClr val="404040"/>
+                </a:solidFill>
+              </a:rPr>
+              <a:t>select()</a:t>
+            </a:r>
+          </a:p>
+          <a:p>
+            <a:pPr marL="1257300" lvl="2" indent="-342900">
+              <a:buFont typeface="Arial" panose="020B0604020202020204" pitchFamily="34" charset="0"/>
+              <a:buChar char="•"/>
+            </a:pPr>
+            <a:r>
+              <a:rPr lang="en-US" dirty="0">
+                <a:solidFill>
+                  <a:srgbClr val="404040"/>
+                </a:solidFill>
+              </a:rPr>
+              <a:t>mutate()</a:t>
+            </a:r>
+          </a:p>
+          <a:p>
+            <a:pPr marL="800100" lvl="1" indent="-342900">
+              <a:buFont typeface="Arial" panose="020B0604020202020204" pitchFamily="34" charset="0"/>
+              <a:buChar char="•"/>
+            </a:pPr>
+            <a:endParaRPr lang="en-US" dirty="0">
+              <a:solidFill>
+                <a:srgbClr val="404040"/>
+              </a:solidFill>
+            </a:endParaRPr>
+          </a:p>
+          <a:p>
+            <a:pPr marL="800100" lvl="1" indent="-342900">
+              <a:buFont typeface="Arial" panose="020B0604020202020204" pitchFamily="34" charset="0"/>
+              <a:buChar char="•"/>
+            </a:pPr>
+            <a:r>
+              <a:rPr lang="en-US" dirty="0">
+                <a:solidFill>
+                  <a:srgbClr val="404040"/>
+                </a:solidFill>
+              </a:rPr>
+              <a:t>Introduced</a:t>
+            </a:r>
+          </a:p>
+          <a:p>
+            <a:pPr marL="1257300" lvl="2" indent="-342900">
+              <a:buFont typeface="Arial" panose="020B0604020202020204" pitchFamily="34" charset="0"/>
+              <a:buChar char="•"/>
+            </a:pPr>
+            <a:r>
+              <a:rPr lang="en-US" dirty="0">
+                <a:solidFill>
+                  <a:srgbClr val="404040"/>
+                </a:solidFill>
+              </a:rPr>
+              <a:t>Piping %&gt;%</a:t>
+            </a:r>
+          </a:p>
+          <a:p>
+            <a:pPr marL="1257300" lvl="2" indent="-342900">
+              <a:buFont typeface="Arial" panose="020B0604020202020204" pitchFamily="34" charset="0"/>
+              <a:buChar char="•"/>
+            </a:pPr>
+            <a:r>
+              <a:rPr lang="en-US" dirty="0" err="1">
+                <a:solidFill>
+                  <a:srgbClr val="404040"/>
+                </a:solidFill>
+              </a:rPr>
+              <a:t>group_by</a:t>
+            </a:r>
+            <a:r>
+              <a:rPr lang="en-US" dirty="0">
+                <a:solidFill>
+                  <a:srgbClr val="404040"/>
+                </a:solidFill>
+              </a:rPr>
+              <a:t>()</a:t>
+            </a:r>
+          </a:p>
+          <a:p>
+            <a:pPr marL="1257300" lvl="2" indent="-342900">
+              <a:buFont typeface="Arial" panose="020B0604020202020204" pitchFamily="34" charset="0"/>
+              <a:buChar char="•"/>
+            </a:pPr>
+            <a:r>
+              <a:rPr lang="en-US" dirty="0">
+                <a:solidFill>
+                  <a:srgbClr val="404040"/>
+                </a:solidFill>
+              </a:rPr>
+              <a:t>summarize()</a:t>
+            </a:r>
+          </a:p>
+          <a:p>
+            <a:pPr marL="1257300" lvl="2" indent="-342900">
+              <a:buFont typeface="Arial" panose="020B0604020202020204" pitchFamily="34" charset="0"/>
+              <a:buChar char="•"/>
+            </a:pPr>
+            <a:endParaRPr lang="en-US" dirty="0">
+              <a:solidFill>
+                <a:srgbClr val="404040"/>
+              </a:solidFill>
+            </a:endParaRPr>
+          </a:p>
+          <a:p>
+            <a:pPr marL="342900" indent="-342900">
+              <a:buFont typeface="Arial" panose="020B0604020202020204" pitchFamily="34" charset="0"/>
+              <a:buChar char="•"/>
+            </a:pPr>
+            <a:r>
+              <a:rPr lang="en-US" dirty="0">
+                <a:solidFill>
+                  <a:srgbClr val="404040"/>
+                </a:solidFill>
+              </a:rPr>
+              <a:t>Chain of Command</a:t>
+            </a:r>
+          </a:p>
+          <a:p>
+            <a:pPr marL="342900" indent="-342900">
+              <a:buFont typeface="Arial" panose="020B0604020202020204" pitchFamily="34" charset="0"/>
+              <a:buChar char="•"/>
+            </a:pPr>
+            <a:endParaRPr lang="en-US" dirty="0">
+              <a:solidFill>
+                <a:srgbClr val="404040"/>
+              </a:solidFill>
+            </a:endParaRPr>
+          </a:p>
+          <a:p>
+            <a:r>
+              <a:rPr lang="en-US" dirty="0">
+                <a:solidFill>
+                  <a:srgbClr val="404040"/>
+                </a:solidFill>
+              </a:rPr>
+              <a:t>	Google -&gt; Friend -&gt; Instructor</a:t>
+            </a:r>
+          </a:p>
+          <a:p>
+            <a:pPr marL="342900" indent="-342900">
+              <a:buFont typeface="Arial" panose="020B0604020202020204" pitchFamily="34" charset="0"/>
+              <a:buChar char="•"/>
+            </a:pPr>
+            <a:endParaRPr lang="en-US" dirty="0">
+              <a:solidFill>
+                <a:srgbClr val="404040"/>
+              </a:solidFill>
+            </a:endParaRPr>
+          </a:p>
+        </p:txBody>
+      </p:sp>
+    </p:spTree>
+    <p:custDataLst>
+      <p:tags r:id="rId1"/>
+    </p:custDataLst>
+    <p:extLst>
+      <p:ext uri="{BB962C8B-B14F-4D97-AF65-F5344CB8AC3E}">
+        <p14:creationId xmlns:p14="http://schemas.microsoft.com/office/powerpoint/2010/main" val="641320167"/>
+      </p:ext>
+    </p:extLst>
+  </p:cSld>
+  <p:clrMapOvr>
+    <a:masterClrMapping/>
+  </p:clrMapOvr>
+</p:sld>
+</file>
+
 <file path=ppt/tags/tag1.xml><?xml version="1.0" encoding="utf-8"?>
 <p:tagLst xmlns:a="http://schemas.openxmlformats.org/drawingml/2006/main" xmlns:r="http://schemas.openxmlformats.org/officeDocument/2006/relationships" xmlns:p="http://schemas.openxmlformats.org/presentationml/2006/main">
   <p:tag name="EXPANDSHOWBAR" val="True"/>
@@ -9633,6 +13875,18 @@
 </p:tagLst>
 </file>
 
+<file path=ppt/tags/tag10.xml><?xml version="1.0" encoding="utf-8"?>
+<p:tagLst xmlns:a="http://schemas.openxmlformats.org/drawingml/2006/main" xmlns:r="http://schemas.openxmlformats.org/officeDocument/2006/relationships" xmlns:p="http://schemas.openxmlformats.org/presentationml/2006/main">
+  <p:tag name="DELIMITERS" val="3.1"/>
+</p:tagLst>
+</file>
+
+<file path=ppt/tags/tag11.xml><?xml version="1.0" encoding="utf-8"?>
+<p:tagLst xmlns:a="http://schemas.openxmlformats.org/drawingml/2006/main" xmlns:r="http://schemas.openxmlformats.org/officeDocument/2006/relationships" xmlns:p="http://schemas.openxmlformats.org/presentationml/2006/main">
+  <p:tag name="DELIMITERS" val="3.1"/>
+</p:tagLst>
+</file>
+
 <file path=ppt/tags/tag2.xml><?xml version="1.0" encoding="utf-8"?>
 <p:tagLst xmlns:a="http://schemas.openxmlformats.org/drawingml/2006/main" xmlns:r="http://schemas.openxmlformats.org/officeDocument/2006/relationships" xmlns:p="http://schemas.openxmlformats.org/presentationml/2006/main">
   <p:tag name="DELIMITERS" val="3.1"/>
@@ -9646,6 +13900,36 @@
 </file>
 
 <file path=ppt/tags/tag4.xml><?xml version="1.0" encoding="utf-8"?>
+<p:tagLst xmlns:a="http://schemas.openxmlformats.org/drawingml/2006/main" xmlns:r="http://schemas.openxmlformats.org/officeDocument/2006/relationships" xmlns:p="http://schemas.openxmlformats.org/presentationml/2006/main">
+  <p:tag name="DELIMITERS" val="3.1"/>
+</p:tagLst>
+</file>
+
+<file path=ppt/tags/tag5.xml><?xml version="1.0" encoding="utf-8"?>
+<p:tagLst xmlns:a="http://schemas.openxmlformats.org/drawingml/2006/main" xmlns:r="http://schemas.openxmlformats.org/officeDocument/2006/relationships" xmlns:p="http://schemas.openxmlformats.org/presentationml/2006/main">
+  <p:tag name="DELIMITERS" val="3.1"/>
+</p:tagLst>
+</file>
+
+<file path=ppt/tags/tag6.xml><?xml version="1.0" encoding="utf-8"?>
+<p:tagLst xmlns:a="http://schemas.openxmlformats.org/drawingml/2006/main" xmlns:r="http://schemas.openxmlformats.org/officeDocument/2006/relationships" xmlns:p="http://schemas.openxmlformats.org/presentationml/2006/main">
+  <p:tag name="DELIMITERS" val="3.1"/>
+</p:tagLst>
+</file>
+
+<file path=ppt/tags/tag7.xml><?xml version="1.0" encoding="utf-8"?>
+<p:tagLst xmlns:a="http://schemas.openxmlformats.org/drawingml/2006/main" xmlns:r="http://schemas.openxmlformats.org/officeDocument/2006/relationships" xmlns:p="http://schemas.openxmlformats.org/presentationml/2006/main">
+  <p:tag name="DELIMITERS" val="3.1"/>
+</p:tagLst>
+</file>
+
+<file path=ppt/tags/tag8.xml><?xml version="1.0" encoding="utf-8"?>
+<p:tagLst xmlns:a="http://schemas.openxmlformats.org/drawingml/2006/main" xmlns:r="http://schemas.openxmlformats.org/officeDocument/2006/relationships" xmlns:p="http://schemas.openxmlformats.org/presentationml/2006/main">
+  <p:tag name="DELIMITERS" val="3.1"/>
+</p:tagLst>
+</file>
+
+<file path=ppt/tags/tag9.xml><?xml version="1.0" encoding="utf-8"?>
 <p:tagLst xmlns:a="http://schemas.openxmlformats.org/drawingml/2006/main" xmlns:r="http://schemas.openxmlformats.org/officeDocument/2006/relationships" xmlns:p="http://schemas.openxmlformats.org/presentationml/2006/main">
   <p:tag name="DELIMITERS" val="3.1"/>
 </p:tagLst>
